--- a/slides/ML - Module 3 - Classification - Additional Slides.pptx
+++ b/slides/ML - Module 3 - Classification - Additional Slides.pptx
@@ -28,6 +28,8 @@
     <p:sldId id="2625" r:id="rId22"/>
     <p:sldId id="2627" r:id="rId23"/>
     <p:sldId id="2628" r:id="rId24"/>
+    <p:sldId id="2637" r:id="rId25"/>
+    <p:sldId id="2636" r:id="rId26"/>
   </p:sldIdLst>
   <p:sldSz cx="12192000" cy="6858000"/>
   <p:notesSz cx="6858000" cy="9144000"/>
@@ -283,7 +285,7 @@
           <a:p>
             <a:fld id="{A7820E67-35E2-42ED-82FC-536D00D27FB6}" type="datetimeFigureOut">
               <a:rPr lang="en-GB" smtClean="0"/>
-              <a:t>25/01/2026</a:t>
+              <a:t>26/01/2026</a:t>
             </a:fld>
             <a:endParaRPr lang="en-GB"/>
           </a:p>
@@ -483,7 +485,7 @@
           <a:p>
             <a:fld id="{A7820E67-35E2-42ED-82FC-536D00D27FB6}" type="datetimeFigureOut">
               <a:rPr lang="en-GB" smtClean="0"/>
-              <a:t>25/01/2026</a:t>
+              <a:t>26/01/2026</a:t>
             </a:fld>
             <a:endParaRPr lang="en-GB"/>
           </a:p>
@@ -693,7 +695,7 @@
           <a:p>
             <a:fld id="{A7820E67-35E2-42ED-82FC-536D00D27FB6}" type="datetimeFigureOut">
               <a:rPr lang="en-GB" smtClean="0"/>
-              <a:t>25/01/2026</a:t>
+              <a:t>26/01/2026</a:t>
             </a:fld>
             <a:endParaRPr lang="en-GB"/>
           </a:p>
@@ -893,7 +895,7 @@
           <a:p>
             <a:fld id="{A7820E67-35E2-42ED-82FC-536D00D27FB6}" type="datetimeFigureOut">
               <a:rPr lang="en-GB" smtClean="0"/>
-              <a:t>25/01/2026</a:t>
+              <a:t>26/01/2026</a:t>
             </a:fld>
             <a:endParaRPr lang="en-GB"/>
           </a:p>
@@ -1169,7 +1171,7 @@
           <a:p>
             <a:fld id="{A7820E67-35E2-42ED-82FC-536D00D27FB6}" type="datetimeFigureOut">
               <a:rPr lang="en-GB" smtClean="0"/>
-              <a:t>25/01/2026</a:t>
+              <a:t>26/01/2026</a:t>
             </a:fld>
             <a:endParaRPr lang="en-GB"/>
           </a:p>
@@ -1437,7 +1439,7 @@
           <a:p>
             <a:fld id="{A7820E67-35E2-42ED-82FC-536D00D27FB6}" type="datetimeFigureOut">
               <a:rPr lang="en-GB" smtClean="0"/>
-              <a:t>25/01/2026</a:t>
+              <a:t>26/01/2026</a:t>
             </a:fld>
             <a:endParaRPr lang="en-GB"/>
           </a:p>
@@ -1852,7 +1854,7 @@
           <a:p>
             <a:fld id="{A7820E67-35E2-42ED-82FC-536D00D27FB6}" type="datetimeFigureOut">
               <a:rPr lang="en-GB" smtClean="0"/>
-              <a:t>25/01/2026</a:t>
+              <a:t>26/01/2026</a:t>
             </a:fld>
             <a:endParaRPr lang="en-GB"/>
           </a:p>
@@ -1994,7 +1996,7 @@
           <a:p>
             <a:fld id="{A7820E67-35E2-42ED-82FC-536D00D27FB6}" type="datetimeFigureOut">
               <a:rPr lang="en-GB" smtClean="0"/>
-              <a:t>25/01/2026</a:t>
+              <a:t>26/01/2026</a:t>
             </a:fld>
             <a:endParaRPr lang="en-GB"/>
           </a:p>
@@ -2107,7 +2109,7 @@
           <a:p>
             <a:fld id="{A7820E67-35E2-42ED-82FC-536D00D27FB6}" type="datetimeFigureOut">
               <a:rPr lang="en-GB" smtClean="0"/>
-              <a:t>25/01/2026</a:t>
+              <a:t>26/01/2026</a:t>
             </a:fld>
             <a:endParaRPr lang="en-GB"/>
           </a:p>
@@ -2420,7 +2422,7 @@
           <a:p>
             <a:fld id="{A7820E67-35E2-42ED-82FC-536D00D27FB6}" type="datetimeFigureOut">
               <a:rPr lang="en-GB" smtClean="0"/>
-              <a:t>25/01/2026</a:t>
+              <a:t>26/01/2026</a:t>
             </a:fld>
             <a:endParaRPr lang="en-GB"/>
           </a:p>
@@ -2709,7 +2711,7 @@
           <a:p>
             <a:fld id="{A7820E67-35E2-42ED-82FC-536D00D27FB6}" type="datetimeFigureOut">
               <a:rPr lang="en-GB" smtClean="0"/>
-              <a:t>25/01/2026</a:t>
+              <a:t>26/01/2026</a:t>
             </a:fld>
             <a:endParaRPr lang="en-GB"/>
           </a:p>
@@ -2952,7 +2954,7 @@
           <a:p>
             <a:fld id="{A7820E67-35E2-42ED-82FC-536D00D27FB6}" type="datetimeFigureOut">
               <a:rPr lang="en-GB" smtClean="0"/>
-              <a:t>25/01/2026</a:t>
+              <a:t>26/01/2026</a:t>
             </a:fld>
             <a:endParaRPr lang="en-GB"/>
           </a:p>
@@ -11725,7 +11727,7 @@
                         <a:buNone/>
                       </a:pPr>
                       <a:r>
-                        <a:rPr lang="en-GB" sz="1400"/>
+                        <a:rPr lang="en-GB" sz="1400" dirty="0"/>
                         <a:t>Weight (kg)</a:t>
                       </a:r>
                     </a:p>
@@ -18335,6 +18337,6470 @@
     <p:extLst>
       <p:ext uri="{BB962C8B-B14F-4D97-AF65-F5344CB8AC3E}">
         <p14:creationId xmlns:p14="http://schemas.microsoft.com/office/powerpoint/2010/main" val="491119930"/>
+      </p:ext>
+    </p:extLst>
+  </p:cSld>
+  <p:clrMapOvr>
+    <a:masterClrMapping/>
+  </p:clrMapOvr>
+</p:sld>
+</file>
+
+<file path=ppt/slides/slide24.xml><?xml version="1.0" encoding="utf-8"?>
+<p:sld xmlns:a="http://schemas.openxmlformats.org/drawingml/2006/main" xmlns:r="http://schemas.openxmlformats.org/officeDocument/2006/relationships" xmlns:p="http://schemas.openxmlformats.org/presentationml/2006/main">
+  <p:cSld>
+    <p:spTree>
+      <p:nvGrpSpPr>
+        <p:cNvPr id="1" name=""/>
+        <p:cNvGrpSpPr/>
+        <p:nvPr/>
+      </p:nvGrpSpPr>
+      <p:grpSpPr>
+        <a:xfrm>
+          <a:off x="0" y="0"/>
+          <a:ext cx="0" cy="0"/>
+          <a:chOff x="0" y="0"/>
+          <a:chExt cx="0" cy="0"/>
+        </a:xfrm>
+      </p:grpSpPr>
+      <p:sp>
+        <p:nvSpPr>
+          <p:cNvPr id="2" name="Title 1">
+            <a:extLst>
+              <a:ext uri="{FF2B5EF4-FFF2-40B4-BE49-F238E27FC236}">
+                <a16:creationId xmlns:a16="http://schemas.microsoft.com/office/drawing/2014/main" id="{CE6B907A-9396-2D6B-A88D-C39FDEB15449}"/>
+              </a:ext>
+            </a:extLst>
+          </p:cNvPr>
+          <p:cNvSpPr>
+            <a:spLocks noGrp="1"/>
+          </p:cNvSpPr>
+          <p:nvPr>
+            <p:ph type="title"/>
+          </p:nvPr>
+        </p:nvSpPr>
+        <p:spPr/>
+        <p:txBody>
+          <a:bodyPr/>
+          <a:lstStyle/>
+          <a:p>
+            <a:r>
+              <a:rPr lang="en-IN" dirty="0"/>
+              <a:t>Techniques Compared</a:t>
+            </a:r>
+            <a:endParaRPr lang="en-GB" dirty="0"/>
+          </a:p>
+        </p:txBody>
+      </p:sp>
+      <p:graphicFrame>
+        <p:nvGraphicFramePr>
+          <p:cNvPr id="4" name="Content Placeholder 3">
+            <a:extLst>
+              <a:ext uri="{FF2B5EF4-FFF2-40B4-BE49-F238E27FC236}">
+                <a16:creationId xmlns:a16="http://schemas.microsoft.com/office/drawing/2014/main" id="{718272B1-E04D-DC54-9BFB-13418260E7D5}"/>
+              </a:ext>
+            </a:extLst>
+          </p:cNvPr>
+          <p:cNvGraphicFramePr>
+            <a:graphicFrameLocks noGrp="1"/>
+          </p:cNvGraphicFramePr>
+          <p:nvPr>
+            <p:ph idx="1"/>
+            <p:extLst>
+              <p:ext uri="{D42A27DB-BD31-4B8C-83A1-F6EECF244321}">
+                <p14:modId xmlns:p14="http://schemas.microsoft.com/office/powerpoint/2010/main" val="326795522"/>
+              </p:ext>
+            </p:extLst>
+          </p:nvPr>
+        </p:nvGraphicFramePr>
+        <p:xfrm>
+          <a:off x="425790" y="1825624"/>
+          <a:ext cx="11461408" cy="4750051"/>
+        </p:xfrm>
+        <a:graphic>
+          <a:graphicData uri="http://schemas.openxmlformats.org/drawingml/2006/table">
+            <a:tbl>
+              <a:tblPr firstRow="1">
+                <a:tableStyleId>{72833802-FEF1-4C79-8D5D-14CF1EAF98D9}</a:tableStyleId>
+              </a:tblPr>
+              <a:tblGrid>
+                <a:gridCol w="1637344">
+                  <a:extLst>
+                    <a:ext uri="{9D8B030D-6E8A-4147-A177-3AD203B41FA5}">
+                      <a16:colId xmlns:a16="http://schemas.microsoft.com/office/drawing/2014/main" val="1912254214"/>
+                    </a:ext>
+                  </a:extLst>
+                </a:gridCol>
+                <a:gridCol w="1637344">
+                  <a:extLst>
+                    <a:ext uri="{9D8B030D-6E8A-4147-A177-3AD203B41FA5}">
+                      <a16:colId xmlns:a16="http://schemas.microsoft.com/office/drawing/2014/main" val="1317567811"/>
+                    </a:ext>
+                  </a:extLst>
+                </a:gridCol>
+                <a:gridCol w="1637344">
+                  <a:extLst>
+                    <a:ext uri="{9D8B030D-6E8A-4147-A177-3AD203B41FA5}">
+                      <a16:colId xmlns:a16="http://schemas.microsoft.com/office/drawing/2014/main" val="3148583402"/>
+                    </a:ext>
+                  </a:extLst>
+                </a:gridCol>
+                <a:gridCol w="1637344">
+                  <a:extLst>
+                    <a:ext uri="{9D8B030D-6E8A-4147-A177-3AD203B41FA5}">
+                      <a16:colId xmlns:a16="http://schemas.microsoft.com/office/drawing/2014/main" val="2914140813"/>
+                    </a:ext>
+                  </a:extLst>
+                </a:gridCol>
+                <a:gridCol w="1637344">
+                  <a:extLst>
+                    <a:ext uri="{9D8B030D-6E8A-4147-A177-3AD203B41FA5}">
+                      <a16:colId xmlns:a16="http://schemas.microsoft.com/office/drawing/2014/main" val="560412927"/>
+                    </a:ext>
+                  </a:extLst>
+                </a:gridCol>
+                <a:gridCol w="1637344">
+                  <a:extLst>
+                    <a:ext uri="{9D8B030D-6E8A-4147-A177-3AD203B41FA5}">
+                      <a16:colId xmlns:a16="http://schemas.microsoft.com/office/drawing/2014/main" val="2948354257"/>
+                    </a:ext>
+                  </a:extLst>
+                </a:gridCol>
+                <a:gridCol w="1637344">
+                  <a:extLst>
+                    <a:ext uri="{9D8B030D-6E8A-4147-A177-3AD203B41FA5}">
+                      <a16:colId xmlns:a16="http://schemas.microsoft.com/office/drawing/2014/main" val="1781466793"/>
+                    </a:ext>
+                  </a:extLst>
+                </a:gridCol>
+              </a:tblGrid>
+              <a:tr h="475928">
+                <a:tc>
+                  <a:txBody>
+                    <a:bodyPr/>
+                    <a:lstStyle/>
+                    <a:p>
+                      <a:pPr>
+                        <a:buNone/>
+                      </a:pPr>
+                      <a:r>
+                        <a:rPr lang="en-GB" sz="1600"/>
+                        <a:t>Algorithm</a:t>
+                      </a:r>
+                    </a:p>
+                  </a:txBody>
+                  <a:tcPr marL="67990" marR="67990" marT="33995" marB="33995" anchor="ctr">
+                    <a:lnL w="12700" cap="flat" cmpd="sng" algn="ctr">
+                      <a:solidFill>
+                        <a:schemeClr val="tx1"/>
+                      </a:solidFill>
+                      <a:prstDash val="solid"/>
+                      <a:round/>
+                      <a:headEnd type="none" w="med" len="med"/>
+                      <a:tailEnd type="none" w="med" len="med"/>
+                    </a:lnL>
+                    <a:lnR w="12700" cap="flat" cmpd="sng" algn="ctr">
+                      <a:solidFill>
+                        <a:schemeClr val="tx1"/>
+                      </a:solidFill>
+                      <a:prstDash val="solid"/>
+                      <a:round/>
+                      <a:headEnd type="none" w="med" len="med"/>
+                      <a:tailEnd type="none" w="med" len="med"/>
+                    </a:lnR>
+                    <a:lnT w="12700" cap="flat" cmpd="sng" algn="ctr">
+                      <a:solidFill>
+                        <a:schemeClr val="tx1"/>
+                      </a:solidFill>
+                      <a:prstDash val="solid"/>
+                      <a:round/>
+                      <a:headEnd type="none" w="med" len="med"/>
+                      <a:tailEnd type="none" w="med" len="med"/>
+                    </a:lnT>
+                    <a:lnB w="12700" cap="flat" cmpd="sng" algn="ctr">
+                      <a:solidFill>
+                        <a:schemeClr val="tx1"/>
+                      </a:solidFill>
+                      <a:prstDash val="solid"/>
+                      <a:round/>
+                      <a:headEnd type="none" w="med" len="med"/>
+                      <a:tailEnd type="none" w="med" len="med"/>
+                    </a:lnB>
+                  </a:tcPr>
+                </a:tc>
+                <a:tc>
+                  <a:txBody>
+                    <a:bodyPr/>
+                    <a:lstStyle/>
+                    <a:p>
+                      <a:pPr>
+                        <a:buNone/>
+                      </a:pPr>
+                      <a:r>
+                        <a:rPr lang="en-GB" sz="1600"/>
+                        <a:t>Core idea (intuition)</a:t>
+                      </a:r>
+                    </a:p>
+                  </a:txBody>
+                  <a:tcPr marL="67990" marR="67990" marT="33995" marB="33995" anchor="ctr">
+                    <a:lnL w="12700" cap="flat" cmpd="sng" algn="ctr">
+                      <a:solidFill>
+                        <a:schemeClr val="tx1"/>
+                      </a:solidFill>
+                      <a:prstDash val="solid"/>
+                      <a:round/>
+                      <a:headEnd type="none" w="med" len="med"/>
+                      <a:tailEnd type="none" w="med" len="med"/>
+                    </a:lnL>
+                    <a:lnR w="12700" cap="flat" cmpd="sng" algn="ctr">
+                      <a:solidFill>
+                        <a:schemeClr val="tx1"/>
+                      </a:solidFill>
+                      <a:prstDash val="solid"/>
+                      <a:round/>
+                      <a:headEnd type="none" w="med" len="med"/>
+                      <a:tailEnd type="none" w="med" len="med"/>
+                    </a:lnR>
+                    <a:lnT w="12700" cap="flat" cmpd="sng" algn="ctr">
+                      <a:solidFill>
+                        <a:schemeClr val="tx1"/>
+                      </a:solidFill>
+                      <a:prstDash val="solid"/>
+                      <a:round/>
+                      <a:headEnd type="none" w="med" len="med"/>
+                      <a:tailEnd type="none" w="med" len="med"/>
+                    </a:lnT>
+                    <a:lnB w="12700" cap="flat" cmpd="sng" algn="ctr">
+                      <a:solidFill>
+                        <a:schemeClr val="tx1"/>
+                      </a:solidFill>
+                      <a:prstDash val="solid"/>
+                      <a:round/>
+                      <a:headEnd type="none" w="med" len="med"/>
+                      <a:tailEnd type="none" w="med" len="med"/>
+                    </a:lnB>
+                  </a:tcPr>
+                </a:tc>
+                <a:tc>
+                  <a:txBody>
+                    <a:bodyPr/>
+                    <a:lstStyle/>
+                    <a:p>
+                      <a:pPr>
+                        <a:buNone/>
+                      </a:pPr>
+                      <a:r>
+                        <a:rPr lang="en-GB" sz="1600"/>
+                        <a:t>Data size it likes</a:t>
+                      </a:r>
+                    </a:p>
+                  </a:txBody>
+                  <a:tcPr marL="67990" marR="67990" marT="33995" marB="33995" anchor="ctr">
+                    <a:lnL w="12700" cap="flat" cmpd="sng" algn="ctr">
+                      <a:solidFill>
+                        <a:schemeClr val="tx1"/>
+                      </a:solidFill>
+                      <a:prstDash val="solid"/>
+                      <a:round/>
+                      <a:headEnd type="none" w="med" len="med"/>
+                      <a:tailEnd type="none" w="med" len="med"/>
+                    </a:lnL>
+                    <a:lnR w="12700" cap="flat" cmpd="sng" algn="ctr">
+                      <a:solidFill>
+                        <a:schemeClr val="tx1"/>
+                      </a:solidFill>
+                      <a:prstDash val="solid"/>
+                      <a:round/>
+                      <a:headEnd type="none" w="med" len="med"/>
+                      <a:tailEnd type="none" w="med" len="med"/>
+                    </a:lnR>
+                    <a:lnT w="12700" cap="flat" cmpd="sng" algn="ctr">
+                      <a:solidFill>
+                        <a:schemeClr val="tx1"/>
+                      </a:solidFill>
+                      <a:prstDash val="solid"/>
+                      <a:round/>
+                      <a:headEnd type="none" w="med" len="med"/>
+                      <a:tailEnd type="none" w="med" len="med"/>
+                    </a:lnT>
+                    <a:lnB w="12700" cap="flat" cmpd="sng" algn="ctr">
+                      <a:solidFill>
+                        <a:schemeClr val="tx1"/>
+                      </a:solidFill>
+                      <a:prstDash val="solid"/>
+                      <a:round/>
+                      <a:headEnd type="none" w="med" len="med"/>
+                      <a:tailEnd type="none" w="med" len="med"/>
+                    </a:lnB>
+                  </a:tcPr>
+                </a:tc>
+                <a:tc>
+                  <a:txBody>
+                    <a:bodyPr/>
+                    <a:lstStyle/>
+                    <a:p>
+                      <a:pPr>
+                        <a:buNone/>
+                      </a:pPr>
+                      <a:r>
+                        <a:rPr lang="en-GB" sz="1600"/>
+                        <a:t>Interpretability</a:t>
+                      </a:r>
+                    </a:p>
+                  </a:txBody>
+                  <a:tcPr marL="67990" marR="67990" marT="33995" marB="33995" anchor="ctr">
+                    <a:lnL w="12700" cap="flat" cmpd="sng" algn="ctr">
+                      <a:solidFill>
+                        <a:schemeClr val="tx1"/>
+                      </a:solidFill>
+                      <a:prstDash val="solid"/>
+                      <a:round/>
+                      <a:headEnd type="none" w="med" len="med"/>
+                      <a:tailEnd type="none" w="med" len="med"/>
+                    </a:lnL>
+                    <a:lnR w="12700" cap="flat" cmpd="sng" algn="ctr">
+                      <a:solidFill>
+                        <a:schemeClr val="tx1"/>
+                      </a:solidFill>
+                      <a:prstDash val="solid"/>
+                      <a:round/>
+                      <a:headEnd type="none" w="med" len="med"/>
+                      <a:tailEnd type="none" w="med" len="med"/>
+                    </a:lnR>
+                    <a:lnT w="12700" cap="flat" cmpd="sng" algn="ctr">
+                      <a:solidFill>
+                        <a:schemeClr val="tx1"/>
+                      </a:solidFill>
+                      <a:prstDash val="solid"/>
+                      <a:round/>
+                      <a:headEnd type="none" w="med" len="med"/>
+                      <a:tailEnd type="none" w="med" len="med"/>
+                    </a:lnT>
+                    <a:lnB w="12700" cap="flat" cmpd="sng" algn="ctr">
+                      <a:solidFill>
+                        <a:schemeClr val="tx1"/>
+                      </a:solidFill>
+                      <a:prstDash val="solid"/>
+                      <a:round/>
+                      <a:headEnd type="none" w="med" len="med"/>
+                      <a:tailEnd type="none" w="med" len="med"/>
+                    </a:lnB>
+                  </a:tcPr>
+                </a:tc>
+                <a:tc>
+                  <a:txBody>
+                    <a:bodyPr/>
+                    <a:lstStyle/>
+                    <a:p>
+                      <a:pPr>
+                        <a:buNone/>
+                      </a:pPr>
+                      <a:r>
+                        <a:rPr lang="en-GB" sz="1600"/>
+                        <a:t>Handles non-linearity</a:t>
+                      </a:r>
+                    </a:p>
+                  </a:txBody>
+                  <a:tcPr marL="67990" marR="67990" marT="33995" marB="33995" anchor="ctr">
+                    <a:lnL w="12700" cap="flat" cmpd="sng" algn="ctr">
+                      <a:solidFill>
+                        <a:schemeClr val="tx1"/>
+                      </a:solidFill>
+                      <a:prstDash val="solid"/>
+                      <a:round/>
+                      <a:headEnd type="none" w="med" len="med"/>
+                      <a:tailEnd type="none" w="med" len="med"/>
+                    </a:lnL>
+                    <a:lnR w="12700" cap="flat" cmpd="sng" algn="ctr">
+                      <a:solidFill>
+                        <a:schemeClr val="tx1"/>
+                      </a:solidFill>
+                      <a:prstDash val="solid"/>
+                      <a:round/>
+                      <a:headEnd type="none" w="med" len="med"/>
+                      <a:tailEnd type="none" w="med" len="med"/>
+                    </a:lnR>
+                    <a:lnT w="12700" cap="flat" cmpd="sng" algn="ctr">
+                      <a:solidFill>
+                        <a:schemeClr val="tx1"/>
+                      </a:solidFill>
+                      <a:prstDash val="solid"/>
+                      <a:round/>
+                      <a:headEnd type="none" w="med" len="med"/>
+                      <a:tailEnd type="none" w="med" len="med"/>
+                    </a:lnT>
+                    <a:lnB w="12700" cap="flat" cmpd="sng" algn="ctr">
+                      <a:solidFill>
+                        <a:schemeClr val="tx1"/>
+                      </a:solidFill>
+                      <a:prstDash val="solid"/>
+                      <a:round/>
+                      <a:headEnd type="none" w="med" len="med"/>
+                      <a:tailEnd type="none" w="med" len="med"/>
+                    </a:lnB>
+                  </a:tcPr>
+                </a:tc>
+                <a:tc>
+                  <a:txBody>
+                    <a:bodyPr/>
+                    <a:lstStyle/>
+                    <a:p>
+                      <a:pPr>
+                        <a:buNone/>
+                      </a:pPr>
+                      <a:r>
+                        <a:rPr lang="en-GB" sz="1600"/>
+                        <a:t>Sensitive to scaling?</a:t>
+                      </a:r>
+                    </a:p>
+                  </a:txBody>
+                  <a:tcPr marL="67990" marR="67990" marT="33995" marB="33995" anchor="ctr">
+                    <a:lnL w="12700" cap="flat" cmpd="sng" algn="ctr">
+                      <a:solidFill>
+                        <a:schemeClr val="tx1"/>
+                      </a:solidFill>
+                      <a:prstDash val="solid"/>
+                      <a:round/>
+                      <a:headEnd type="none" w="med" len="med"/>
+                      <a:tailEnd type="none" w="med" len="med"/>
+                    </a:lnL>
+                    <a:lnR w="12700" cap="flat" cmpd="sng" algn="ctr">
+                      <a:solidFill>
+                        <a:schemeClr val="tx1"/>
+                      </a:solidFill>
+                      <a:prstDash val="solid"/>
+                      <a:round/>
+                      <a:headEnd type="none" w="med" len="med"/>
+                      <a:tailEnd type="none" w="med" len="med"/>
+                    </a:lnR>
+                    <a:lnT w="12700" cap="flat" cmpd="sng" algn="ctr">
+                      <a:solidFill>
+                        <a:schemeClr val="tx1"/>
+                      </a:solidFill>
+                      <a:prstDash val="solid"/>
+                      <a:round/>
+                      <a:headEnd type="none" w="med" len="med"/>
+                      <a:tailEnd type="none" w="med" len="med"/>
+                    </a:lnT>
+                    <a:lnB w="12700" cap="flat" cmpd="sng" algn="ctr">
+                      <a:solidFill>
+                        <a:schemeClr val="tx1"/>
+                      </a:solidFill>
+                      <a:prstDash val="solid"/>
+                      <a:round/>
+                      <a:headEnd type="none" w="med" len="med"/>
+                      <a:tailEnd type="none" w="med" len="med"/>
+                    </a:lnB>
+                  </a:tcPr>
+                </a:tc>
+                <a:tc>
+                  <a:txBody>
+                    <a:bodyPr/>
+                    <a:lstStyle/>
+                    <a:p>
+                      <a:pPr>
+                        <a:buNone/>
+                      </a:pPr>
+                      <a:r>
+                        <a:rPr lang="en-US" sz="1600"/>
+                        <a:t>When to use (simple rule)</a:t>
+                      </a:r>
+                    </a:p>
+                  </a:txBody>
+                  <a:tcPr marL="67990" marR="67990" marT="33995" marB="33995" anchor="ctr">
+                    <a:lnL w="12700" cap="flat" cmpd="sng" algn="ctr">
+                      <a:solidFill>
+                        <a:schemeClr val="tx1"/>
+                      </a:solidFill>
+                      <a:prstDash val="solid"/>
+                      <a:round/>
+                      <a:headEnd type="none" w="med" len="med"/>
+                      <a:tailEnd type="none" w="med" len="med"/>
+                    </a:lnL>
+                    <a:lnR w="12700" cap="flat" cmpd="sng" algn="ctr">
+                      <a:solidFill>
+                        <a:schemeClr val="tx1"/>
+                      </a:solidFill>
+                      <a:prstDash val="solid"/>
+                      <a:round/>
+                      <a:headEnd type="none" w="med" len="med"/>
+                      <a:tailEnd type="none" w="med" len="med"/>
+                    </a:lnR>
+                    <a:lnT w="12700" cap="flat" cmpd="sng" algn="ctr">
+                      <a:solidFill>
+                        <a:schemeClr val="tx1"/>
+                      </a:solidFill>
+                      <a:prstDash val="solid"/>
+                      <a:round/>
+                      <a:headEnd type="none" w="med" len="med"/>
+                      <a:tailEnd type="none" w="med" len="med"/>
+                    </a:lnT>
+                    <a:lnB w="12700" cap="flat" cmpd="sng" algn="ctr">
+                      <a:solidFill>
+                        <a:schemeClr val="tx1"/>
+                      </a:solidFill>
+                      <a:prstDash val="solid"/>
+                      <a:round/>
+                      <a:headEnd type="none" w="med" len="med"/>
+                      <a:tailEnd type="none" w="med" len="med"/>
+                    </a:lnB>
+                  </a:tcPr>
+                </a:tc>
+                <a:extLst>
+                  <a:ext uri="{0D108BD9-81ED-4DB2-BD59-A6C34878D82A}">
+                    <a16:rowId xmlns:a16="http://schemas.microsoft.com/office/drawing/2014/main" val="3681957718"/>
+                  </a:ext>
+                </a:extLst>
+              </a:tr>
+              <a:tr h="679897">
+                <a:tc>
+                  <a:txBody>
+                    <a:bodyPr/>
+                    <a:lstStyle/>
+                    <a:p>
+                      <a:pPr>
+                        <a:buNone/>
+                      </a:pPr>
+                      <a:r>
+                        <a:rPr lang="en-GB" sz="1600" b="1"/>
+                        <a:t>Logistic Regression</a:t>
+                      </a:r>
+                      <a:endParaRPr lang="en-GB" sz="1600"/>
+                    </a:p>
+                  </a:txBody>
+                  <a:tcPr marL="67990" marR="67990" marT="33995" marB="33995" anchor="ctr">
+                    <a:lnL w="12700" cap="flat" cmpd="sng" algn="ctr">
+                      <a:solidFill>
+                        <a:schemeClr val="tx1"/>
+                      </a:solidFill>
+                      <a:prstDash val="solid"/>
+                      <a:round/>
+                      <a:headEnd type="none" w="med" len="med"/>
+                      <a:tailEnd type="none" w="med" len="med"/>
+                    </a:lnL>
+                    <a:lnR w="12700" cap="flat" cmpd="sng" algn="ctr">
+                      <a:solidFill>
+                        <a:schemeClr val="tx1"/>
+                      </a:solidFill>
+                      <a:prstDash val="solid"/>
+                      <a:round/>
+                      <a:headEnd type="none" w="med" len="med"/>
+                      <a:tailEnd type="none" w="med" len="med"/>
+                    </a:lnR>
+                    <a:lnT w="12700" cap="flat" cmpd="sng" algn="ctr">
+                      <a:solidFill>
+                        <a:schemeClr val="tx1"/>
+                      </a:solidFill>
+                      <a:prstDash val="solid"/>
+                      <a:round/>
+                      <a:headEnd type="none" w="med" len="med"/>
+                      <a:tailEnd type="none" w="med" len="med"/>
+                    </a:lnT>
+                    <a:lnB w="12700" cap="flat" cmpd="sng" algn="ctr">
+                      <a:solidFill>
+                        <a:schemeClr val="tx1"/>
+                      </a:solidFill>
+                      <a:prstDash val="solid"/>
+                      <a:round/>
+                      <a:headEnd type="none" w="med" len="med"/>
+                      <a:tailEnd type="none" w="med" len="med"/>
+                    </a:lnB>
+                  </a:tcPr>
+                </a:tc>
+                <a:tc>
+                  <a:txBody>
+                    <a:bodyPr/>
+                    <a:lstStyle/>
+                    <a:p>
+                      <a:pPr>
+                        <a:buNone/>
+                      </a:pPr>
+                      <a:r>
+                        <a:rPr lang="en-GB" sz="1600"/>
+                        <a:t>Probability-based linear classifier</a:t>
+                      </a:r>
+                    </a:p>
+                  </a:txBody>
+                  <a:tcPr marL="67990" marR="67990" marT="33995" marB="33995" anchor="ctr">
+                    <a:lnL w="12700" cap="flat" cmpd="sng" algn="ctr">
+                      <a:solidFill>
+                        <a:schemeClr val="tx1"/>
+                      </a:solidFill>
+                      <a:prstDash val="solid"/>
+                      <a:round/>
+                      <a:headEnd type="none" w="med" len="med"/>
+                      <a:tailEnd type="none" w="med" len="med"/>
+                    </a:lnL>
+                    <a:lnR w="12700" cap="flat" cmpd="sng" algn="ctr">
+                      <a:solidFill>
+                        <a:schemeClr val="tx1"/>
+                      </a:solidFill>
+                      <a:prstDash val="solid"/>
+                      <a:round/>
+                      <a:headEnd type="none" w="med" len="med"/>
+                      <a:tailEnd type="none" w="med" len="med"/>
+                    </a:lnR>
+                    <a:lnT w="12700" cap="flat" cmpd="sng" algn="ctr">
+                      <a:solidFill>
+                        <a:schemeClr val="tx1"/>
+                      </a:solidFill>
+                      <a:prstDash val="solid"/>
+                      <a:round/>
+                      <a:headEnd type="none" w="med" len="med"/>
+                      <a:tailEnd type="none" w="med" len="med"/>
+                    </a:lnT>
+                    <a:lnB w="12700" cap="flat" cmpd="sng" algn="ctr">
+                      <a:solidFill>
+                        <a:schemeClr val="tx1"/>
+                      </a:solidFill>
+                      <a:prstDash val="solid"/>
+                      <a:round/>
+                      <a:headEnd type="none" w="med" len="med"/>
+                      <a:tailEnd type="none" w="med" len="med"/>
+                    </a:lnB>
+                  </a:tcPr>
+                </a:tc>
+                <a:tc>
+                  <a:txBody>
+                    <a:bodyPr/>
+                    <a:lstStyle/>
+                    <a:p>
+                      <a:pPr>
+                        <a:buNone/>
+                      </a:pPr>
+                      <a:r>
+                        <a:rPr lang="en-GB" sz="1600"/>
+                        <a:t>Small → Large</a:t>
+                      </a:r>
+                    </a:p>
+                  </a:txBody>
+                  <a:tcPr marL="67990" marR="67990" marT="33995" marB="33995" anchor="ctr">
+                    <a:lnL w="12700" cap="flat" cmpd="sng" algn="ctr">
+                      <a:solidFill>
+                        <a:schemeClr val="tx1"/>
+                      </a:solidFill>
+                      <a:prstDash val="solid"/>
+                      <a:round/>
+                      <a:headEnd type="none" w="med" len="med"/>
+                      <a:tailEnd type="none" w="med" len="med"/>
+                    </a:lnL>
+                    <a:lnR w="12700" cap="flat" cmpd="sng" algn="ctr">
+                      <a:solidFill>
+                        <a:schemeClr val="tx1"/>
+                      </a:solidFill>
+                      <a:prstDash val="solid"/>
+                      <a:round/>
+                      <a:headEnd type="none" w="med" len="med"/>
+                      <a:tailEnd type="none" w="med" len="med"/>
+                    </a:lnR>
+                    <a:lnT w="12700" cap="flat" cmpd="sng" algn="ctr">
+                      <a:solidFill>
+                        <a:schemeClr val="tx1"/>
+                      </a:solidFill>
+                      <a:prstDash val="solid"/>
+                      <a:round/>
+                      <a:headEnd type="none" w="med" len="med"/>
+                      <a:tailEnd type="none" w="med" len="med"/>
+                    </a:lnT>
+                    <a:lnB w="12700" cap="flat" cmpd="sng" algn="ctr">
+                      <a:solidFill>
+                        <a:schemeClr val="tx1"/>
+                      </a:solidFill>
+                      <a:prstDash val="solid"/>
+                      <a:round/>
+                      <a:headEnd type="none" w="med" len="med"/>
+                      <a:tailEnd type="none" w="med" len="med"/>
+                    </a:lnB>
+                  </a:tcPr>
+                </a:tc>
+                <a:tc>
+                  <a:txBody>
+                    <a:bodyPr/>
+                    <a:lstStyle/>
+                    <a:p>
+                      <a:pPr>
+                        <a:buNone/>
+                      </a:pPr>
+                      <a:r>
+                        <a:rPr lang="en-GB" sz="1600"/>
+                        <a:t>✅ High</a:t>
+                      </a:r>
+                    </a:p>
+                  </a:txBody>
+                  <a:tcPr marL="67990" marR="67990" marT="33995" marB="33995" anchor="ctr">
+                    <a:lnL w="12700" cap="flat" cmpd="sng" algn="ctr">
+                      <a:solidFill>
+                        <a:schemeClr val="tx1"/>
+                      </a:solidFill>
+                      <a:prstDash val="solid"/>
+                      <a:round/>
+                      <a:headEnd type="none" w="med" len="med"/>
+                      <a:tailEnd type="none" w="med" len="med"/>
+                    </a:lnL>
+                    <a:lnR w="12700" cap="flat" cmpd="sng" algn="ctr">
+                      <a:solidFill>
+                        <a:schemeClr val="tx1"/>
+                      </a:solidFill>
+                      <a:prstDash val="solid"/>
+                      <a:round/>
+                      <a:headEnd type="none" w="med" len="med"/>
+                      <a:tailEnd type="none" w="med" len="med"/>
+                    </a:lnR>
+                    <a:lnT w="12700" cap="flat" cmpd="sng" algn="ctr">
+                      <a:solidFill>
+                        <a:schemeClr val="tx1"/>
+                      </a:solidFill>
+                      <a:prstDash val="solid"/>
+                      <a:round/>
+                      <a:headEnd type="none" w="med" len="med"/>
+                      <a:tailEnd type="none" w="med" len="med"/>
+                    </a:lnT>
+                    <a:lnB w="12700" cap="flat" cmpd="sng" algn="ctr">
+                      <a:solidFill>
+                        <a:schemeClr val="tx1"/>
+                      </a:solidFill>
+                      <a:prstDash val="solid"/>
+                      <a:round/>
+                      <a:headEnd type="none" w="med" len="med"/>
+                      <a:tailEnd type="none" w="med" len="med"/>
+                    </a:lnB>
+                  </a:tcPr>
+                </a:tc>
+                <a:tc>
+                  <a:txBody>
+                    <a:bodyPr/>
+                    <a:lstStyle/>
+                    <a:p>
+                      <a:pPr>
+                        <a:buNone/>
+                      </a:pPr>
+                      <a:r>
+                        <a:rPr lang="en-GB" sz="1600"/>
+                        <a:t>❌ No</a:t>
+                      </a:r>
+                    </a:p>
+                  </a:txBody>
+                  <a:tcPr marL="67990" marR="67990" marT="33995" marB="33995" anchor="ctr">
+                    <a:lnL w="12700" cap="flat" cmpd="sng" algn="ctr">
+                      <a:solidFill>
+                        <a:schemeClr val="tx1"/>
+                      </a:solidFill>
+                      <a:prstDash val="solid"/>
+                      <a:round/>
+                      <a:headEnd type="none" w="med" len="med"/>
+                      <a:tailEnd type="none" w="med" len="med"/>
+                    </a:lnL>
+                    <a:lnR w="12700" cap="flat" cmpd="sng" algn="ctr">
+                      <a:solidFill>
+                        <a:schemeClr val="tx1"/>
+                      </a:solidFill>
+                      <a:prstDash val="solid"/>
+                      <a:round/>
+                      <a:headEnd type="none" w="med" len="med"/>
+                      <a:tailEnd type="none" w="med" len="med"/>
+                    </a:lnR>
+                    <a:lnT w="12700" cap="flat" cmpd="sng" algn="ctr">
+                      <a:solidFill>
+                        <a:schemeClr val="tx1"/>
+                      </a:solidFill>
+                      <a:prstDash val="solid"/>
+                      <a:round/>
+                      <a:headEnd type="none" w="med" len="med"/>
+                      <a:tailEnd type="none" w="med" len="med"/>
+                    </a:lnT>
+                    <a:lnB w="12700" cap="flat" cmpd="sng" algn="ctr">
+                      <a:solidFill>
+                        <a:schemeClr val="tx1"/>
+                      </a:solidFill>
+                      <a:prstDash val="solid"/>
+                      <a:round/>
+                      <a:headEnd type="none" w="med" len="med"/>
+                      <a:tailEnd type="none" w="med" len="med"/>
+                    </a:lnB>
+                  </a:tcPr>
+                </a:tc>
+                <a:tc>
+                  <a:txBody>
+                    <a:bodyPr/>
+                    <a:lstStyle/>
+                    <a:p>
+                      <a:pPr>
+                        <a:buNone/>
+                      </a:pPr>
+                      <a:r>
+                        <a:rPr lang="en-GB" sz="1600"/>
+                        <a:t>⚠️ Yes</a:t>
+                      </a:r>
+                    </a:p>
+                  </a:txBody>
+                  <a:tcPr marL="67990" marR="67990" marT="33995" marB="33995" anchor="ctr">
+                    <a:lnL w="12700" cap="flat" cmpd="sng" algn="ctr">
+                      <a:solidFill>
+                        <a:schemeClr val="tx1"/>
+                      </a:solidFill>
+                      <a:prstDash val="solid"/>
+                      <a:round/>
+                      <a:headEnd type="none" w="med" len="med"/>
+                      <a:tailEnd type="none" w="med" len="med"/>
+                    </a:lnL>
+                    <a:lnR w="12700" cap="flat" cmpd="sng" algn="ctr">
+                      <a:solidFill>
+                        <a:schemeClr val="tx1"/>
+                      </a:solidFill>
+                      <a:prstDash val="solid"/>
+                      <a:round/>
+                      <a:headEnd type="none" w="med" len="med"/>
+                      <a:tailEnd type="none" w="med" len="med"/>
+                    </a:lnR>
+                    <a:lnT w="12700" cap="flat" cmpd="sng" algn="ctr">
+                      <a:solidFill>
+                        <a:schemeClr val="tx1"/>
+                      </a:solidFill>
+                      <a:prstDash val="solid"/>
+                      <a:round/>
+                      <a:headEnd type="none" w="med" len="med"/>
+                      <a:tailEnd type="none" w="med" len="med"/>
+                    </a:lnT>
+                    <a:lnB w="12700" cap="flat" cmpd="sng" algn="ctr">
+                      <a:solidFill>
+                        <a:schemeClr val="tx1"/>
+                      </a:solidFill>
+                      <a:prstDash val="solid"/>
+                      <a:round/>
+                      <a:headEnd type="none" w="med" len="med"/>
+                      <a:tailEnd type="none" w="med" len="med"/>
+                    </a:lnB>
+                  </a:tcPr>
+                </a:tc>
+                <a:tc>
+                  <a:txBody>
+                    <a:bodyPr/>
+                    <a:lstStyle/>
+                    <a:p>
+                      <a:pPr>
+                        <a:buNone/>
+                      </a:pPr>
+                      <a:r>
+                        <a:rPr lang="en-GB" sz="1600"/>
+                        <a:t>Need </a:t>
+                      </a:r>
+                      <a:r>
+                        <a:rPr lang="en-GB" sz="1600" b="1"/>
+                        <a:t>probabilities + explanation</a:t>
+                      </a:r>
+                      <a:endParaRPr lang="en-GB" sz="1600"/>
+                    </a:p>
+                  </a:txBody>
+                  <a:tcPr marL="67990" marR="67990" marT="33995" marB="33995" anchor="ctr">
+                    <a:lnL w="12700" cap="flat" cmpd="sng" algn="ctr">
+                      <a:solidFill>
+                        <a:schemeClr val="tx1"/>
+                      </a:solidFill>
+                      <a:prstDash val="solid"/>
+                      <a:round/>
+                      <a:headEnd type="none" w="med" len="med"/>
+                      <a:tailEnd type="none" w="med" len="med"/>
+                    </a:lnL>
+                    <a:lnR w="12700" cap="flat" cmpd="sng" algn="ctr">
+                      <a:solidFill>
+                        <a:schemeClr val="tx1"/>
+                      </a:solidFill>
+                      <a:prstDash val="solid"/>
+                      <a:round/>
+                      <a:headEnd type="none" w="med" len="med"/>
+                      <a:tailEnd type="none" w="med" len="med"/>
+                    </a:lnR>
+                    <a:lnT w="12700" cap="flat" cmpd="sng" algn="ctr">
+                      <a:solidFill>
+                        <a:schemeClr val="tx1"/>
+                      </a:solidFill>
+                      <a:prstDash val="solid"/>
+                      <a:round/>
+                      <a:headEnd type="none" w="med" len="med"/>
+                      <a:tailEnd type="none" w="med" len="med"/>
+                    </a:lnT>
+                    <a:lnB w="12700" cap="flat" cmpd="sng" algn="ctr">
+                      <a:solidFill>
+                        <a:schemeClr val="tx1"/>
+                      </a:solidFill>
+                      <a:prstDash val="solid"/>
+                      <a:round/>
+                      <a:headEnd type="none" w="med" len="med"/>
+                      <a:tailEnd type="none" w="med" len="med"/>
+                    </a:lnB>
+                  </a:tcPr>
+                </a:tc>
+                <a:extLst>
+                  <a:ext uri="{0D108BD9-81ED-4DB2-BD59-A6C34878D82A}">
+                    <a16:rowId xmlns:a16="http://schemas.microsoft.com/office/drawing/2014/main" val="3624983493"/>
+                  </a:ext>
+                </a:extLst>
+              </a:tr>
+              <a:tr h="679897">
+                <a:tc>
+                  <a:txBody>
+                    <a:bodyPr/>
+                    <a:lstStyle/>
+                    <a:p>
+                      <a:pPr>
+                        <a:buNone/>
+                      </a:pPr>
+                      <a:r>
+                        <a:rPr lang="en-GB" sz="1600" b="1"/>
+                        <a:t>Naive Bayes</a:t>
+                      </a:r>
+                      <a:endParaRPr lang="en-GB" sz="1600"/>
+                    </a:p>
+                  </a:txBody>
+                  <a:tcPr marL="67990" marR="67990" marT="33995" marB="33995" anchor="ctr">
+                    <a:lnL w="12700" cap="flat" cmpd="sng" algn="ctr">
+                      <a:solidFill>
+                        <a:schemeClr val="tx1"/>
+                      </a:solidFill>
+                      <a:prstDash val="solid"/>
+                      <a:round/>
+                      <a:headEnd type="none" w="med" len="med"/>
+                      <a:tailEnd type="none" w="med" len="med"/>
+                    </a:lnL>
+                    <a:lnR w="12700" cap="flat" cmpd="sng" algn="ctr">
+                      <a:solidFill>
+                        <a:schemeClr val="tx1"/>
+                      </a:solidFill>
+                      <a:prstDash val="solid"/>
+                      <a:round/>
+                      <a:headEnd type="none" w="med" len="med"/>
+                      <a:tailEnd type="none" w="med" len="med"/>
+                    </a:lnR>
+                    <a:lnT w="12700" cap="flat" cmpd="sng" algn="ctr">
+                      <a:solidFill>
+                        <a:schemeClr val="tx1"/>
+                      </a:solidFill>
+                      <a:prstDash val="solid"/>
+                      <a:round/>
+                      <a:headEnd type="none" w="med" len="med"/>
+                      <a:tailEnd type="none" w="med" len="med"/>
+                    </a:lnT>
+                    <a:lnB w="12700" cap="flat" cmpd="sng" algn="ctr">
+                      <a:solidFill>
+                        <a:schemeClr val="tx1"/>
+                      </a:solidFill>
+                      <a:prstDash val="solid"/>
+                      <a:round/>
+                      <a:headEnd type="none" w="med" len="med"/>
+                      <a:tailEnd type="none" w="med" len="med"/>
+                    </a:lnB>
+                  </a:tcPr>
+                </a:tc>
+                <a:tc>
+                  <a:txBody>
+                    <a:bodyPr/>
+                    <a:lstStyle/>
+                    <a:p>
+                      <a:pPr>
+                        <a:buNone/>
+                      </a:pPr>
+                      <a:r>
+                        <a:rPr lang="en-GB" sz="1600"/>
+                        <a:t>Independent features + probability</a:t>
+                      </a:r>
+                    </a:p>
+                  </a:txBody>
+                  <a:tcPr marL="67990" marR="67990" marT="33995" marB="33995" anchor="ctr">
+                    <a:lnL w="12700" cap="flat" cmpd="sng" algn="ctr">
+                      <a:solidFill>
+                        <a:schemeClr val="tx1"/>
+                      </a:solidFill>
+                      <a:prstDash val="solid"/>
+                      <a:round/>
+                      <a:headEnd type="none" w="med" len="med"/>
+                      <a:tailEnd type="none" w="med" len="med"/>
+                    </a:lnL>
+                    <a:lnR w="12700" cap="flat" cmpd="sng" algn="ctr">
+                      <a:solidFill>
+                        <a:schemeClr val="tx1"/>
+                      </a:solidFill>
+                      <a:prstDash val="solid"/>
+                      <a:round/>
+                      <a:headEnd type="none" w="med" len="med"/>
+                      <a:tailEnd type="none" w="med" len="med"/>
+                    </a:lnR>
+                    <a:lnT w="12700" cap="flat" cmpd="sng" algn="ctr">
+                      <a:solidFill>
+                        <a:schemeClr val="tx1"/>
+                      </a:solidFill>
+                      <a:prstDash val="solid"/>
+                      <a:round/>
+                      <a:headEnd type="none" w="med" len="med"/>
+                      <a:tailEnd type="none" w="med" len="med"/>
+                    </a:lnT>
+                    <a:lnB w="12700" cap="flat" cmpd="sng" algn="ctr">
+                      <a:solidFill>
+                        <a:schemeClr val="tx1"/>
+                      </a:solidFill>
+                      <a:prstDash val="solid"/>
+                      <a:round/>
+                      <a:headEnd type="none" w="med" len="med"/>
+                      <a:tailEnd type="none" w="med" len="med"/>
+                    </a:lnB>
+                  </a:tcPr>
+                </a:tc>
+                <a:tc>
+                  <a:txBody>
+                    <a:bodyPr/>
+                    <a:lstStyle/>
+                    <a:p>
+                      <a:pPr>
+                        <a:buNone/>
+                      </a:pPr>
+                      <a:r>
+                        <a:rPr lang="en-GB" sz="1600"/>
+                        <a:t>Medium → Very large</a:t>
+                      </a:r>
+                    </a:p>
+                  </a:txBody>
+                  <a:tcPr marL="67990" marR="67990" marT="33995" marB="33995" anchor="ctr">
+                    <a:lnL w="12700" cap="flat" cmpd="sng" algn="ctr">
+                      <a:solidFill>
+                        <a:schemeClr val="tx1"/>
+                      </a:solidFill>
+                      <a:prstDash val="solid"/>
+                      <a:round/>
+                      <a:headEnd type="none" w="med" len="med"/>
+                      <a:tailEnd type="none" w="med" len="med"/>
+                    </a:lnL>
+                    <a:lnR w="12700" cap="flat" cmpd="sng" algn="ctr">
+                      <a:solidFill>
+                        <a:schemeClr val="tx1"/>
+                      </a:solidFill>
+                      <a:prstDash val="solid"/>
+                      <a:round/>
+                      <a:headEnd type="none" w="med" len="med"/>
+                      <a:tailEnd type="none" w="med" len="med"/>
+                    </a:lnR>
+                    <a:lnT w="12700" cap="flat" cmpd="sng" algn="ctr">
+                      <a:solidFill>
+                        <a:schemeClr val="tx1"/>
+                      </a:solidFill>
+                      <a:prstDash val="solid"/>
+                      <a:round/>
+                      <a:headEnd type="none" w="med" len="med"/>
+                      <a:tailEnd type="none" w="med" len="med"/>
+                    </a:lnT>
+                    <a:lnB w="12700" cap="flat" cmpd="sng" algn="ctr">
+                      <a:solidFill>
+                        <a:schemeClr val="tx1"/>
+                      </a:solidFill>
+                      <a:prstDash val="solid"/>
+                      <a:round/>
+                      <a:headEnd type="none" w="med" len="med"/>
+                      <a:tailEnd type="none" w="med" len="med"/>
+                    </a:lnB>
+                  </a:tcPr>
+                </a:tc>
+                <a:tc>
+                  <a:txBody>
+                    <a:bodyPr/>
+                    <a:lstStyle/>
+                    <a:p>
+                      <a:pPr>
+                        <a:buNone/>
+                      </a:pPr>
+                      <a:r>
+                        <a:rPr lang="en-GB" sz="1600"/>
+                        <a:t>⚠️ Medium</a:t>
+                      </a:r>
+                    </a:p>
+                  </a:txBody>
+                  <a:tcPr marL="67990" marR="67990" marT="33995" marB="33995" anchor="ctr">
+                    <a:lnL w="12700" cap="flat" cmpd="sng" algn="ctr">
+                      <a:solidFill>
+                        <a:schemeClr val="tx1"/>
+                      </a:solidFill>
+                      <a:prstDash val="solid"/>
+                      <a:round/>
+                      <a:headEnd type="none" w="med" len="med"/>
+                      <a:tailEnd type="none" w="med" len="med"/>
+                    </a:lnL>
+                    <a:lnR w="12700" cap="flat" cmpd="sng" algn="ctr">
+                      <a:solidFill>
+                        <a:schemeClr val="tx1"/>
+                      </a:solidFill>
+                      <a:prstDash val="solid"/>
+                      <a:round/>
+                      <a:headEnd type="none" w="med" len="med"/>
+                      <a:tailEnd type="none" w="med" len="med"/>
+                    </a:lnR>
+                    <a:lnT w="12700" cap="flat" cmpd="sng" algn="ctr">
+                      <a:solidFill>
+                        <a:schemeClr val="tx1"/>
+                      </a:solidFill>
+                      <a:prstDash val="solid"/>
+                      <a:round/>
+                      <a:headEnd type="none" w="med" len="med"/>
+                      <a:tailEnd type="none" w="med" len="med"/>
+                    </a:lnT>
+                    <a:lnB w="12700" cap="flat" cmpd="sng" algn="ctr">
+                      <a:solidFill>
+                        <a:schemeClr val="tx1"/>
+                      </a:solidFill>
+                      <a:prstDash val="solid"/>
+                      <a:round/>
+                      <a:headEnd type="none" w="med" len="med"/>
+                      <a:tailEnd type="none" w="med" len="med"/>
+                    </a:lnB>
+                  </a:tcPr>
+                </a:tc>
+                <a:tc>
+                  <a:txBody>
+                    <a:bodyPr/>
+                    <a:lstStyle/>
+                    <a:p>
+                      <a:pPr>
+                        <a:buNone/>
+                      </a:pPr>
+                      <a:r>
+                        <a:rPr lang="en-GB" sz="1600"/>
+                        <a:t>❌ No</a:t>
+                      </a:r>
+                    </a:p>
+                  </a:txBody>
+                  <a:tcPr marL="67990" marR="67990" marT="33995" marB="33995" anchor="ctr">
+                    <a:lnL w="12700" cap="flat" cmpd="sng" algn="ctr">
+                      <a:solidFill>
+                        <a:schemeClr val="tx1"/>
+                      </a:solidFill>
+                      <a:prstDash val="solid"/>
+                      <a:round/>
+                      <a:headEnd type="none" w="med" len="med"/>
+                      <a:tailEnd type="none" w="med" len="med"/>
+                    </a:lnL>
+                    <a:lnR w="12700" cap="flat" cmpd="sng" algn="ctr">
+                      <a:solidFill>
+                        <a:schemeClr val="tx1"/>
+                      </a:solidFill>
+                      <a:prstDash val="solid"/>
+                      <a:round/>
+                      <a:headEnd type="none" w="med" len="med"/>
+                      <a:tailEnd type="none" w="med" len="med"/>
+                    </a:lnR>
+                    <a:lnT w="12700" cap="flat" cmpd="sng" algn="ctr">
+                      <a:solidFill>
+                        <a:schemeClr val="tx1"/>
+                      </a:solidFill>
+                      <a:prstDash val="solid"/>
+                      <a:round/>
+                      <a:headEnd type="none" w="med" len="med"/>
+                      <a:tailEnd type="none" w="med" len="med"/>
+                    </a:lnT>
+                    <a:lnB w="12700" cap="flat" cmpd="sng" algn="ctr">
+                      <a:solidFill>
+                        <a:schemeClr val="tx1"/>
+                      </a:solidFill>
+                      <a:prstDash val="solid"/>
+                      <a:round/>
+                      <a:headEnd type="none" w="med" len="med"/>
+                      <a:tailEnd type="none" w="med" len="med"/>
+                    </a:lnB>
+                  </a:tcPr>
+                </a:tc>
+                <a:tc>
+                  <a:txBody>
+                    <a:bodyPr/>
+                    <a:lstStyle/>
+                    <a:p>
+                      <a:pPr>
+                        <a:buNone/>
+                      </a:pPr>
+                      <a:r>
+                        <a:rPr lang="en-GB" sz="1600"/>
+                        <a:t>❌ No</a:t>
+                      </a:r>
+                    </a:p>
+                  </a:txBody>
+                  <a:tcPr marL="67990" marR="67990" marT="33995" marB="33995" anchor="ctr">
+                    <a:lnL w="12700" cap="flat" cmpd="sng" algn="ctr">
+                      <a:solidFill>
+                        <a:schemeClr val="tx1"/>
+                      </a:solidFill>
+                      <a:prstDash val="solid"/>
+                      <a:round/>
+                      <a:headEnd type="none" w="med" len="med"/>
+                      <a:tailEnd type="none" w="med" len="med"/>
+                    </a:lnL>
+                    <a:lnR w="12700" cap="flat" cmpd="sng" algn="ctr">
+                      <a:solidFill>
+                        <a:schemeClr val="tx1"/>
+                      </a:solidFill>
+                      <a:prstDash val="solid"/>
+                      <a:round/>
+                      <a:headEnd type="none" w="med" len="med"/>
+                      <a:tailEnd type="none" w="med" len="med"/>
+                    </a:lnR>
+                    <a:lnT w="12700" cap="flat" cmpd="sng" algn="ctr">
+                      <a:solidFill>
+                        <a:schemeClr val="tx1"/>
+                      </a:solidFill>
+                      <a:prstDash val="solid"/>
+                      <a:round/>
+                      <a:headEnd type="none" w="med" len="med"/>
+                      <a:tailEnd type="none" w="med" len="med"/>
+                    </a:lnT>
+                    <a:lnB w="12700" cap="flat" cmpd="sng" algn="ctr">
+                      <a:solidFill>
+                        <a:schemeClr val="tx1"/>
+                      </a:solidFill>
+                      <a:prstDash val="solid"/>
+                      <a:round/>
+                      <a:headEnd type="none" w="med" len="med"/>
+                      <a:tailEnd type="none" w="med" len="med"/>
+                    </a:lnB>
+                  </a:tcPr>
+                </a:tc>
+                <a:tc>
+                  <a:txBody>
+                    <a:bodyPr/>
+                    <a:lstStyle/>
+                    <a:p>
+                      <a:pPr>
+                        <a:buNone/>
+                      </a:pPr>
+                      <a:r>
+                        <a:rPr lang="en-GB" sz="1600" b="1"/>
+                        <a:t>Text data</a:t>
+                      </a:r>
+                      <a:r>
+                        <a:rPr lang="en-GB" sz="1600"/>
+                        <a:t>, fast baseline</a:t>
+                      </a:r>
+                    </a:p>
+                  </a:txBody>
+                  <a:tcPr marL="67990" marR="67990" marT="33995" marB="33995" anchor="ctr">
+                    <a:lnL w="12700" cap="flat" cmpd="sng" algn="ctr">
+                      <a:solidFill>
+                        <a:schemeClr val="tx1"/>
+                      </a:solidFill>
+                      <a:prstDash val="solid"/>
+                      <a:round/>
+                      <a:headEnd type="none" w="med" len="med"/>
+                      <a:tailEnd type="none" w="med" len="med"/>
+                    </a:lnL>
+                    <a:lnR w="12700" cap="flat" cmpd="sng" algn="ctr">
+                      <a:solidFill>
+                        <a:schemeClr val="tx1"/>
+                      </a:solidFill>
+                      <a:prstDash val="solid"/>
+                      <a:round/>
+                      <a:headEnd type="none" w="med" len="med"/>
+                      <a:tailEnd type="none" w="med" len="med"/>
+                    </a:lnR>
+                    <a:lnT w="12700" cap="flat" cmpd="sng" algn="ctr">
+                      <a:solidFill>
+                        <a:schemeClr val="tx1"/>
+                      </a:solidFill>
+                      <a:prstDash val="solid"/>
+                      <a:round/>
+                      <a:headEnd type="none" w="med" len="med"/>
+                      <a:tailEnd type="none" w="med" len="med"/>
+                    </a:lnT>
+                    <a:lnB w="12700" cap="flat" cmpd="sng" algn="ctr">
+                      <a:solidFill>
+                        <a:schemeClr val="tx1"/>
+                      </a:solidFill>
+                      <a:prstDash val="solid"/>
+                      <a:round/>
+                      <a:headEnd type="none" w="med" len="med"/>
+                      <a:tailEnd type="none" w="med" len="med"/>
+                    </a:lnB>
+                  </a:tcPr>
+                </a:tc>
+                <a:extLst>
+                  <a:ext uri="{0D108BD9-81ED-4DB2-BD59-A6C34878D82A}">
+                    <a16:rowId xmlns:a16="http://schemas.microsoft.com/office/drawing/2014/main" val="2456987248"/>
+                  </a:ext>
+                </a:extLst>
+              </a:tr>
+              <a:tr h="475928">
+                <a:tc>
+                  <a:txBody>
+                    <a:bodyPr/>
+                    <a:lstStyle/>
+                    <a:p>
+                      <a:pPr>
+                        <a:buNone/>
+                      </a:pPr>
+                      <a:r>
+                        <a:rPr lang="en-GB" sz="1600" b="1"/>
+                        <a:t>Decision Tree</a:t>
+                      </a:r>
+                      <a:endParaRPr lang="en-GB" sz="1600"/>
+                    </a:p>
+                  </a:txBody>
+                  <a:tcPr marL="67990" marR="67990" marT="33995" marB="33995" anchor="ctr">
+                    <a:lnL w="12700" cap="flat" cmpd="sng" algn="ctr">
+                      <a:solidFill>
+                        <a:schemeClr val="tx1"/>
+                      </a:solidFill>
+                      <a:prstDash val="solid"/>
+                      <a:round/>
+                      <a:headEnd type="none" w="med" len="med"/>
+                      <a:tailEnd type="none" w="med" len="med"/>
+                    </a:lnL>
+                    <a:lnR w="12700" cap="flat" cmpd="sng" algn="ctr">
+                      <a:solidFill>
+                        <a:schemeClr val="tx1"/>
+                      </a:solidFill>
+                      <a:prstDash val="solid"/>
+                      <a:round/>
+                      <a:headEnd type="none" w="med" len="med"/>
+                      <a:tailEnd type="none" w="med" len="med"/>
+                    </a:lnR>
+                    <a:lnT w="12700" cap="flat" cmpd="sng" algn="ctr">
+                      <a:solidFill>
+                        <a:schemeClr val="tx1"/>
+                      </a:solidFill>
+                      <a:prstDash val="solid"/>
+                      <a:round/>
+                      <a:headEnd type="none" w="med" len="med"/>
+                      <a:tailEnd type="none" w="med" len="med"/>
+                    </a:lnT>
+                    <a:lnB w="12700" cap="flat" cmpd="sng" algn="ctr">
+                      <a:solidFill>
+                        <a:schemeClr val="tx1"/>
+                      </a:solidFill>
+                      <a:prstDash val="solid"/>
+                      <a:round/>
+                      <a:headEnd type="none" w="med" len="med"/>
+                      <a:tailEnd type="none" w="med" len="med"/>
+                    </a:lnB>
+                  </a:tcPr>
+                </a:tc>
+                <a:tc>
+                  <a:txBody>
+                    <a:bodyPr/>
+                    <a:lstStyle/>
+                    <a:p>
+                      <a:pPr>
+                        <a:buNone/>
+                      </a:pPr>
+                      <a:r>
+                        <a:rPr lang="en-GB" sz="1600"/>
+                        <a:t>Human-like if–else rules</a:t>
+                      </a:r>
+                    </a:p>
+                  </a:txBody>
+                  <a:tcPr marL="67990" marR="67990" marT="33995" marB="33995" anchor="ctr">
+                    <a:lnL w="12700" cap="flat" cmpd="sng" algn="ctr">
+                      <a:solidFill>
+                        <a:schemeClr val="tx1"/>
+                      </a:solidFill>
+                      <a:prstDash val="solid"/>
+                      <a:round/>
+                      <a:headEnd type="none" w="med" len="med"/>
+                      <a:tailEnd type="none" w="med" len="med"/>
+                    </a:lnL>
+                    <a:lnR w="12700" cap="flat" cmpd="sng" algn="ctr">
+                      <a:solidFill>
+                        <a:schemeClr val="tx1"/>
+                      </a:solidFill>
+                      <a:prstDash val="solid"/>
+                      <a:round/>
+                      <a:headEnd type="none" w="med" len="med"/>
+                      <a:tailEnd type="none" w="med" len="med"/>
+                    </a:lnR>
+                    <a:lnT w="12700" cap="flat" cmpd="sng" algn="ctr">
+                      <a:solidFill>
+                        <a:schemeClr val="tx1"/>
+                      </a:solidFill>
+                      <a:prstDash val="solid"/>
+                      <a:round/>
+                      <a:headEnd type="none" w="med" len="med"/>
+                      <a:tailEnd type="none" w="med" len="med"/>
+                    </a:lnT>
+                    <a:lnB w="12700" cap="flat" cmpd="sng" algn="ctr">
+                      <a:solidFill>
+                        <a:schemeClr val="tx1"/>
+                      </a:solidFill>
+                      <a:prstDash val="solid"/>
+                      <a:round/>
+                      <a:headEnd type="none" w="med" len="med"/>
+                      <a:tailEnd type="none" w="med" len="med"/>
+                    </a:lnB>
+                  </a:tcPr>
+                </a:tc>
+                <a:tc>
+                  <a:txBody>
+                    <a:bodyPr/>
+                    <a:lstStyle/>
+                    <a:p>
+                      <a:pPr>
+                        <a:buNone/>
+                      </a:pPr>
+                      <a:r>
+                        <a:rPr lang="en-GB" sz="1600"/>
+                        <a:t>Small → Medium</a:t>
+                      </a:r>
+                    </a:p>
+                  </a:txBody>
+                  <a:tcPr marL="67990" marR="67990" marT="33995" marB="33995" anchor="ctr">
+                    <a:lnL w="12700" cap="flat" cmpd="sng" algn="ctr">
+                      <a:solidFill>
+                        <a:schemeClr val="tx1"/>
+                      </a:solidFill>
+                      <a:prstDash val="solid"/>
+                      <a:round/>
+                      <a:headEnd type="none" w="med" len="med"/>
+                      <a:tailEnd type="none" w="med" len="med"/>
+                    </a:lnL>
+                    <a:lnR w="12700" cap="flat" cmpd="sng" algn="ctr">
+                      <a:solidFill>
+                        <a:schemeClr val="tx1"/>
+                      </a:solidFill>
+                      <a:prstDash val="solid"/>
+                      <a:round/>
+                      <a:headEnd type="none" w="med" len="med"/>
+                      <a:tailEnd type="none" w="med" len="med"/>
+                    </a:lnR>
+                    <a:lnT w="12700" cap="flat" cmpd="sng" algn="ctr">
+                      <a:solidFill>
+                        <a:schemeClr val="tx1"/>
+                      </a:solidFill>
+                      <a:prstDash val="solid"/>
+                      <a:round/>
+                      <a:headEnd type="none" w="med" len="med"/>
+                      <a:tailEnd type="none" w="med" len="med"/>
+                    </a:lnT>
+                    <a:lnB w="12700" cap="flat" cmpd="sng" algn="ctr">
+                      <a:solidFill>
+                        <a:schemeClr val="tx1"/>
+                      </a:solidFill>
+                      <a:prstDash val="solid"/>
+                      <a:round/>
+                      <a:headEnd type="none" w="med" len="med"/>
+                      <a:tailEnd type="none" w="med" len="med"/>
+                    </a:lnB>
+                  </a:tcPr>
+                </a:tc>
+                <a:tc>
+                  <a:txBody>
+                    <a:bodyPr/>
+                    <a:lstStyle/>
+                    <a:p>
+                      <a:pPr>
+                        <a:buNone/>
+                      </a:pPr>
+                      <a:r>
+                        <a:rPr lang="en-GB" sz="1600"/>
+                        <a:t>✅ Very high</a:t>
+                      </a:r>
+                    </a:p>
+                  </a:txBody>
+                  <a:tcPr marL="67990" marR="67990" marT="33995" marB="33995" anchor="ctr">
+                    <a:lnL w="12700" cap="flat" cmpd="sng" algn="ctr">
+                      <a:solidFill>
+                        <a:schemeClr val="tx1"/>
+                      </a:solidFill>
+                      <a:prstDash val="solid"/>
+                      <a:round/>
+                      <a:headEnd type="none" w="med" len="med"/>
+                      <a:tailEnd type="none" w="med" len="med"/>
+                    </a:lnL>
+                    <a:lnR w="12700" cap="flat" cmpd="sng" algn="ctr">
+                      <a:solidFill>
+                        <a:schemeClr val="tx1"/>
+                      </a:solidFill>
+                      <a:prstDash val="solid"/>
+                      <a:round/>
+                      <a:headEnd type="none" w="med" len="med"/>
+                      <a:tailEnd type="none" w="med" len="med"/>
+                    </a:lnR>
+                    <a:lnT w="12700" cap="flat" cmpd="sng" algn="ctr">
+                      <a:solidFill>
+                        <a:schemeClr val="tx1"/>
+                      </a:solidFill>
+                      <a:prstDash val="solid"/>
+                      <a:round/>
+                      <a:headEnd type="none" w="med" len="med"/>
+                      <a:tailEnd type="none" w="med" len="med"/>
+                    </a:lnT>
+                    <a:lnB w="12700" cap="flat" cmpd="sng" algn="ctr">
+                      <a:solidFill>
+                        <a:schemeClr val="tx1"/>
+                      </a:solidFill>
+                      <a:prstDash val="solid"/>
+                      <a:round/>
+                      <a:headEnd type="none" w="med" len="med"/>
+                      <a:tailEnd type="none" w="med" len="med"/>
+                    </a:lnB>
+                  </a:tcPr>
+                </a:tc>
+                <a:tc>
+                  <a:txBody>
+                    <a:bodyPr/>
+                    <a:lstStyle/>
+                    <a:p>
+                      <a:pPr>
+                        <a:buNone/>
+                      </a:pPr>
+                      <a:r>
+                        <a:rPr lang="en-GB" sz="1600"/>
+                        <a:t>✅ Yes</a:t>
+                      </a:r>
+                    </a:p>
+                  </a:txBody>
+                  <a:tcPr marL="67990" marR="67990" marT="33995" marB="33995" anchor="ctr">
+                    <a:lnL w="12700" cap="flat" cmpd="sng" algn="ctr">
+                      <a:solidFill>
+                        <a:schemeClr val="tx1"/>
+                      </a:solidFill>
+                      <a:prstDash val="solid"/>
+                      <a:round/>
+                      <a:headEnd type="none" w="med" len="med"/>
+                      <a:tailEnd type="none" w="med" len="med"/>
+                    </a:lnL>
+                    <a:lnR w="12700" cap="flat" cmpd="sng" algn="ctr">
+                      <a:solidFill>
+                        <a:schemeClr val="tx1"/>
+                      </a:solidFill>
+                      <a:prstDash val="solid"/>
+                      <a:round/>
+                      <a:headEnd type="none" w="med" len="med"/>
+                      <a:tailEnd type="none" w="med" len="med"/>
+                    </a:lnR>
+                    <a:lnT w="12700" cap="flat" cmpd="sng" algn="ctr">
+                      <a:solidFill>
+                        <a:schemeClr val="tx1"/>
+                      </a:solidFill>
+                      <a:prstDash val="solid"/>
+                      <a:round/>
+                      <a:headEnd type="none" w="med" len="med"/>
+                      <a:tailEnd type="none" w="med" len="med"/>
+                    </a:lnT>
+                    <a:lnB w="12700" cap="flat" cmpd="sng" algn="ctr">
+                      <a:solidFill>
+                        <a:schemeClr val="tx1"/>
+                      </a:solidFill>
+                      <a:prstDash val="solid"/>
+                      <a:round/>
+                      <a:headEnd type="none" w="med" len="med"/>
+                      <a:tailEnd type="none" w="med" len="med"/>
+                    </a:lnB>
+                  </a:tcPr>
+                </a:tc>
+                <a:tc>
+                  <a:txBody>
+                    <a:bodyPr/>
+                    <a:lstStyle/>
+                    <a:p>
+                      <a:pPr>
+                        <a:buNone/>
+                      </a:pPr>
+                      <a:r>
+                        <a:rPr lang="en-GB" sz="1600"/>
+                        <a:t>❌ No</a:t>
+                      </a:r>
+                    </a:p>
+                  </a:txBody>
+                  <a:tcPr marL="67990" marR="67990" marT="33995" marB="33995" anchor="ctr">
+                    <a:lnL w="12700" cap="flat" cmpd="sng" algn="ctr">
+                      <a:solidFill>
+                        <a:schemeClr val="tx1"/>
+                      </a:solidFill>
+                      <a:prstDash val="solid"/>
+                      <a:round/>
+                      <a:headEnd type="none" w="med" len="med"/>
+                      <a:tailEnd type="none" w="med" len="med"/>
+                    </a:lnL>
+                    <a:lnR w="12700" cap="flat" cmpd="sng" algn="ctr">
+                      <a:solidFill>
+                        <a:schemeClr val="tx1"/>
+                      </a:solidFill>
+                      <a:prstDash val="solid"/>
+                      <a:round/>
+                      <a:headEnd type="none" w="med" len="med"/>
+                      <a:tailEnd type="none" w="med" len="med"/>
+                    </a:lnR>
+                    <a:lnT w="12700" cap="flat" cmpd="sng" algn="ctr">
+                      <a:solidFill>
+                        <a:schemeClr val="tx1"/>
+                      </a:solidFill>
+                      <a:prstDash val="solid"/>
+                      <a:round/>
+                      <a:headEnd type="none" w="med" len="med"/>
+                      <a:tailEnd type="none" w="med" len="med"/>
+                    </a:lnT>
+                    <a:lnB w="12700" cap="flat" cmpd="sng" algn="ctr">
+                      <a:solidFill>
+                        <a:schemeClr val="tx1"/>
+                      </a:solidFill>
+                      <a:prstDash val="solid"/>
+                      <a:round/>
+                      <a:headEnd type="none" w="med" len="med"/>
+                      <a:tailEnd type="none" w="med" len="med"/>
+                    </a:lnB>
+                  </a:tcPr>
+                </a:tc>
+                <a:tc>
+                  <a:txBody>
+                    <a:bodyPr/>
+                    <a:lstStyle/>
+                    <a:p>
+                      <a:pPr>
+                        <a:buNone/>
+                      </a:pPr>
+                      <a:r>
+                        <a:rPr lang="en-GB" sz="1600"/>
+                        <a:t>Need </a:t>
+                      </a:r>
+                      <a:r>
+                        <a:rPr lang="en-GB" sz="1600" b="1"/>
+                        <a:t>clear decision logic</a:t>
+                      </a:r>
+                      <a:endParaRPr lang="en-GB" sz="1600"/>
+                    </a:p>
+                  </a:txBody>
+                  <a:tcPr marL="67990" marR="67990" marT="33995" marB="33995" anchor="ctr">
+                    <a:lnL w="12700" cap="flat" cmpd="sng" algn="ctr">
+                      <a:solidFill>
+                        <a:schemeClr val="tx1"/>
+                      </a:solidFill>
+                      <a:prstDash val="solid"/>
+                      <a:round/>
+                      <a:headEnd type="none" w="med" len="med"/>
+                      <a:tailEnd type="none" w="med" len="med"/>
+                    </a:lnL>
+                    <a:lnR w="12700" cap="flat" cmpd="sng" algn="ctr">
+                      <a:solidFill>
+                        <a:schemeClr val="tx1"/>
+                      </a:solidFill>
+                      <a:prstDash val="solid"/>
+                      <a:round/>
+                      <a:headEnd type="none" w="med" len="med"/>
+                      <a:tailEnd type="none" w="med" len="med"/>
+                    </a:lnR>
+                    <a:lnT w="12700" cap="flat" cmpd="sng" algn="ctr">
+                      <a:solidFill>
+                        <a:schemeClr val="tx1"/>
+                      </a:solidFill>
+                      <a:prstDash val="solid"/>
+                      <a:round/>
+                      <a:headEnd type="none" w="med" len="med"/>
+                      <a:tailEnd type="none" w="med" len="med"/>
+                    </a:lnT>
+                    <a:lnB w="12700" cap="flat" cmpd="sng" algn="ctr">
+                      <a:solidFill>
+                        <a:schemeClr val="tx1"/>
+                      </a:solidFill>
+                      <a:prstDash val="solid"/>
+                      <a:round/>
+                      <a:headEnd type="none" w="med" len="med"/>
+                      <a:tailEnd type="none" w="med" len="med"/>
+                    </a:lnB>
+                  </a:tcPr>
+                </a:tc>
+                <a:extLst>
+                  <a:ext uri="{0D108BD9-81ED-4DB2-BD59-A6C34878D82A}">
+                    <a16:rowId xmlns:a16="http://schemas.microsoft.com/office/drawing/2014/main" val="3304320530"/>
+                  </a:ext>
+                </a:extLst>
+              </a:tr>
+              <a:tr h="679897">
+                <a:tc>
+                  <a:txBody>
+                    <a:bodyPr/>
+                    <a:lstStyle/>
+                    <a:p>
+                      <a:pPr>
+                        <a:buNone/>
+                      </a:pPr>
+                      <a:r>
+                        <a:rPr lang="en-GB" sz="1600" b="1"/>
+                        <a:t>Random Forest</a:t>
+                      </a:r>
+                      <a:endParaRPr lang="en-GB" sz="1600"/>
+                    </a:p>
+                  </a:txBody>
+                  <a:tcPr marL="67990" marR="67990" marT="33995" marB="33995" anchor="ctr">
+                    <a:lnL w="12700" cap="flat" cmpd="sng" algn="ctr">
+                      <a:solidFill>
+                        <a:schemeClr val="tx1"/>
+                      </a:solidFill>
+                      <a:prstDash val="solid"/>
+                      <a:round/>
+                      <a:headEnd type="none" w="med" len="med"/>
+                      <a:tailEnd type="none" w="med" len="med"/>
+                    </a:lnL>
+                    <a:lnR w="12700" cap="flat" cmpd="sng" algn="ctr">
+                      <a:solidFill>
+                        <a:schemeClr val="tx1"/>
+                      </a:solidFill>
+                      <a:prstDash val="solid"/>
+                      <a:round/>
+                      <a:headEnd type="none" w="med" len="med"/>
+                      <a:tailEnd type="none" w="med" len="med"/>
+                    </a:lnR>
+                    <a:lnT w="12700" cap="flat" cmpd="sng" algn="ctr">
+                      <a:solidFill>
+                        <a:schemeClr val="tx1"/>
+                      </a:solidFill>
+                      <a:prstDash val="solid"/>
+                      <a:round/>
+                      <a:headEnd type="none" w="med" len="med"/>
+                      <a:tailEnd type="none" w="med" len="med"/>
+                    </a:lnT>
+                    <a:lnB w="12700" cap="flat" cmpd="sng" algn="ctr">
+                      <a:solidFill>
+                        <a:schemeClr val="tx1"/>
+                      </a:solidFill>
+                      <a:prstDash val="solid"/>
+                      <a:round/>
+                      <a:headEnd type="none" w="med" len="med"/>
+                      <a:tailEnd type="none" w="med" len="med"/>
+                    </a:lnB>
+                  </a:tcPr>
+                </a:tc>
+                <a:tc>
+                  <a:txBody>
+                    <a:bodyPr/>
+                    <a:lstStyle/>
+                    <a:p>
+                      <a:pPr>
+                        <a:buNone/>
+                      </a:pPr>
+                      <a:r>
+                        <a:rPr lang="en-GB" sz="1600"/>
+                        <a:t>Many trees → stable decisions</a:t>
+                      </a:r>
+                    </a:p>
+                  </a:txBody>
+                  <a:tcPr marL="67990" marR="67990" marT="33995" marB="33995" anchor="ctr">
+                    <a:lnL w="12700" cap="flat" cmpd="sng" algn="ctr">
+                      <a:solidFill>
+                        <a:schemeClr val="tx1"/>
+                      </a:solidFill>
+                      <a:prstDash val="solid"/>
+                      <a:round/>
+                      <a:headEnd type="none" w="med" len="med"/>
+                      <a:tailEnd type="none" w="med" len="med"/>
+                    </a:lnL>
+                    <a:lnR w="12700" cap="flat" cmpd="sng" algn="ctr">
+                      <a:solidFill>
+                        <a:schemeClr val="tx1"/>
+                      </a:solidFill>
+                      <a:prstDash val="solid"/>
+                      <a:round/>
+                      <a:headEnd type="none" w="med" len="med"/>
+                      <a:tailEnd type="none" w="med" len="med"/>
+                    </a:lnR>
+                    <a:lnT w="12700" cap="flat" cmpd="sng" algn="ctr">
+                      <a:solidFill>
+                        <a:schemeClr val="tx1"/>
+                      </a:solidFill>
+                      <a:prstDash val="solid"/>
+                      <a:round/>
+                      <a:headEnd type="none" w="med" len="med"/>
+                      <a:tailEnd type="none" w="med" len="med"/>
+                    </a:lnT>
+                    <a:lnB w="12700" cap="flat" cmpd="sng" algn="ctr">
+                      <a:solidFill>
+                        <a:schemeClr val="tx1"/>
+                      </a:solidFill>
+                      <a:prstDash val="solid"/>
+                      <a:round/>
+                      <a:headEnd type="none" w="med" len="med"/>
+                      <a:tailEnd type="none" w="med" len="med"/>
+                    </a:lnB>
+                  </a:tcPr>
+                </a:tc>
+                <a:tc>
+                  <a:txBody>
+                    <a:bodyPr/>
+                    <a:lstStyle/>
+                    <a:p>
+                      <a:pPr>
+                        <a:buNone/>
+                      </a:pPr>
+                      <a:r>
+                        <a:rPr lang="en-GB" sz="1600"/>
+                        <a:t>Medium → Large</a:t>
+                      </a:r>
+                    </a:p>
+                  </a:txBody>
+                  <a:tcPr marL="67990" marR="67990" marT="33995" marB="33995" anchor="ctr">
+                    <a:lnL w="12700" cap="flat" cmpd="sng" algn="ctr">
+                      <a:solidFill>
+                        <a:schemeClr val="tx1"/>
+                      </a:solidFill>
+                      <a:prstDash val="solid"/>
+                      <a:round/>
+                      <a:headEnd type="none" w="med" len="med"/>
+                      <a:tailEnd type="none" w="med" len="med"/>
+                    </a:lnL>
+                    <a:lnR w="12700" cap="flat" cmpd="sng" algn="ctr">
+                      <a:solidFill>
+                        <a:schemeClr val="tx1"/>
+                      </a:solidFill>
+                      <a:prstDash val="solid"/>
+                      <a:round/>
+                      <a:headEnd type="none" w="med" len="med"/>
+                      <a:tailEnd type="none" w="med" len="med"/>
+                    </a:lnR>
+                    <a:lnT w="12700" cap="flat" cmpd="sng" algn="ctr">
+                      <a:solidFill>
+                        <a:schemeClr val="tx1"/>
+                      </a:solidFill>
+                      <a:prstDash val="solid"/>
+                      <a:round/>
+                      <a:headEnd type="none" w="med" len="med"/>
+                      <a:tailEnd type="none" w="med" len="med"/>
+                    </a:lnT>
+                    <a:lnB w="12700" cap="flat" cmpd="sng" algn="ctr">
+                      <a:solidFill>
+                        <a:schemeClr val="tx1"/>
+                      </a:solidFill>
+                      <a:prstDash val="solid"/>
+                      <a:round/>
+                      <a:headEnd type="none" w="med" len="med"/>
+                      <a:tailEnd type="none" w="med" len="med"/>
+                    </a:lnB>
+                  </a:tcPr>
+                </a:tc>
+                <a:tc>
+                  <a:txBody>
+                    <a:bodyPr/>
+                    <a:lstStyle/>
+                    <a:p>
+                      <a:pPr>
+                        <a:buNone/>
+                      </a:pPr>
+                      <a:r>
+                        <a:rPr lang="en-GB" sz="1600"/>
+                        <a:t>⚠️ Medium</a:t>
+                      </a:r>
+                    </a:p>
+                  </a:txBody>
+                  <a:tcPr marL="67990" marR="67990" marT="33995" marB="33995" anchor="ctr">
+                    <a:lnL w="12700" cap="flat" cmpd="sng" algn="ctr">
+                      <a:solidFill>
+                        <a:schemeClr val="tx1"/>
+                      </a:solidFill>
+                      <a:prstDash val="solid"/>
+                      <a:round/>
+                      <a:headEnd type="none" w="med" len="med"/>
+                      <a:tailEnd type="none" w="med" len="med"/>
+                    </a:lnL>
+                    <a:lnR w="12700" cap="flat" cmpd="sng" algn="ctr">
+                      <a:solidFill>
+                        <a:schemeClr val="tx1"/>
+                      </a:solidFill>
+                      <a:prstDash val="solid"/>
+                      <a:round/>
+                      <a:headEnd type="none" w="med" len="med"/>
+                      <a:tailEnd type="none" w="med" len="med"/>
+                    </a:lnR>
+                    <a:lnT w="12700" cap="flat" cmpd="sng" algn="ctr">
+                      <a:solidFill>
+                        <a:schemeClr val="tx1"/>
+                      </a:solidFill>
+                      <a:prstDash val="solid"/>
+                      <a:round/>
+                      <a:headEnd type="none" w="med" len="med"/>
+                      <a:tailEnd type="none" w="med" len="med"/>
+                    </a:lnT>
+                    <a:lnB w="12700" cap="flat" cmpd="sng" algn="ctr">
+                      <a:solidFill>
+                        <a:schemeClr val="tx1"/>
+                      </a:solidFill>
+                      <a:prstDash val="solid"/>
+                      <a:round/>
+                      <a:headEnd type="none" w="med" len="med"/>
+                      <a:tailEnd type="none" w="med" len="med"/>
+                    </a:lnB>
+                  </a:tcPr>
+                </a:tc>
+                <a:tc>
+                  <a:txBody>
+                    <a:bodyPr/>
+                    <a:lstStyle/>
+                    <a:p>
+                      <a:pPr>
+                        <a:buNone/>
+                      </a:pPr>
+                      <a:r>
+                        <a:rPr lang="en-GB" sz="1600"/>
+                        <a:t>✅ Yes</a:t>
+                      </a:r>
+                    </a:p>
+                  </a:txBody>
+                  <a:tcPr marL="67990" marR="67990" marT="33995" marB="33995" anchor="ctr">
+                    <a:lnL w="12700" cap="flat" cmpd="sng" algn="ctr">
+                      <a:solidFill>
+                        <a:schemeClr val="tx1"/>
+                      </a:solidFill>
+                      <a:prstDash val="solid"/>
+                      <a:round/>
+                      <a:headEnd type="none" w="med" len="med"/>
+                      <a:tailEnd type="none" w="med" len="med"/>
+                    </a:lnL>
+                    <a:lnR w="12700" cap="flat" cmpd="sng" algn="ctr">
+                      <a:solidFill>
+                        <a:schemeClr val="tx1"/>
+                      </a:solidFill>
+                      <a:prstDash val="solid"/>
+                      <a:round/>
+                      <a:headEnd type="none" w="med" len="med"/>
+                      <a:tailEnd type="none" w="med" len="med"/>
+                    </a:lnR>
+                    <a:lnT w="12700" cap="flat" cmpd="sng" algn="ctr">
+                      <a:solidFill>
+                        <a:schemeClr val="tx1"/>
+                      </a:solidFill>
+                      <a:prstDash val="solid"/>
+                      <a:round/>
+                      <a:headEnd type="none" w="med" len="med"/>
+                      <a:tailEnd type="none" w="med" len="med"/>
+                    </a:lnT>
+                    <a:lnB w="12700" cap="flat" cmpd="sng" algn="ctr">
+                      <a:solidFill>
+                        <a:schemeClr val="tx1"/>
+                      </a:solidFill>
+                      <a:prstDash val="solid"/>
+                      <a:round/>
+                      <a:headEnd type="none" w="med" len="med"/>
+                      <a:tailEnd type="none" w="med" len="med"/>
+                    </a:lnB>
+                  </a:tcPr>
+                </a:tc>
+                <a:tc>
+                  <a:txBody>
+                    <a:bodyPr/>
+                    <a:lstStyle/>
+                    <a:p>
+                      <a:pPr>
+                        <a:buNone/>
+                      </a:pPr>
+                      <a:r>
+                        <a:rPr lang="en-GB" sz="1600"/>
+                        <a:t>❌ No</a:t>
+                      </a:r>
+                    </a:p>
+                  </a:txBody>
+                  <a:tcPr marL="67990" marR="67990" marT="33995" marB="33995" anchor="ctr">
+                    <a:lnL w="12700" cap="flat" cmpd="sng" algn="ctr">
+                      <a:solidFill>
+                        <a:schemeClr val="tx1"/>
+                      </a:solidFill>
+                      <a:prstDash val="solid"/>
+                      <a:round/>
+                      <a:headEnd type="none" w="med" len="med"/>
+                      <a:tailEnd type="none" w="med" len="med"/>
+                    </a:lnL>
+                    <a:lnR w="12700" cap="flat" cmpd="sng" algn="ctr">
+                      <a:solidFill>
+                        <a:schemeClr val="tx1"/>
+                      </a:solidFill>
+                      <a:prstDash val="solid"/>
+                      <a:round/>
+                      <a:headEnd type="none" w="med" len="med"/>
+                      <a:tailEnd type="none" w="med" len="med"/>
+                    </a:lnR>
+                    <a:lnT w="12700" cap="flat" cmpd="sng" algn="ctr">
+                      <a:solidFill>
+                        <a:schemeClr val="tx1"/>
+                      </a:solidFill>
+                      <a:prstDash val="solid"/>
+                      <a:round/>
+                      <a:headEnd type="none" w="med" len="med"/>
+                      <a:tailEnd type="none" w="med" len="med"/>
+                    </a:lnT>
+                    <a:lnB w="12700" cap="flat" cmpd="sng" algn="ctr">
+                      <a:solidFill>
+                        <a:schemeClr val="tx1"/>
+                      </a:solidFill>
+                      <a:prstDash val="solid"/>
+                      <a:round/>
+                      <a:headEnd type="none" w="med" len="med"/>
+                      <a:tailEnd type="none" w="med" len="med"/>
+                    </a:lnB>
+                  </a:tcPr>
+                </a:tc>
+                <a:tc>
+                  <a:txBody>
+                    <a:bodyPr/>
+                    <a:lstStyle/>
+                    <a:p>
+                      <a:pPr>
+                        <a:buNone/>
+                      </a:pPr>
+                      <a:r>
+                        <a:rPr lang="en-GB" sz="1600"/>
+                        <a:t>Need </a:t>
+                      </a:r>
+                      <a:r>
+                        <a:rPr lang="en-GB" sz="1600" b="1"/>
+                        <a:t>accuracy + robustness</a:t>
+                      </a:r>
+                      <a:endParaRPr lang="en-GB" sz="1600"/>
+                    </a:p>
+                  </a:txBody>
+                  <a:tcPr marL="67990" marR="67990" marT="33995" marB="33995" anchor="ctr">
+                    <a:lnL w="12700" cap="flat" cmpd="sng" algn="ctr">
+                      <a:solidFill>
+                        <a:schemeClr val="tx1"/>
+                      </a:solidFill>
+                      <a:prstDash val="solid"/>
+                      <a:round/>
+                      <a:headEnd type="none" w="med" len="med"/>
+                      <a:tailEnd type="none" w="med" len="med"/>
+                    </a:lnL>
+                    <a:lnR w="12700" cap="flat" cmpd="sng" algn="ctr">
+                      <a:solidFill>
+                        <a:schemeClr val="tx1"/>
+                      </a:solidFill>
+                      <a:prstDash val="solid"/>
+                      <a:round/>
+                      <a:headEnd type="none" w="med" len="med"/>
+                      <a:tailEnd type="none" w="med" len="med"/>
+                    </a:lnR>
+                    <a:lnT w="12700" cap="flat" cmpd="sng" algn="ctr">
+                      <a:solidFill>
+                        <a:schemeClr val="tx1"/>
+                      </a:solidFill>
+                      <a:prstDash val="solid"/>
+                      <a:round/>
+                      <a:headEnd type="none" w="med" len="med"/>
+                      <a:tailEnd type="none" w="med" len="med"/>
+                    </a:lnT>
+                    <a:lnB w="12700" cap="flat" cmpd="sng" algn="ctr">
+                      <a:solidFill>
+                        <a:schemeClr val="tx1"/>
+                      </a:solidFill>
+                      <a:prstDash val="solid"/>
+                      <a:round/>
+                      <a:headEnd type="none" w="med" len="med"/>
+                      <a:tailEnd type="none" w="med" len="med"/>
+                    </a:lnB>
+                  </a:tcPr>
+                </a:tc>
+                <a:extLst>
+                  <a:ext uri="{0D108BD9-81ED-4DB2-BD59-A6C34878D82A}">
+                    <a16:rowId xmlns:a16="http://schemas.microsoft.com/office/drawing/2014/main" val="2536070542"/>
+                  </a:ext>
+                </a:extLst>
+              </a:tr>
+              <a:tr h="679897">
+                <a:tc>
+                  <a:txBody>
+                    <a:bodyPr/>
+                    <a:lstStyle/>
+                    <a:p>
+                      <a:pPr>
+                        <a:buNone/>
+                      </a:pPr>
+                      <a:r>
+                        <a:rPr lang="en-GB" sz="1600" b="1"/>
+                        <a:t>k-NN</a:t>
+                      </a:r>
+                      <a:endParaRPr lang="en-GB" sz="1600"/>
+                    </a:p>
+                  </a:txBody>
+                  <a:tcPr marL="67990" marR="67990" marT="33995" marB="33995" anchor="ctr">
+                    <a:lnL w="12700" cap="flat" cmpd="sng" algn="ctr">
+                      <a:solidFill>
+                        <a:schemeClr val="tx1"/>
+                      </a:solidFill>
+                      <a:prstDash val="solid"/>
+                      <a:round/>
+                      <a:headEnd type="none" w="med" len="med"/>
+                      <a:tailEnd type="none" w="med" len="med"/>
+                    </a:lnL>
+                    <a:lnR w="12700" cap="flat" cmpd="sng" algn="ctr">
+                      <a:solidFill>
+                        <a:schemeClr val="tx1"/>
+                      </a:solidFill>
+                      <a:prstDash val="solid"/>
+                      <a:round/>
+                      <a:headEnd type="none" w="med" len="med"/>
+                      <a:tailEnd type="none" w="med" len="med"/>
+                    </a:lnR>
+                    <a:lnT w="12700" cap="flat" cmpd="sng" algn="ctr">
+                      <a:solidFill>
+                        <a:schemeClr val="tx1"/>
+                      </a:solidFill>
+                      <a:prstDash val="solid"/>
+                      <a:round/>
+                      <a:headEnd type="none" w="med" len="med"/>
+                      <a:tailEnd type="none" w="med" len="med"/>
+                    </a:lnT>
+                    <a:lnB w="12700" cap="flat" cmpd="sng" algn="ctr">
+                      <a:solidFill>
+                        <a:schemeClr val="tx1"/>
+                      </a:solidFill>
+                      <a:prstDash val="solid"/>
+                      <a:round/>
+                      <a:headEnd type="none" w="med" len="med"/>
+                      <a:tailEnd type="none" w="med" len="med"/>
+                    </a:lnB>
+                  </a:tcPr>
+                </a:tc>
+                <a:tc>
+                  <a:txBody>
+                    <a:bodyPr/>
+                    <a:lstStyle/>
+                    <a:p>
+                      <a:pPr>
+                        <a:buNone/>
+                      </a:pPr>
+                      <a:r>
+                        <a:rPr lang="en-GB" sz="1600"/>
+                        <a:t>Tell me your neighbors</a:t>
+                      </a:r>
+                    </a:p>
+                  </a:txBody>
+                  <a:tcPr marL="67990" marR="67990" marT="33995" marB="33995" anchor="ctr">
+                    <a:lnL w="12700" cap="flat" cmpd="sng" algn="ctr">
+                      <a:solidFill>
+                        <a:schemeClr val="tx1"/>
+                      </a:solidFill>
+                      <a:prstDash val="solid"/>
+                      <a:round/>
+                      <a:headEnd type="none" w="med" len="med"/>
+                      <a:tailEnd type="none" w="med" len="med"/>
+                    </a:lnL>
+                    <a:lnR w="12700" cap="flat" cmpd="sng" algn="ctr">
+                      <a:solidFill>
+                        <a:schemeClr val="tx1"/>
+                      </a:solidFill>
+                      <a:prstDash val="solid"/>
+                      <a:round/>
+                      <a:headEnd type="none" w="med" len="med"/>
+                      <a:tailEnd type="none" w="med" len="med"/>
+                    </a:lnR>
+                    <a:lnT w="12700" cap="flat" cmpd="sng" algn="ctr">
+                      <a:solidFill>
+                        <a:schemeClr val="tx1"/>
+                      </a:solidFill>
+                      <a:prstDash val="solid"/>
+                      <a:round/>
+                      <a:headEnd type="none" w="med" len="med"/>
+                      <a:tailEnd type="none" w="med" len="med"/>
+                    </a:lnT>
+                    <a:lnB w="12700" cap="flat" cmpd="sng" algn="ctr">
+                      <a:solidFill>
+                        <a:schemeClr val="tx1"/>
+                      </a:solidFill>
+                      <a:prstDash val="solid"/>
+                      <a:round/>
+                      <a:headEnd type="none" w="med" len="med"/>
+                      <a:tailEnd type="none" w="med" len="med"/>
+                    </a:lnB>
+                  </a:tcPr>
+                </a:tc>
+                <a:tc>
+                  <a:txBody>
+                    <a:bodyPr/>
+                    <a:lstStyle/>
+                    <a:p>
+                      <a:pPr>
+                        <a:buNone/>
+                      </a:pPr>
+                      <a:r>
+                        <a:rPr lang="en-GB" sz="1600"/>
+                        <a:t>Small → Medium</a:t>
+                      </a:r>
+                    </a:p>
+                  </a:txBody>
+                  <a:tcPr marL="67990" marR="67990" marT="33995" marB="33995" anchor="ctr">
+                    <a:lnL w="12700" cap="flat" cmpd="sng" algn="ctr">
+                      <a:solidFill>
+                        <a:schemeClr val="tx1"/>
+                      </a:solidFill>
+                      <a:prstDash val="solid"/>
+                      <a:round/>
+                      <a:headEnd type="none" w="med" len="med"/>
+                      <a:tailEnd type="none" w="med" len="med"/>
+                    </a:lnL>
+                    <a:lnR w="12700" cap="flat" cmpd="sng" algn="ctr">
+                      <a:solidFill>
+                        <a:schemeClr val="tx1"/>
+                      </a:solidFill>
+                      <a:prstDash val="solid"/>
+                      <a:round/>
+                      <a:headEnd type="none" w="med" len="med"/>
+                      <a:tailEnd type="none" w="med" len="med"/>
+                    </a:lnR>
+                    <a:lnT w="12700" cap="flat" cmpd="sng" algn="ctr">
+                      <a:solidFill>
+                        <a:schemeClr val="tx1"/>
+                      </a:solidFill>
+                      <a:prstDash val="solid"/>
+                      <a:round/>
+                      <a:headEnd type="none" w="med" len="med"/>
+                      <a:tailEnd type="none" w="med" len="med"/>
+                    </a:lnT>
+                    <a:lnB w="12700" cap="flat" cmpd="sng" algn="ctr">
+                      <a:solidFill>
+                        <a:schemeClr val="tx1"/>
+                      </a:solidFill>
+                      <a:prstDash val="solid"/>
+                      <a:round/>
+                      <a:headEnd type="none" w="med" len="med"/>
+                      <a:tailEnd type="none" w="med" len="med"/>
+                    </a:lnB>
+                  </a:tcPr>
+                </a:tc>
+                <a:tc>
+                  <a:txBody>
+                    <a:bodyPr/>
+                    <a:lstStyle/>
+                    <a:p>
+                      <a:pPr>
+                        <a:buNone/>
+                      </a:pPr>
+                      <a:r>
+                        <a:rPr lang="en-GB" sz="1600"/>
+                        <a:t>❌ Low</a:t>
+                      </a:r>
+                    </a:p>
+                  </a:txBody>
+                  <a:tcPr marL="67990" marR="67990" marT="33995" marB="33995" anchor="ctr">
+                    <a:lnL w="12700" cap="flat" cmpd="sng" algn="ctr">
+                      <a:solidFill>
+                        <a:schemeClr val="tx1"/>
+                      </a:solidFill>
+                      <a:prstDash val="solid"/>
+                      <a:round/>
+                      <a:headEnd type="none" w="med" len="med"/>
+                      <a:tailEnd type="none" w="med" len="med"/>
+                    </a:lnL>
+                    <a:lnR w="12700" cap="flat" cmpd="sng" algn="ctr">
+                      <a:solidFill>
+                        <a:schemeClr val="tx1"/>
+                      </a:solidFill>
+                      <a:prstDash val="solid"/>
+                      <a:round/>
+                      <a:headEnd type="none" w="med" len="med"/>
+                      <a:tailEnd type="none" w="med" len="med"/>
+                    </a:lnR>
+                    <a:lnT w="12700" cap="flat" cmpd="sng" algn="ctr">
+                      <a:solidFill>
+                        <a:schemeClr val="tx1"/>
+                      </a:solidFill>
+                      <a:prstDash val="solid"/>
+                      <a:round/>
+                      <a:headEnd type="none" w="med" len="med"/>
+                      <a:tailEnd type="none" w="med" len="med"/>
+                    </a:lnT>
+                    <a:lnB w="12700" cap="flat" cmpd="sng" algn="ctr">
+                      <a:solidFill>
+                        <a:schemeClr val="tx1"/>
+                      </a:solidFill>
+                      <a:prstDash val="solid"/>
+                      <a:round/>
+                      <a:headEnd type="none" w="med" len="med"/>
+                      <a:tailEnd type="none" w="med" len="med"/>
+                    </a:lnB>
+                  </a:tcPr>
+                </a:tc>
+                <a:tc>
+                  <a:txBody>
+                    <a:bodyPr/>
+                    <a:lstStyle/>
+                    <a:p>
+                      <a:pPr>
+                        <a:buNone/>
+                      </a:pPr>
+                      <a:r>
+                        <a:rPr lang="en-GB" sz="1600"/>
+                        <a:t>✅ Yes</a:t>
+                      </a:r>
+                    </a:p>
+                  </a:txBody>
+                  <a:tcPr marL="67990" marR="67990" marT="33995" marB="33995" anchor="ctr">
+                    <a:lnL w="12700" cap="flat" cmpd="sng" algn="ctr">
+                      <a:solidFill>
+                        <a:schemeClr val="tx1"/>
+                      </a:solidFill>
+                      <a:prstDash val="solid"/>
+                      <a:round/>
+                      <a:headEnd type="none" w="med" len="med"/>
+                      <a:tailEnd type="none" w="med" len="med"/>
+                    </a:lnL>
+                    <a:lnR w="12700" cap="flat" cmpd="sng" algn="ctr">
+                      <a:solidFill>
+                        <a:schemeClr val="tx1"/>
+                      </a:solidFill>
+                      <a:prstDash val="solid"/>
+                      <a:round/>
+                      <a:headEnd type="none" w="med" len="med"/>
+                      <a:tailEnd type="none" w="med" len="med"/>
+                    </a:lnR>
+                    <a:lnT w="12700" cap="flat" cmpd="sng" algn="ctr">
+                      <a:solidFill>
+                        <a:schemeClr val="tx1"/>
+                      </a:solidFill>
+                      <a:prstDash val="solid"/>
+                      <a:round/>
+                      <a:headEnd type="none" w="med" len="med"/>
+                      <a:tailEnd type="none" w="med" len="med"/>
+                    </a:lnT>
+                    <a:lnB w="12700" cap="flat" cmpd="sng" algn="ctr">
+                      <a:solidFill>
+                        <a:schemeClr val="tx1"/>
+                      </a:solidFill>
+                      <a:prstDash val="solid"/>
+                      <a:round/>
+                      <a:headEnd type="none" w="med" len="med"/>
+                      <a:tailEnd type="none" w="med" len="med"/>
+                    </a:lnB>
+                  </a:tcPr>
+                </a:tc>
+                <a:tc>
+                  <a:txBody>
+                    <a:bodyPr/>
+                    <a:lstStyle/>
+                    <a:p>
+                      <a:pPr>
+                        <a:buNone/>
+                      </a:pPr>
+                      <a:r>
+                        <a:rPr lang="en-GB" sz="1600"/>
+                        <a:t>⚠️ Yes</a:t>
+                      </a:r>
+                    </a:p>
+                  </a:txBody>
+                  <a:tcPr marL="67990" marR="67990" marT="33995" marB="33995" anchor="ctr">
+                    <a:lnL w="12700" cap="flat" cmpd="sng" algn="ctr">
+                      <a:solidFill>
+                        <a:schemeClr val="tx1"/>
+                      </a:solidFill>
+                      <a:prstDash val="solid"/>
+                      <a:round/>
+                      <a:headEnd type="none" w="med" len="med"/>
+                      <a:tailEnd type="none" w="med" len="med"/>
+                    </a:lnL>
+                    <a:lnR w="12700" cap="flat" cmpd="sng" algn="ctr">
+                      <a:solidFill>
+                        <a:schemeClr val="tx1"/>
+                      </a:solidFill>
+                      <a:prstDash val="solid"/>
+                      <a:round/>
+                      <a:headEnd type="none" w="med" len="med"/>
+                      <a:tailEnd type="none" w="med" len="med"/>
+                    </a:lnR>
+                    <a:lnT w="12700" cap="flat" cmpd="sng" algn="ctr">
+                      <a:solidFill>
+                        <a:schemeClr val="tx1"/>
+                      </a:solidFill>
+                      <a:prstDash val="solid"/>
+                      <a:round/>
+                      <a:headEnd type="none" w="med" len="med"/>
+                      <a:tailEnd type="none" w="med" len="med"/>
+                    </a:lnT>
+                    <a:lnB w="12700" cap="flat" cmpd="sng" algn="ctr">
+                      <a:solidFill>
+                        <a:schemeClr val="tx1"/>
+                      </a:solidFill>
+                      <a:prstDash val="solid"/>
+                      <a:round/>
+                      <a:headEnd type="none" w="med" len="med"/>
+                      <a:tailEnd type="none" w="med" len="med"/>
+                    </a:lnB>
+                  </a:tcPr>
+                </a:tc>
+                <a:tc>
+                  <a:txBody>
+                    <a:bodyPr/>
+                    <a:lstStyle/>
+                    <a:p>
+                      <a:pPr>
+                        <a:buNone/>
+                      </a:pPr>
+                      <a:r>
+                        <a:rPr lang="en-GB" sz="1600"/>
+                        <a:t>Similarity-based problems</a:t>
+                      </a:r>
+                    </a:p>
+                  </a:txBody>
+                  <a:tcPr marL="67990" marR="67990" marT="33995" marB="33995" anchor="ctr">
+                    <a:lnL w="12700" cap="flat" cmpd="sng" algn="ctr">
+                      <a:solidFill>
+                        <a:schemeClr val="tx1"/>
+                      </a:solidFill>
+                      <a:prstDash val="solid"/>
+                      <a:round/>
+                      <a:headEnd type="none" w="med" len="med"/>
+                      <a:tailEnd type="none" w="med" len="med"/>
+                    </a:lnL>
+                    <a:lnR w="12700" cap="flat" cmpd="sng" algn="ctr">
+                      <a:solidFill>
+                        <a:schemeClr val="tx1"/>
+                      </a:solidFill>
+                      <a:prstDash val="solid"/>
+                      <a:round/>
+                      <a:headEnd type="none" w="med" len="med"/>
+                      <a:tailEnd type="none" w="med" len="med"/>
+                    </a:lnR>
+                    <a:lnT w="12700" cap="flat" cmpd="sng" algn="ctr">
+                      <a:solidFill>
+                        <a:schemeClr val="tx1"/>
+                      </a:solidFill>
+                      <a:prstDash val="solid"/>
+                      <a:round/>
+                      <a:headEnd type="none" w="med" len="med"/>
+                      <a:tailEnd type="none" w="med" len="med"/>
+                    </a:lnT>
+                    <a:lnB w="12700" cap="flat" cmpd="sng" algn="ctr">
+                      <a:solidFill>
+                        <a:schemeClr val="tx1"/>
+                      </a:solidFill>
+                      <a:prstDash val="solid"/>
+                      <a:round/>
+                      <a:headEnd type="none" w="med" len="med"/>
+                      <a:tailEnd type="none" w="med" len="med"/>
+                    </a:lnB>
+                  </a:tcPr>
+                </a:tc>
+                <a:extLst>
+                  <a:ext uri="{0D108BD9-81ED-4DB2-BD59-A6C34878D82A}">
+                    <a16:rowId xmlns:a16="http://schemas.microsoft.com/office/drawing/2014/main" val="685742967"/>
+                  </a:ext>
+                </a:extLst>
+              </a:tr>
+              <a:tr h="679897">
+                <a:tc>
+                  <a:txBody>
+                    <a:bodyPr/>
+                    <a:lstStyle/>
+                    <a:p>
+                      <a:pPr>
+                        <a:buNone/>
+                      </a:pPr>
+                      <a:r>
+                        <a:rPr lang="en-GB" sz="1600" b="1"/>
+                        <a:t>SVM</a:t>
+                      </a:r>
+                      <a:endParaRPr lang="en-GB" sz="1600"/>
+                    </a:p>
+                  </a:txBody>
+                  <a:tcPr marL="67990" marR="67990" marT="33995" marB="33995" anchor="ctr">
+                    <a:lnL w="12700" cap="flat" cmpd="sng" algn="ctr">
+                      <a:solidFill>
+                        <a:schemeClr val="tx1"/>
+                      </a:solidFill>
+                      <a:prstDash val="solid"/>
+                      <a:round/>
+                      <a:headEnd type="none" w="med" len="med"/>
+                      <a:tailEnd type="none" w="med" len="med"/>
+                    </a:lnL>
+                    <a:lnR w="12700" cap="flat" cmpd="sng" algn="ctr">
+                      <a:solidFill>
+                        <a:schemeClr val="tx1"/>
+                      </a:solidFill>
+                      <a:prstDash val="solid"/>
+                      <a:round/>
+                      <a:headEnd type="none" w="med" len="med"/>
+                      <a:tailEnd type="none" w="med" len="med"/>
+                    </a:lnR>
+                    <a:lnT w="12700" cap="flat" cmpd="sng" algn="ctr">
+                      <a:solidFill>
+                        <a:schemeClr val="tx1"/>
+                      </a:solidFill>
+                      <a:prstDash val="solid"/>
+                      <a:round/>
+                      <a:headEnd type="none" w="med" len="med"/>
+                      <a:tailEnd type="none" w="med" len="med"/>
+                    </a:lnT>
+                    <a:lnB w="12700" cap="flat" cmpd="sng" algn="ctr">
+                      <a:solidFill>
+                        <a:schemeClr val="tx1"/>
+                      </a:solidFill>
+                      <a:prstDash val="solid"/>
+                      <a:round/>
+                      <a:headEnd type="none" w="med" len="med"/>
+                      <a:tailEnd type="none" w="med" len="med"/>
+                    </a:lnB>
+                  </a:tcPr>
+                </a:tc>
+                <a:tc>
+                  <a:txBody>
+                    <a:bodyPr/>
+                    <a:lstStyle/>
+                    <a:p>
+                      <a:pPr>
+                        <a:buNone/>
+                      </a:pPr>
+                      <a:r>
+                        <a:rPr lang="en-GB" sz="1600"/>
+                        <a:t>Maximum-margin boundary</a:t>
+                      </a:r>
+                    </a:p>
+                  </a:txBody>
+                  <a:tcPr marL="67990" marR="67990" marT="33995" marB="33995" anchor="ctr">
+                    <a:lnL w="12700" cap="flat" cmpd="sng" algn="ctr">
+                      <a:solidFill>
+                        <a:schemeClr val="tx1"/>
+                      </a:solidFill>
+                      <a:prstDash val="solid"/>
+                      <a:round/>
+                      <a:headEnd type="none" w="med" len="med"/>
+                      <a:tailEnd type="none" w="med" len="med"/>
+                    </a:lnL>
+                    <a:lnR w="12700" cap="flat" cmpd="sng" algn="ctr">
+                      <a:solidFill>
+                        <a:schemeClr val="tx1"/>
+                      </a:solidFill>
+                      <a:prstDash val="solid"/>
+                      <a:round/>
+                      <a:headEnd type="none" w="med" len="med"/>
+                      <a:tailEnd type="none" w="med" len="med"/>
+                    </a:lnR>
+                    <a:lnT w="12700" cap="flat" cmpd="sng" algn="ctr">
+                      <a:solidFill>
+                        <a:schemeClr val="tx1"/>
+                      </a:solidFill>
+                      <a:prstDash val="solid"/>
+                      <a:round/>
+                      <a:headEnd type="none" w="med" len="med"/>
+                      <a:tailEnd type="none" w="med" len="med"/>
+                    </a:lnT>
+                    <a:lnB w="12700" cap="flat" cmpd="sng" algn="ctr">
+                      <a:solidFill>
+                        <a:schemeClr val="tx1"/>
+                      </a:solidFill>
+                      <a:prstDash val="solid"/>
+                      <a:round/>
+                      <a:headEnd type="none" w="med" len="med"/>
+                      <a:tailEnd type="none" w="med" len="med"/>
+                    </a:lnB>
+                  </a:tcPr>
+                </a:tc>
+                <a:tc>
+                  <a:txBody>
+                    <a:bodyPr/>
+                    <a:lstStyle/>
+                    <a:p>
+                      <a:pPr>
+                        <a:buNone/>
+                      </a:pPr>
+                      <a:r>
+                        <a:rPr lang="en-GB" sz="1600"/>
+                        <a:t>Small → Medium</a:t>
+                      </a:r>
+                    </a:p>
+                  </a:txBody>
+                  <a:tcPr marL="67990" marR="67990" marT="33995" marB="33995" anchor="ctr">
+                    <a:lnL w="12700" cap="flat" cmpd="sng" algn="ctr">
+                      <a:solidFill>
+                        <a:schemeClr val="tx1"/>
+                      </a:solidFill>
+                      <a:prstDash val="solid"/>
+                      <a:round/>
+                      <a:headEnd type="none" w="med" len="med"/>
+                      <a:tailEnd type="none" w="med" len="med"/>
+                    </a:lnL>
+                    <a:lnR w="12700" cap="flat" cmpd="sng" algn="ctr">
+                      <a:solidFill>
+                        <a:schemeClr val="tx1"/>
+                      </a:solidFill>
+                      <a:prstDash val="solid"/>
+                      <a:round/>
+                      <a:headEnd type="none" w="med" len="med"/>
+                      <a:tailEnd type="none" w="med" len="med"/>
+                    </a:lnR>
+                    <a:lnT w="12700" cap="flat" cmpd="sng" algn="ctr">
+                      <a:solidFill>
+                        <a:schemeClr val="tx1"/>
+                      </a:solidFill>
+                      <a:prstDash val="solid"/>
+                      <a:round/>
+                      <a:headEnd type="none" w="med" len="med"/>
+                      <a:tailEnd type="none" w="med" len="med"/>
+                    </a:lnT>
+                    <a:lnB w="12700" cap="flat" cmpd="sng" algn="ctr">
+                      <a:solidFill>
+                        <a:schemeClr val="tx1"/>
+                      </a:solidFill>
+                      <a:prstDash val="solid"/>
+                      <a:round/>
+                      <a:headEnd type="none" w="med" len="med"/>
+                      <a:tailEnd type="none" w="med" len="med"/>
+                    </a:lnB>
+                  </a:tcPr>
+                </a:tc>
+                <a:tc>
+                  <a:txBody>
+                    <a:bodyPr/>
+                    <a:lstStyle/>
+                    <a:p>
+                      <a:pPr>
+                        <a:buNone/>
+                      </a:pPr>
+                      <a:r>
+                        <a:rPr lang="en-GB" sz="1600"/>
+                        <a:t>❌ Low</a:t>
+                      </a:r>
+                    </a:p>
+                  </a:txBody>
+                  <a:tcPr marL="67990" marR="67990" marT="33995" marB="33995" anchor="ctr">
+                    <a:lnL w="12700" cap="flat" cmpd="sng" algn="ctr">
+                      <a:solidFill>
+                        <a:schemeClr val="tx1"/>
+                      </a:solidFill>
+                      <a:prstDash val="solid"/>
+                      <a:round/>
+                      <a:headEnd type="none" w="med" len="med"/>
+                      <a:tailEnd type="none" w="med" len="med"/>
+                    </a:lnL>
+                    <a:lnR w="12700" cap="flat" cmpd="sng" algn="ctr">
+                      <a:solidFill>
+                        <a:schemeClr val="tx1"/>
+                      </a:solidFill>
+                      <a:prstDash val="solid"/>
+                      <a:round/>
+                      <a:headEnd type="none" w="med" len="med"/>
+                      <a:tailEnd type="none" w="med" len="med"/>
+                    </a:lnR>
+                    <a:lnT w="12700" cap="flat" cmpd="sng" algn="ctr">
+                      <a:solidFill>
+                        <a:schemeClr val="tx1"/>
+                      </a:solidFill>
+                      <a:prstDash val="solid"/>
+                      <a:round/>
+                      <a:headEnd type="none" w="med" len="med"/>
+                      <a:tailEnd type="none" w="med" len="med"/>
+                    </a:lnT>
+                    <a:lnB w="12700" cap="flat" cmpd="sng" algn="ctr">
+                      <a:solidFill>
+                        <a:schemeClr val="tx1"/>
+                      </a:solidFill>
+                      <a:prstDash val="solid"/>
+                      <a:round/>
+                      <a:headEnd type="none" w="med" len="med"/>
+                      <a:tailEnd type="none" w="med" len="med"/>
+                    </a:lnB>
+                  </a:tcPr>
+                </a:tc>
+                <a:tc>
+                  <a:txBody>
+                    <a:bodyPr/>
+                    <a:lstStyle/>
+                    <a:p>
+                      <a:pPr>
+                        <a:buNone/>
+                      </a:pPr>
+                      <a:r>
+                        <a:rPr lang="en-GB" sz="1600"/>
+                        <a:t>✅ Yes (kernel)</a:t>
+                      </a:r>
+                    </a:p>
+                  </a:txBody>
+                  <a:tcPr marL="67990" marR="67990" marT="33995" marB="33995" anchor="ctr">
+                    <a:lnL w="12700" cap="flat" cmpd="sng" algn="ctr">
+                      <a:solidFill>
+                        <a:schemeClr val="tx1"/>
+                      </a:solidFill>
+                      <a:prstDash val="solid"/>
+                      <a:round/>
+                      <a:headEnd type="none" w="med" len="med"/>
+                      <a:tailEnd type="none" w="med" len="med"/>
+                    </a:lnL>
+                    <a:lnR w="12700" cap="flat" cmpd="sng" algn="ctr">
+                      <a:solidFill>
+                        <a:schemeClr val="tx1"/>
+                      </a:solidFill>
+                      <a:prstDash val="solid"/>
+                      <a:round/>
+                      <a:headEnd type="none" w="med" len="med"/>
+                      <a:tailEnd type="none" w="med" len="med"/>
+                    </a:lnR>
+                    <a:lnT w="12700" cap="flat" cmpd="sng" algn="ctr">
+                      <a:solidFill>
+                        <a:schemeClr val="tx1"/>
+                      </a:solidFill>
+                      <a:prstDash val="solid"/>
+                      <a:round/>
+                      <a:headEnd type="none" w="med" len="med"/>
+                      <a:tailEnd type="none" w="med" len="med"/>
+                    </a:lnT>
+                    <a:lnB w="12700" cap="flat" cmpd="sng" algn="ctr">
+                      <a:solidFill>
+                        <a:schemeClr val="tx1"/>
+                      </a:solidFill>
+                      <a:prstDash val="solid"/>
+                      <a:round/>
+                      <a:headEnd type="none" w="med" len="med"/>
+                      <a:tailEnd type="none" w="med" len="med"/>
+                    </a:lnB>
+                  </a:tcPr>
+                </a:tc>
+                <a:tc>
+                  <a:txBody>
+                    <a:bodyPr/>
+                    <a:lstStyle/>
+                    <a:p>
+                      <a:pPr>
+                        <a:buNone/>
+                      </a:pPr>
+                      <a:r>
+                        <a:rPr lang="en-GB" sz="1600"/>
+                        <a:t>⚠️ Yes</a:t>
+                      </a:r>
+                    </a:p>
+                  </a:txBody>
+                  <a:tcPr marL="67990" marR="67990" marT="33995" marB="33995" anchor="ctr">
+                    <a:lnL w="12700" cap="flat" cmpd="sng" algn="ctr">
+                      <a:solidFill>
+                        <a:schemeClr val="tx1"/>
+                      </a:solidFill>
+                      <a:prstDash val="solid"/>
+                      <a:round/>
+                      <a:headEnd type="none" w="med" len="med"/>
+                      <a:tailEnd type="none" w="med" len="med"/>
+                    </a:lnL>
+                    <a:lnR w="12700" cap="flat" cmpd="sng" algn="ctr">
+                      <a:solidFill>
+                        <a:schemeClr val="tx1"/>
+                      </a:solidFill>
+                      <a:prstDash val="solid"/>
+                      <a:round/>
+                      <a:headEnd type="none" w="med" len="med"/>
+                      <a:tailEnd type="none" w="med" len="med"/>
+                    </a:lnR>
+                    <a:lnT w="12700" cap="flat" cmpd="sng" algn="ctr">
+                      <a:solidFill>
+                        <a:schemeClr val="tx1"/>
+                      </a:solidFill>
+                      <a:prstDash val="solid"/>
+                      <a:round/>
+                      <a:headEnd type="none" w="med" len="med"/>
+                      <a:tailEnd type="none" w="med" len="med"/>
+                    </a:lnT>
+                    <a:lnB w="12700" cap="flat" cmpd="sng" algn="ctr">
+                      <a:solidFill>
+                        <a:schemeClr val="tx1"/>
+                      </a:solidFill>
+                      <a:prstDash val="solid"/>
+                      <a:round/>
+                      <a:headEnd type="none" w="med" len="med"/>
+                      <a:tailEnd type="none" w="med" len="med"/>
+                    </a:lnB>
+                  </a:tcPr>
+                </a:tc>
+                <a:tc>
+                  <a:txBody>
+                    <a:bodyPr/>
+                    <a:lstStyle/>
+                    <a:p>
+                      <a:pPr>
+                        <a:buNone/>
+                      </a:pPr>
+                      <a:r>
+                        <a:rPr lang="en-GB" sz="1600" dirty="0"/>
+                        <a:t>High-dimensional, complex data</a:t>
+                      </a:r>
+                    </a:p>
+                  </a:txBody>
+                  <a:tcPr marL="67990" marR="67990" marT="33995" marB="33995" anchor="ctr">
+                    <a:lnL w="12700" cap="flat" cmpd="sng" algn="ctr">
+                      <a:solidFill>
+                        <a:schemeClr val="tx1"/>
+                      </a:solidFill>
+                      <a:prstDash val="solid"/>
+                      <a:round/>
+                      <a:headEnd type="none" w="med" len="med"/>
+                      <a:tailEnd type="none" w="med" len="med"/>
+                    </a:lnL>
+                    <a:lnR w="12700" cap="flat" cmpd="sng" algn="ctr">
+                      <a:solidFill>
+                        <a:schemeClr val="tx1"/>
+                      </a:solidFill>
+                      <a:prstDash val="solid"/>
+                      <a:round/>
+                      <a:headEnd type="none" w="med" len="med"/>
+                      <a:tailEnd type="none" w="med" len="med"/>
+                    </a:lnR>
+                    <a:lnT w="12700" cap="flat" cmpd="sng" algn="ctr">
+                      <a:solidFill>
+                        <a:schemeClr val="tx1"/>
+                      </a:solidFill>
+                      <a:prstDash val="solid"/>
+                      <a:round/>
+                      <a:headEnd type="none" w="med" len="med"/>
+                      <a:tailEnd type="none" w="med" len="med"/>
+                    </a:lnT>
+                    <a:lnB w="12700" cap="flat" cmpd="sng" algn="ctr">
+                      <a:solidFill>
+                        <a:schemeClr val="tx1"/>
+                      </a:solidFill>
+                      <a:prstDash val="solid"/>
+                      <a:round/>
+                      <a:headEnd type="none" w="med" len="med"/>
+                      <a:tailEnd type="none" w="med" len="med"/>
+                    </a:lnB>
+                  </a:tcPr>
+                </a:tc>
+                <a:extLst>
+                  <a:ext uri="{0D108BD9-81ED-4DB2-BD59-A6C34878D82A}">
+                    <a16:rowId xmlns:a16="http://schemas.microsoft.com/office/drawing/2014/main" val="1550382071"/>
+                  </a:ext>
+                </a:extLst>
+              </a:tr>
+            </a:tbl>
+          </a:graphicData>
+        </a:graphic>
+      </p:graphicFrame>
+    </p:spTree>
+    <p:extLst>
+      <p:ext uri="{BB962C8B-B14F-4D97-AF65-F5344CB8AC3E}">
+        <p14:creationId xmlns:p14="http://schemas.microsoft.com/office/powerpoint/2010/main" val="3274189454"/>
+      </p:ext>
+    </p:extLst>
+  </p:cSld>
+  <p:clrMapOvr>
+    <a:masterClrMapping/>
+  </p:clrMapOvr>
+</p:sld>
+</file>
+
+<file path=ppt/slides/slide25.xml><?xml version="1.0" encoding="utf-8"?>
+<p:sld xmlns:a="http://schemas.openxmlformats.org/drawingml/2006/main" xmlns:r="http://schemas.openxmlformats.org/officeDocument/2006/relationships" xmlns:p="http://schemas.openxmlformats.org/presentationml/2006/main">
+  <p:cSld>
+    <p:spTree>
+      <p:nvGrpSpPr>
+        <p:cNvPr id="1" name=""/>
+        <p:cNvGrpSpPr/>
+        <p:nvPr/>
+      </p:nvGrpSpPr>
+      <p:grpSpPr>
+        <a:xfrm>
+          <a:off x="0" y="0"/>
+          <a:ext cx="0" cy="0"/>
+          <a:chOff x="0" y="0"/>
+          <a:chExt cx="0" cy="0"/>
+        </a:xfrm>
+      </p:grpSpPr>
+      <p:sp>
+        <p:nvSpPr>
+          <p:cNvPr id="2" name="Title 1">
+            <a:extLst>
+              <a:ext uri="{FF2B5EF4-FFF2-40B4-BE49-F238E27FC236}">
+                <a16:creationId xmlns:a16="http://schemas.microsoft.com/office/drawing/2014/main" id="{BEEFEAA5-B391-99AB-F2D7-5C077D584EF0}"/>
+              </a:ext>
+            </a:extLst>
+          </p:cNvPr>
+          <p:cNvSpPr>
+            <a:spLocks noGrp="1"/>
+          </p:cNvSpPr>
+          <p:nvPr>
+            <p:ph type="title"/>
+          </p:nvPr>
+        </p:nvSpPr>
+        <p:spPr>
+          <a:xfrm>
+            <a:off x="838200" y="76783"/>
+            <a:ext cx="10515600" cy="921379"/>
+          </a:xfrm>
+        </p:spPr>
+        <p:txBody>
+          <a:bodyPr/>
+          <a:lstStyle/>
+          <a:p>
+            <a:r>
+              <a:rPr lang="en-IN" dirty="0"/>
+              <a:t>When to Use What</a:t>
+            </a:r>
+            <a:endParaRPr lang="en-GB" dirty="0"/>
+          </a:p>
+        </p:txBody>
+      </p:sp>
+      <p:graphicFrame>
+        <p:nvGraphicFramePr>
+          <p:cNvPr id="4" name="Content Placeholder 3">
+            <a:extLst>
+              <a:ext uri="{FF2B5EF4-FFF2-40B4-BE49-F238E27FC236}">
+                <a16:creationId xmlns:a16="http://schemas.microsoft.com/office/drawing/2014/main" id="{598AC318-CFDD-83EF-8CAF-A0AC531EFC06}"/>
+              </a:ext>
+            </a:extLst>
+          </p:cNvPr>
+          <p:cNvGraphicFramePr>
+            <a:graphicFrameLocks noGrp="1"/>
+          </p:cNvGraphicFramePr>
+          <p:nvPr>
+            <p:ph idx="1"/>
+            <p:extLst>
+              <p:ext uri="{D42A27DB-BD31-4B8C-83A1-F6EECF244321}">
+                <p14:modId xmlns:p14="http://schemas.microsoft.com/office/powerpoint/2010/main" val="977384861"/>
+              </p:ext>
+            </p:extLst>
+          </p:nvPr>
+        </p:nvGraphicFramePr>
+        <p:xfrm>
+          <a:off x="488611" y="903318"/>
+          <a:ext cx="11342748" cy="5633984"/>
+        </p:xfrm>
+        <a:graphic>
+          <a:graphicData uri="http://schemas.openxmlformats.org/drawingml/2006/table">
+            <a:tbl>
+              <a:tblPr firstRow="1">
+                <a:tableStyleId>{72833802-FEF1-4C79-8D5D-14CF1EAF98D9}</a:tableStyleId>
+              </a:tblPr>
+              <a:tblGrid>
+                <a:gridCol w="467670">
+                  <a:extLst>
+                    <a:ext uri="{9D8B030D-6E8A-4147-A177-3AD203B41FA5}">
+                      <a16:colId xmlns:a16="http://schemas.microsoft.com/office/drawing/2014/main" val="3535070348"/>
+                    </a:ext>
+                  </a:extLst>
+                </a:gridCol>
+                <a:gridCol w="3399335">
+                  <a:extLst>
+                    <a:ext uri="{9D8B030D-6E8A-4147-A177-3AD203B41FA5}">
+                      <a16:colId xmlns:a16="http://schemas.microsoft.com/office/drawing/2014/main" val="2190774481"/>
+                    </a:ext>
+                  </a:extLst>
+                </a:gridCol>
+                <a:gridCol w="2121966">
+                  <a:extLst>
+                    <a:ext uri="{9D8B030D-6E8A-4147-A177-3AD203B41FA5}">
+                      <a16:colId xmlns:a16="http://schemas.microsoft.com/office/drawing/2014/main" val="1656765752"/>
+                    </a:ext>
+                  </a:extLst>
+                </a:gridCol>
+                <a:gridCol w="5353777">
+                  <a:extLst>
+                    <a:ext uri="{9D8B030D-6E8A-4147-A177-3AD203B41FA5}">
+                      <a16:colId xmlns:a16="http://schemas.microsoft.com/office/drawing/2014/main" val="1434328604"/>
+                    </a:ext>
+                  </a:extLst>
+                </a:gridCol>
+              </a:tblGrid>
+              <a:tr h="174054">
+                <a:tc>
+                  <a:txBody>
+                    <a:bodyPr/>
+                    <a:lstStyle/>
+                    <a:p>
+                      <a:pPr>
+                        <a:buNone/>
+                      </a:pPr>
+                      <a:r>
+                        <a:rPr lang="en-GB" sz="1800"/>
+                        <a:t>#</a:t>
+                      </a:r>
+                    </a:p>
+                  </a:txBody>
+                  <a:tcPr marL="43513" marR="43513" marT="21757" marB="21757" anchor="ctr">
+                    <a:lnL w="12700" cap="flat" cmpd="sng" algn="ctr">
+                      <a:solidFill>
+                        <a:schemeClr val="tx1"/>
+                      </a:solidFill>
+                      <a:prstDash val="solid"/>
+                      <a:round/>
+                      <a:headEnd type="none" w="med" len="med"/>
+                      <a:tailEnd type="none" w="med" len="med"/>
+                    </a:lnL>
+                    <a:lnR w="12700" cap="flat" cmpd="sng" algn="ctr">
+                      <a:solidFill>
+                        <a:schemeClr val="tx1"/>
+                      </a:solidFill>
+                      <a:prstDash val="solid"/>
+                      <a:round/>
+                      <a:headEnd type="none" w="med" len="med"/>
+                      <a:tailEnd type="none" w="med" len="med"/>
+                    </a:lnR>
+                    <a:lnT w="12700" cap="flat" cmpd="sng" algn="ctr">
+                      <a:solidFill>
+                        <a:schemeClr val="tx1"/>
+                      </a:solidFill>
+                      <a:prstDash val="solid"/>
+                      <a:round/>
+                      <a:headEnd type="none" w="med" len="med"/>
+                      <a:tailEnd type="none" w="med" len="med"/>
+                    </a:lnT>
+                    <a:lnB w="12700" cap="flat" cmpd="sng" algn="ctr">
+                      <a:solidFill>
+                        <a:schemeClr val="tx1"/>
+                      </a:solidFill>
+                      <a:prstDash val="solid"/>
+                      <a:round/>
+                      <a:headEnd type="none" w="med" len="med"/>
+                      <a:tailEnd type="none" w="med" len="med"/>
+                    </a:lnB>
+                  </a:tcPr>
+                </a:tc>
+                <a:tc>
+                  <a:txBody>
+                    <a:bodyPr/>
+                    <a:lstStyle/>
+                    <a:p>
+                      <a:pPr>
+                        <a:buNone/>
+                      </a:pPr>
+                      <a:r>
+                        <a:rPr lang="en-GB" sz="1800"/>
+                        <a:t>Use case</a:t>
+                      </a:r>
+                    </a:p>
+                  </a:txBody>
+                  <a:tcPr marL="43513" marR="43513" marT="21757" marB="21757" anchor="ctr">
+                    <a:lnL w="12700" cap="flat" cmpd="sng" algn="ctr">
+                      <a:solidFill>
+                        <a:schemeClr val="tx1"/>
+                      </a:solidFill>
+                      <a:prstDash val="solid"/>
+                      <a:round/>
+                      <a:headEnd type="none" w="med" len="med"/>
+                      <a:tailEnd type="none" w="med" len="med"/>
+                    </a:lnL>
+                    <a:lnR w="12700" cap="flat" cmpd="sng" algn="ctr">
+                      <a:solidFill>
+                        <a:schemeClr val="tx1"/>
+                      </a:solidFill>
+                      <a:prstDash val="solid"/>
+                      <a:round/>
+                      <a:headEnd type="none" w="med" len="med"/>
+                      <a:tailEnd type="none" w="med" len="med"/>
+                    </a:lnR>
+                    <a:lnT w="12700" cap="flat" cmpd="sng" algn="ctr">
+                      <a:solidFill>
+                        <a:schemeClr val="tx1"/>
+                      </a:solidFill>
+                      <a:prstDash val="solid"/>
+                      <a:round/>
+                      <a:headEnd type="none" w="med" len="med"/>
+                      <a:tailEnd type="none" w="med" len="med"/>
+                    </a:lnT>
+                    <a:lnB w="12700" cap="flat" cmpd="sng" algn="ctr">
+                      <a:solidFill>
+                        <a:schemeClr val="tx1"/>
+                      </a:solidFill>
+                      <a:prstDash val="solid"/>
+                      <a:round/>
+                      <a:headEnd type="none" w="med" len="med"/>
+                      <a:tailEnd type="none" w="med" len="med"/>
+                    </a:lnB>
+                  </a:tcPr>
+                </a:tc>
+                <a:tc>
+                  <a:txBody>
+                    <a:bodyPr/>
+                    <a:lstStyle/>
+                    <a:p>
+                      <a:pPr>
+                        <a:buNone/>
+                      </a:pPr>
+                      <a:r>
+                        <a:rPr lang="en-GB" sz="1800"/>
+                        <a:t>Model</a:t>
+                      </a:r>
+                    </a:p>
+                  </a:txBody>
+                  <a:tcPr marL="43513" marR="43513" marT="21757" marB="21757" anchor="ctr">
+                    <a:lnL w="12700" cap="flat" cmpd="sng" algn="ctr">
+                      <a:solidFill>
+                        <a:schemeClr val="tx1"/>
+                      </a:solidFill>
+                      <a:prstDash val="solid"/>
+                      <a:round/>
+                      <a:headEnd type="none" w="med" len="med"/>
+                      <a:tailEnd type="none" w="med" len="med"/>
+                    </a:lnL>
+                    <a:lnR w="12700" cap="flat" cmpd="sng" algn="ctr">
+                      <a:solidFill>
+                        <a:schemeClr val="tx1"/>
+                      </a:solidFill>
+                      <a:prstDash val="solid"/>
+                      <a:round/>
+                      <a:headEnd type="none" w="med" len="med"/>
+                      <a:tailEnd type="none" w="med" len="med"/>
+                    </a:lnR>
+                    <a:lnT w="12700" cap="flat" cmpd="sng" algn="ctr">
+                      <a:solidFill>
+                        <a:schemeClr val="tx1"/>
+                      </a:solidFill>
+                      <a:prstDash val="solid"/>
+                      <a:round/>
+                      <a:headEnd type="none" w="med" len="med"/>
+                      <a:tailEnd type="none" w="med" len="med"/>
+                    </a:lnT>
+                    <a:lnB w="12700" cap="flat" cmpd="sng" algn="ctr">
+                      <a:solidFill>
+                        <a:schemeClr val="tx1"/>
+                      </a:solidFill>
+                      <a:prstDash val="solid"/>
+                      <a:round/>
+                      <a:headEnd type="none" w="med" len="med"/>
+                      <a:tailEnd type="none" w="med" len="med"/>
+                    </a:lnB>
+                  </a:tcPr>
+                </a:tc>
+                <a:tc>
+                  <a:txBody>
+                    <a:bodyPr/>
+                    <a:lstStyle/>
+                    <a:p>
+                      <a:pPr>
+                        <a:buNone/>
+                      </a:pPr>
+                      <a:r>
+                        <a:rPr lang="en-GB" sz="1800"/>
+                        <a:t>Reason (simple)</a:t>
+                      </a:r>
+                    </a:p>
+                  </a:txBody>
+                  <a:tcPr marL="43513" marR="43513" marT="21757" marB="21757" anchor="ctr">
+                    <a:lnL w="12700" cap="flat" cmpd="sng" algn="ctr">
+                      <a:solidFill>
+                        <a:schemeClr val="tx1"/>
+                      </a:solidFill>
+                      <a:prstDash val="solid"/>
+                      <a:round/>
+                      <a:headEnd type="none" w="med" len="med"/>
+                      <a:tailEnd type="none" w="med" len="med"/>
+                    </a:lnL>
+                    <a:lnR w="12700" cap="flat" cmpd="sng" algn="ctr">
+                      <a:solidFill>
+                        <a:schemeClr val="tx1"/>
+                      </a:solidFill>
+                      <a:prstDash val="solid"/>
+                      <a:round/>
+                      <a:headEnd type="none" w="med" len="med"/>
+                      <a:tailEnd type="none" w="med" len="med"/>
+                    </a:lnR>
+                    <a:lnT w="12700" cap="flat" cmpd="sng" algn="ctr">
+                      <a:solidFill>
+                        <a:schemeClr val="tx1"/>
+                      </a:solidFill>
+                      <a:prstDash val="solid"/>
+                      <a:round/>
+                      <a:headEnd type="none" w="med" len="med"/>
+                      <a:tailEnd type="none" w="med" len="med"/>
+                    </a:lnT>
+                    <a:lnB w="12700" cap="flat" cmpd="sng" algn="ctr">
+                      <a:solidFill>
+                        <a:schemeClr val="tx1"/>
+                      </a:solidFill>
+                      <a:prstDash val="solid"/>
+                      <a:round/>
+                      <a:headEnd type="none" w="med" len="med"/>
+                      <a:tailEnd type="none" w="med" len="med"/>
+                    </a:lnB>
+                  </a:tcPr>
+                </a:tc>
+                <a:extLst>
+                  <a:ext uri="{0D108BD9-81ED-4DB2-BD59-A6C34878D82A}">
+                    <a16:rowId xmlns:a16="http://schemas.microsoft.com/office/drawing/2014/main" val="649850803"/>
+                  </a:ext>
+                </a:extLst>
+              </a:tr>
+              <a:tr h="304594">
+                <a:tc>
+                  <a:txBody>
+                    <a:bodyPr/>
+                    <a:lstStyle/>
+                    <a:p>
+                      <a:pPr>
+                        <a:buNone/>
+                      </a:pPr>
+                      <a:r>
+                        <a:rPr lang="en-GB" sz="1800"/>
+                        <a:t>1</a:t>
+                      </a:r>
+                    </a:p>
+                  </a:txBody>
+                  <a:tcPr marL="43513" marR="43513" marT="21757" marB="21757" anchor="ctr">
+                    <a:lnL w="12700" cap="flat" cmpd="sng" algn="ctr">
+                      <a:solidFill>
+                        <a:schemeClr val="tx1"/>
+                      </a:solidFill>
+                      <a:prstDash val="solid"/>
+                      <a:round/>
+                      <a:headEnd type="none" w="med" len="med"/>
+                      <a:tailEnd type="none" w="med" len="med"/>
+                    </a:lnL>
+                    <a:lnR w="12700" cap="flat" cmpd="sng" algn="ctr">
+                      <a:solidFill>
+                        <a:schemeClr val="tx1"/>
+                      </a:solidFill>
+                      <a:prstDash val="solid"/>
+                      <a:round/>
+                      <a:headEnd type="none" w="med" len="med"/>
+                      <a:tailEnd type="none" w="med" len="med"/>
+                    </a:lnR>
+                    <a:lnT w="12700" cap="flat" cmpd="sng" algn="ctr">
+                      <a:solidFill>
+                        <a:schemeClr val="tx1"/>
+                      </a:solidFill>
+                      <a:prstDash val="solid"/>
+                      <a:round/>
+                      <a:headEnd type="none" w="med" len="med"/>
+                      <a:tailEnd type="none" w="med" len="med"/>
+                    </a:lnT>
+                    <a:lnB w="12700" cap="flat" cmpd="sng" algn="ctr">
+                      <a:solidFill>
+                        <a:schemeClr val="tx1"/>
+                      </a:solidFill>
+                      <a:prstDash val="solid"/>
+                      <a:round/>
+                      <a:headEnd type="none" w="med" len="med"/>
+                      <a:tailEnd type="none" w="med" len="med"/>
+                    </a:lnB>
+                  </a:tcPr>
+                </a:tc>
+                <a:tc>
+                  <a:txBody>
+                    <a:bodyPr/>
+                    <a:lstStyle/>
+                    <a:p>
+                      <a:pPr>
+                        <a:buNone/>
+                      </a:pPr>
+                      <a:r>
+                        <a:rPr lang="en-GB" sz="1800"/>
+                        <a:t>Email spam detection (text)</a:t>
+                      </a:r>
+                    </a:p>
+                  </a:txBody>
+                  <a:tcPr marL="43513" marR="43513" marT="21757" marB="21757" anchor="ctr">
+                    <a:lnL w="12700" cap="flat" cmpd="sng" algn="ctr">
+                      <a:solidFill>
+                        <a:schemeClr val="tx1"/>
+                      </a:solidFill>
+                      <a:prstDash val="solid"/>
+                      <a:round/>
+                      <a:headEnd type="none" w="med" len="med"/>
+                      <a:tailEnd type="none" w="med" len="med"/>
+                    </a:lnL>
+                    <a:lnR w="12700" cap="flat" cmpd="sng" algn="ctr">
+                      <a:solidFill>
+                        <a:schemeClr val="tx1"/>
+                      </a:solidFill>
+                      <a:prstDash val="solid"/>
+                      <a:round/>
+                      <a:headEnd type="none" w="med" len="med"/>
+                      <a:tailEnd type="none" w="med" len="med"/>
+                    </a:lnR>
+                    <a:lnT w="12700" cap="flat" cmpd="sng" algn="ctr">
+                      <a:solidFill>
+                        <a:schemeClr val="tx1"/>
+                      </a:solidFill>
+                      <a:prstDash val="solid"/>
+                      <a:round/>
+                      <a:headEnd type="none" w="med" len="med"/>
+                      <a:tailEnd type="none" w="med" len="med"/>
+                    </a:lnT>
+                    <a:lnB w="12700" cap="flat" cmpd="sng" algn="ctr">
+                      <a:solidFill>
+                        <a:schemeClr val="tx1"/>
+                      </a:solidFill>
+                      <a:prstDash val="solid"/>
+                      <a:round/>
+                      <a:headEnd type="none" w="med" len="med"/>
+                      <a:tailEnd type="none" w="med" len="med"/>
+                    </a:lnB>
+                  </a:tcPr>
+                </a:tc>
+                <a:tc>
+                  <a:txBody>
+                    <a:bodyPr/>
+                    <a:lstStyle/>
+                    <a:p>
+                      <a:pPr>
+                        <a:buNone/>
+                      </a:pPr>
+                      <a:r>
+                        <a:rPr lang="en-GB" sz="1800" b="1"/>
+                        <a:t>Naive Bayes</a:t>
+                      </a:r>
+                      <a:endParaRPr lang="en-GB" sz="1800"/>
+                    </a:p>
+                  </a:txBody>
+                  <a:tcPr marL="43513" marR="43513" marT="21757" marB="21757" anchor="ctr">
+                    <a:lnL w="12700" cap="flat" cmpd="sng" algn="ctr">
+                      <a:solidFill>
+                        <a:schemeClr val="tx1"/>
+                      </a:solidFill>
+                      <a:prstDash val="solid"/>
+                      <a:round/>
+                      <a:headEnd type="none" w="med" len="med"/>
+                      <a:tailEnd type="none" w="med" len="med"/>
+                    </a:lnL>
+                    <a:lnR w="12700" cap="flat" cmpd="sng" algn="ctr">
+                      <a:solidFill>
+                        <a:schemeClr val="tx1"/>
+                      </a:solidFill>
+                      <a:prstDash val="solid"/>
+                      <a:round/>
+                      <a:headEnd type="none" w="med" len="med"/>
+                      <a:tailEnd type="none" w="med" len="med"/>
+                    </a:lnR>
+                    <a:lnT w="12700" cap="flat" cmpd="sng" algn="ctr">
+                      <a:solidFill>
+                        <a:schemeClr val="tx1"/>
+                      </a:solidFill>
+                      <a:prstDash val="solid"/>
+                      <a:round/>
+                      <a:headEnd type="none" w="med" len="med"/>
+                      <a:tailEnd type="none" w="med" len="med"/>
+                    </a:lnT>
+                    <a:lnB w="12700" cap="flat" cmpd="sng" algn="ctr">
+                      <a:solidFill>
+                        <a:schemeClr val="tx1"/>
+                      </a:solidFill>
+                      <a:prstDash val="solid"/>
+                      <a:round/>
+                      <a:headEnd type="none" w="med" len="med"/>
+                      <a:tailEnd type="none" w="med" len="med"/>
+                    </a:lnB>
+                  </a:tcPr>
+                </a:tc>
+                <a:tc>
+                  <a:txBody>
+                    <a:bodyPr/>
+                    <a:lstStyle/>
+                    <a:p>
+                      <a:pPr>
+                        <a:buNone/>
+                      </a:pPr>
+                      <a:r>
+                        <a:rPr lang="en-US" sz="1800"/>
+                        <a:t>Probabilistic, works great on word counts</a:t>
+                      </a:r>
+                    </a:p>
+                  </a:txBody>
+                  <a:tcPr marL="43513" marR="43513" marT="21757" marB="21757" anchor="ctr">
+                    <a:lnL w="12700" cap="flat" cmpd="sng" algn="ctr">
+                      <a:solidFill>
+                        <a:schemeClr val="tx1"/>
+                      </a:solidFill>
+                      <a:prstDash val="solid"/>
+                      <a:round/>
+                      <a:headEnd type="none" w="med" len="med"/>
+                      <a:tailEnd type="none" w="med" len="med"/>
+                    </a:lnL>
+                    <a:lnR w="12700" cap="flat" cmpd="sng" algn="ctr">
+                      <a:solidFill>
+                        <a:schemeClr val="tx1"/>
+                      </a:solidFill>
+                      <a:prstDash val="solid"/>
+                      <a:round/>
+                      <a:headEnd type="none" w="med" len="med"/>
+                      <a:tailEnd type="none" w="med" len="med"/>
+                    </a:lnR>
+                    <a:lnT w="12700" cap="flat" cmpd="sng" algn="ctr">
+                      <a:solidFill>
+                        <a:schemeClr val="tx1"/>
+                      </a:solidFill>
+                      <a:prstDash val="solid"/>
+                      <a:round/>
+                      <a:headEnd type="none" w="med" len="med"/>
+                      <a:tailEnd type="none" w="med" len="med"/>
+                    </a:lnT>
+                    <a:lnB w="12700" cap="flat" cmpd="sng" algn="ctr">
+                      <a:solidFill>
+                        <a:schemeClr val="tx1"/>
+                      </a:solidFill>
+                      <a:prstDash val="solid"/>
+                      <a:round/>
+                      <a:headEnd type="none" w="med" len="med"/>
+                      <a:tailEnd type="none" w="med" len="med"/>
+                    </a:lnB>
+                  </a:tcPr>
+                </a:tc>
+                <a:extLst>
+                  <a:ext uri="{0D108BD9-81ED-4DB2-BD59-A6C34878D82A}">
+                    <a16:rowId xmlns:a16="http://schemas.microsoft.com/office/drawing/2014/main" val="498760775"/>
+                  </a:ext>
+                </a:extLst>
+              </a:tr>
+              <a:tr h="304594">
+                <a:tc>
+                  <a:txBody>
+                    <a:bodyPr/>
+                    <a:lstStyle/>
+                    <a:p>
+                      <a:pPr>
+                        <a:buNone/>
+                      </a:pPr>
+                      <a:r>
+                        <a:rPr lang="en-GB" sz="1800"/>
+                        <a:t>2</a:t>
+                      </a:r>
+                    </a:p>
+                  </a:txBody>
+                  <a:tcPr marL="43513" marR="43513" marT="21757" marB="21757" anchor="ctr">
+                    <a:lnL w="12700" cap="flat" cmpd="sng" algn="ctr">
+                      <a:solidFill>
+                        <a:schemeClr val="tx1"/>
+                      </a:solidFill>
+                      <a:prstDash val="solid"/>
+                      <a:round/>
+                      <a:headEnd type="none" w="med" len="med"/>
+                      <a:tailEnd type="none" w="med" len="med"/>
+                    </a:lnL>
+                    <a:lnR w="12700" cap="flat" cmpd="sng" algn="ctr">
+                      <a:solidFill>
+                        <a:schemeClr val="tx1"/>
+                      </a:solidFill>
+                      <a:prstDash val="solid"/>
+                      <a:round/>
+                      <a:headEnd type="none" w="med" len="med"/>
+                      <a:tailEnd type="none" w="med" len="med"/>
+                    </a:lnR>
+                    <a:lnT w="12700" cap="flat" cmpd="sng" algn="ctr">
+                      <a:solidFill>
+                        <a:schemeClr val="tx1"/>
+                      </a:solidFill>
+                      <a:prstDash val="solid"/>
+                      <a:round/>
+                      <a:headEnd type="none" w="med" len="med"/>
+                      <a:tailEnd type="none" w="med" len="med"/>
+                    </a:lnT>
+                    <a:lnB w="12700" cap="flat" cmpd="sng" algn="ctr">
+                      <a:solidFill>
+                        <a:schemeClr val="tx1"/>
+                      </a:solidFill>
+                      <a:prstDash val="solid"/>
+                      <a:round/>
+                      <a:headEnd type="none" w="med" len="med"/>
+                      <a:tailEnd type="none" w="med" len="med"/>
+                    </a:lnB>
+                  </a:tcPr>
+                </a:tc>
+                <a:tc>
+                  <a:txBody>
+                    <a:bodyPr/>
+                    <a:lstStyle/>
+                    <a:p>
+                      <a:pPr>
+                        <a:buNone/>
+                      </a:pPr>
+                      <a:r>
+                        <a:rPr lang="en-GB" sz="1800"/>
+                        <a:t>Medical diagnosis (binary outcome)</a:t>
+                      </a:r>
+                    </a:p>
+                  </a:txBody>
+                  <a:tcPr marL="43513" marR="43513" marT="21757" marB="21757" anchor="ctr">
+                    <a:lnL w="12700" cap="flat" cmpd="sng" algn="ctr">
+                      <a:solidFill>
+                        <a:schemeClr val="tx1"/>
+                      </a:solidFill>
+                      <a:prstDash val="solid"/>
+                      <a:round/>
+                      <a:headEnd type="none" w="med" len="med"/>
+                      <a:tailEnd type="none" w="med" len="med"/>
+                    </a:lnL>
+                    <a:lnR w="12700" cap="flat" cmpd="sng" algn="ctr">
+                      <a:solidFill>
+                        <a:schemeClr val="tx1"/>
+                      </a:solidFill>
+                      <a:prstDash val="solid"/>
+                      <a:round/>
+                      <a:headEnd type="none" w="med" len="med"/>
+                      <a:tailEnd type="none" w="med" len="med"/>
+                    </a:lnR>
+                    <a:lnT w="12700" cap="flat" cmpd="sng" algn="ctr">
+                      <a:solidFill>
+                        <a:schemeClr val="tx1"/>
+                      </a:solidFill>
+                      <a:prstDash val="solid"/>
+                      <a:round/>
+                      <a:headEnd type="none" w="med" len="med"/>
+                      <a:tailEnd type="none" w="med" len="med"/>
+                    </a:lnT>
+                    <a:lnB w="12700" cap="flat" cmpd="sng" algn="ctr">
+                      <a:solidFill>
+                        <a:schemeClr val="tx1"/>
+                      </a:solidFill>
+                      <a:prstDash val="solid"/>
+                      <a:round/>
+                      <a:headEnd type="none" w="med" len="med"/>
+                      <a:tailEnd type="none" w="med" len="med"/>
+                    </a:lnB>
+                  </a:tcPr>
+                </a:tc>
+                <a:tc>
+                  <a:txBody>
+                    <a:bodyPr/>
+                    <a:lstStyle/>
+                    <a:p>
+                      <a:pPr>
+                        <a:buNone/>
+                      </a:pPr>
+                      <a:r>
+                        <a:rPr lang="en-GB" sz="1800" b="1"/>
+                        <a:t>Logistic Regression</a:t>
+                      </a:r>
+                      <a:endParaRPr lang="en-GB" sz="1800"/>
+                    </a:p>
+                  </a:txBody>
+                  <a:tcPr marL="43513" marR="43513" marT="21757" marB="21757" anchor="ctr">
+                    <a:lnL w="12700" cap="flat" cmpd="sng" algn="ctr">
+                      <a:solidFill>
+                        <a:schemeClr val="tx1"/>
+                      </a:solidFill>
+                      <a:prstDash val="solid"/>
+                      <a:round/>
+                      <a:headEnd type="none" w="med" len="med"/>
+                      <a:tailEnd type="none" w="med" len="med"/>
+                    </a:lnL>
+                    <a:lnR w="12700" cap="flat" cmpd="sng" algn="ctr">
+                      <a:solidFill>
+                        <a:schemeClr val="tx1"/>
+                      </a:solidFill>
+                      <a:prstDash val="solid"/>
+                      <a:round/>
+                      <a:headEnd type="none" w="med" len="med"/>
+                      <a:tailEnd type="none" w="med" len="med"/>
+                    </a:lnR>
+                    <a:lnT w="12700" cap="flat" cmpd="sng" algn="ctr">
+                      <a:solidFill>
+                        <a:schemeClr val="tx1"/>
+                      </a:solidFill>
+                      <a:prstDash val="solid"/>
+                      <a:round/>
+                      <a:headEnd type="none" w="med" len="med"/>
+                      <a:tailEnd type="none" w="med" len="med"/>
+                    </a:lnT>
+                    <a:lnB w="12700" cap="flat" cmpd="sng" algn="ctr">
+                      <a:solidFill>
+                        <a:schemeClr val="tx1"/>
+                      </a:solidFill>
+                      <a:prstDash val="solid"/>
+                      <a:round/>
+                      <a:headEnd type="none" w="med" len="med"/>
+                      <a:tailEnd type="none" w="med" len="med"/>
+                    </a:lnB>
+                  </a:tcPr>
+                </a:tc>
+                <a:tc>
+                  <a:txBody>
+                    <a:bodyPr/>
+                    <a:lstStyle/>
+                    <a:p>
+                      <a:pPr>
+                        <a:buNone/>
+                      </a:pPr>
+                      <a:r>
+                        <a:rPr lang="en-GB" sz="1800"/>
+                        <a:t>Interpretable probabilities</a:t>
+                      </a:r>
+                    </a:p>
+                  </a:txBody>
+                  <a:tcPr marL="43513" marR="43513" marT="21757" marB="21757" anchor="ctr">
+                    <a:lnL w="12700" cap="flat" cmpd="sng" algn="ctr">
+                      <a:solidFill>
+                        <a:schemeClr val="tx1"/>
+                      </a:solidFill>
+                      <a:prstDash val="solid"/>
+                      <a:round/>
+                      <a:headEnd type="none" w="med" len="med"/>
+                      <a:tailEnd type="none" w="med" len="med"/>
+                    </a:lnL>
+                    <a:lnR w="12700" cap="flat" cmpd="sng" algn="ctr">
+                      <a:solidFill>
+                        <a:schemeClr val="tx1"/>
+                      </a:solidFill>
+                      <a:prstDash val="solid"/>
+                      <a:round/>
+                      <a:headEnd type="none" w="med" len="med"/>
+                      <a:tailEnd type="none" w="med" len="med"/>
+                    </a:lnR>
+                    <a:lnT w="12700" cap="flat" cmpd="sng" algn="ctr">
+                      <a:solidFill>
+                        <a:schemeClr val="tx1"/>
+                      </a:solidFill>
+                      <a:prstDash val="solid"/>
+                      <a:round/>
+                      <a:headEnd type="none" w="med" len="med"/>
+                      <a:tailEnd type="none" w="med" len="med"/>
+                    </a:lnT>
+                    <a:lnB w="12700" cap="flat" cmpd="sng" algn="ctr">
+                      <a:solidFill>
+                        <a:schemeClr val="tx1"/>
+                      </a:solidFill>
+                      <a:prstDash val="solid"/>
+                      <a:round/>
+                      <a:headEnd type="none" w="med" len="med"/>
+                      <a:tailEnd type="none" w="med" len="med"/>
+                    </a:lnB>
+                  </a:tcPr>
+                </a:tc>
+                <a:extLst>
+                  <a:ext uri="{0D108BD9-81ED-4DB2-BD59-A6C34878D82A}">
+                    <a16:rowId xmlns:a16="http://schemas.microsoft.com/office/drawing/2014/main" val="467000433"/>
+                  </a:ext>
+                </a:extLst>
+              </a:tr>
+              <a:tr h="174054">
+                <a:tc>
+                  <a:txBody>
+                    <a:bodyPr/>
+                    <a:lstStyle/>
+                    <a:p>
+                      <a:pPr>
+                        <a:buNone/>
+                      </a:pPr>
+                      <a:r>
+                        <a:rPr lang="en-GB" sz="1800"/>
+                        <a:t>3</a:t>
+                      </a:r>
+                    </a:p>
+                  </a:txBody>
+                  <a:tcPr marL="43513" marR="43513" marT="21757" marB="21757" anchor="ctr">
+                    <a:lnL w="12700" cap="flat" cmpd="sng" algn="ctr">
+                      <a:solidFill>
+                        <a:schemeClr val="tx1"/>
+                      </a:solidFill>
+                      <a:prstDash val="solid"/>
+                      <a:round/>
+                      <a:headEnd type="none" w="med" len="med"/>
+                      <a:tailEnd type="none" w="med" len="med"/>
+                    </a:lnL>
+                    <a:lnR w="12700" cap="flat" cmpd="sng" algn="ctr">
+                      <a:solidFill>
+                        <a:schemeClr val="tx1"/>
+                      </a:solidFill>
+                      <a:prstDash val="solid"/>
+                      <a:round/>
+                      <a:headEnd type="none" w="med" len="med"/>
+                      <a:tailEnd type="none" w="med" len="med"/>
+                    </a:lnR>
+                    <a:lnT w="12700" cap="flat" cmpd="sng" algn="ctr">
+                      <a:solidFill>
+                        <a:schemeClr val="tx1"/>
+                      </a:solidFill>
+                      <a:prstDash val="solid"/>
+                      <a:round/>
+                      <a:headEnd type="none" w="med" len="med"/>
+                      <a:tailEnd type="none" w="med" len="med"/>
+                    </a:lnT>
+                    <a:lnB w="12700" cap="flat" cmpd="sng" algn="ctr">
+                      <a:solidFill>
+                        <a:schemeClr val="tx1"/>
+                      </a:solidFill>
+                      <a:prstDash val="solid"/>
+                      <a:round/>
+                      <a:headEnd type="none" w="med" len="med"/>
+                      <a:tailEnd type="none" w="med" len="med"/>
+                    </a:lnB>
+                  </a:tcPr>
+                </a:tc>
+                <a:tc>
+                  <a:txBody>
+                    <a:bodyPr/>
+                    <a:lstStyle/>
+                    <a:p>
+                      <a:pPr>
+                        <a:buNone/>
+                      </a:pPr>
+                      <a:r>
+                        <a:rPr lang="en-GB" sz="1800"/>
+                        <a:t>Credit approval system</a:t>
+                      </a:r>
+                    </a:p>
+                  </a:txBody>
+                  <a:tcPr marL="43513" marR="43513" marT="21757" marB="21757" anchor="ctr">
+                    <a:lnL w="12700" cap="flat" cmpd="sng" algn="ctr">
+                      <a:solidFill>
+                        <a:schemeClr val="tx1"/>
+                      </a:solidFill>
+                      <a:prstDash val="solid"/>
+                      <a:round/>
+                      <a:headEnd type="none" w="med" len="med"/>
+                      <a:tailEnd type="none" w="med" len="med"/>
+                    </a:lnL>
+                    <a:lnR w="12700" cap="flat" cmpd="sng" algn="ctr">
+                      <a:solidFill>
+                        <a:schemeClr val="tx1"/>
+                      </a:solidFill>
+                      <a:prstDash val="solid"/>
+                      <a:round/>
+                      <a:headEnd type="none" w="med" len="med"/>
+                      <a:tailEnd type="none" w="med" len="med"/>
+                    </a:lnR>
+                    <a:lnT w="12700" cap="flat" cmpd="sng" algn="ctr">
+                      <a:solidFill>
+                        <a:schemeClr val="tx1"/>
+                      </a:solidFill>
+                      <a:prstDash val="solid"/>
+                      <a:round/>
+                      <a:headEnd type="none" w="med" len="med"/>
+                      <a:tailEnd type="none" w="med" len="med"/>
+                    </a:lnT>
+                    <a:lnB w="12700" cap="flat" cmpd="sng" algn="ctr">
+                      <a:solidFill>
+                        <a:schemeClr val="tx1"/>
+                      </a:solidFill>
+                      <a:prstDash val="solid"/>
+                      <a:round/>
+                      <a:headEnd type="none" w="med" len="med"/>
+                      <a:tailEnd type="none" w="med" len="med"/>
+                    </a:lnB>
+                  </a:tcPr>
+                </a:tc>
+                <a:tc>
+                  <a:txBody>
+                    <a:bodyPr/>
+                    <a:lstStyle/>
+                    <a:p>
+                      <a:pPr>
+                        <a:buNone/>
+                      </a:pPr>
+                      <a:r>
+                        <a:rPr lang="en-GB" sz="1800" b="1"/>
+                        <a:t>Decision Tree</a:t>
+                      </a:r>
+                      <a:endParaRPr lang="en-GB" sz="1800"/>
+                    </a:p>
+                  </a:txBody>
+                  <a:tcPr marL="43513" marR="43513" marT="21757" marB="21757" anchor="ctr">
+                    <a:lnL w="12700" cap="flat" cmpd="sng" algn="ctr">
+                      <a:solidFill>
+                        <a:schemeClr val="tx1"/>
+                      </a:solidFill>
+                      <a:prstDash val="solid"/>
+                      <a:round/>
+                      <a:headEnd type="none" w="med" len="med"/>
+                      <a:tailEnd type="none" w="med" len="med"/>
+                    </a:lnL>
+                    <a:lnR w="12700" cap="flat" cmpd="sng" algn="ctr">
+                      <a:solidFill>
+                        <a:schemeClr val="tx1"/>
+                      </a:solidFill>
+                      <a:prstDash val="solid"/>
+                      <a:round/>
+                      <a:headEnd type="none" w="med" len="med"/>
+                      <a:tailEnd type="none" w="med" len="med"/>
+                    </a:lnR>
+                    <a:lnT w="12700" cap="flat" cmpd="sng" algn="ctr">
+                      <a:solidFill>
+                        <a:schemeClr val="tx1"/>
+                      </a:solidFill>
+                      <a:prstDash val="solid"/>
+                      <a:round/>
+                      <a:headEnd type="none" w="med" len="med"/>
+                      <a:tailEnd type="none" w="med" len="med"/>
+                    </a:lnT>
+                    <a:lnB w="12700" cap="flat" cmpd="sng" algn="ctr">
+                      <a:solidFill>
+                        <a:schemeClr val="tx1"/>
+                      </a:solidFill>
+                      <a:prstDash val="solid"/>
+                      <a:round/>
+                      <a:headEnd type="none" w="med" len="med"/>
+                      <a:tailEnd type="none" w="med" len="med"/>
+                    </a:lnB>
+                  </a:tcPr>
+                </a:tc>
+                <a:tc>
+                  <a:txBody>
+                    <a:bodyPr/>
+                    <a:lstStyle/>
+                    <a:p>
+                      <a:pPr>
+                        <a:buNone/>
+                      </a:pPr>
+                      <a:r>
+                        <a:rPr lang="en-GB" sz="1800"/>
+                        <a:t>Explainable rules</a:t>
+                      </a:r>
+                    </a:p>
+                  </a:txBody>
+                  <a:tcPr marL="43513" marR="43513" marT="21757" marB="21757" anchor="ctr">
+                    <a:lnL w="12700" cap="flat" cmpd="sng" algn="ctr">
+                      <a:solidFill>
+                        <a:schemeClr val="tx1"/>
+                      </a:solidFill>
+                      <a:prstDash val="solid"/>
+                      <a:round/>
+                      <a:headEnd type="none" w="med" len="med"/>
+                      <a:tailEnd type="none" w="med" len="med"/>
+                    </a:lnL>
+                    <a:lnR w="12700" cap="flat" cmpd="sng" algn="ctr">
+                      <a:solidFill>
+                        <a:schemeClr val="tx1"/>
+                      </a:solidFill>
+                      <a:prstDash val="solid"/>
+                      <a:round/>
+                      <a:headEnd type="none" w="med" len="med"/>
+                      <a:tailEnd type="none" w="med" len="med"/>
+                    </a:lnR>
+                    <a:lnT w="12700" cap="flat" cmpd="sng" algn="ctr">
+                      <a:solidFill>
+                        <a:schemeClr val="tx1"/>
+                      </a:solidFill>
+                      <a:prstDash val="solid"/>
+                      <a:round/>
+                      <a:headEnd type="none" w="med" len="med"/>
+                      <a:tailEnd type="none" w="med" len="med"/>
+                    </a:lnT>
+                    <a:lnB w="12700" cap="flat" cmpd="sng" algn="ctr">
+                      <a:solidFill>
+                        <a:schemeClr val="tx1"/>
+                      </a:solidFill>
+                      <a:prstDash val="solid"/>
+                      <a:round/>
+                      <a:headEnd type="none" w="med" len="med"/>
+                      <a:tailEnd type="none" w="med" len="med"/>
+                    </a:lnB>
+                  </a:tcPr>
+                </a:tc>
+                <a:extLst>
+                  <a:ext uri="{0D108BD9-81ED-4DB2-BD59-A6C34878D82A}">
+                    <a16:rowId xmlns:a16="http://schemas.microsoft.com/office/drawing/2014/main" val="897157908"/>
+                  </a:ext>
+                </a:extLst>
+              </a:tr>
+              <a:tr h="304594">
+                <a:tc>
+                  <a:txBody>
+                    <a:bodyPr/>
+                    <a:lstStyle/>
+                    <a:p>
+                      <a:pPr>
+                        <a:buNone/>
+                      </a:pPr>
+                      <a:r>
+                        <a:rPr lang="en-GB" sz="1800"/>
+                        <a:t>4</a:t>
+                      </a:r>
+                    </a:p>
+                  </a:txBody>
+                  <a:tcPr marL="43513" marR="43513" marT="21757" marB="21757" anchor="ctr">
+                    <a:lnL w="12700" cap="flat" cmpd="sng" algn="ctr">
+                      <a:solidFill>
+                        <a:schemeClr val="tx1"/>
+                      </a:solidFill>
+                      <a:prstDash val="solid"/>
+                      <a:round/>
+                      <a:headEnd type="none" w="med" len="med"/>
+                      <a:tailEnd type="none" w="med" len="med"/>
+                    </a:lnL>
+                    <a:lnR w="12700" cap="flat" cmpd="sng" algn="ctr">
+                      <a:solidFill>
+                        <a:schemeClr val="tx1"/>
+                      </a:solidFill>
+                      <a:prstDash val="solid"/>
+                      <a:round/>
+                      <a:headEnd type="none" w="med" len="med"/>
+                      <a:tailEnd type="none" w="med" len="med"/>
+                    </a:lnR>
+                    <a:lnT w="12700" cap="flat" cmpd="sng" algn="ctr">
+                      <a:solidFill>
+                        <a:schemeClr val="tx1"/>
+                      </a:solidFill>
+                      <a:prstDash val="solid"/>
+                      <a:round/>
+                      <a:headEnd type="none" w="med" len="med"/>
+                      <a:tailEnd type="none" w="med" len="med"/>
+                    </a:lnT>
+                    <a:lnB w="12700" cap="flat" cmpd="sng" algn="ctr">
+                      <a:solidFill>
+                        <a:schemeClr val="tx1"/>
+                      </a:solidFill>
+                      <a:prstDash val="solid"/>
+                      <a:round/>
+                      <a:headEnd type="none" w="med" len="med"/>
+                      <a:tailEnd type="none" w="med" len="med"/>
+                    </a:lnB>
+                  </a:tcPr>
+                </a:tc>
+                <a:tc>
+                  <a:txBody>
+                    <a:bodyPr/>
+                    <a:lstStyle/>
+                    <a:p>
+                      <a:pPr>
+                        <a:buNone/>
+                      </a:pPr>
+                      <a:r>
+                        <a:rPr lang="en-GB" sz="1800"/>
+                        <a:t>Fraud detection</a:t>
+                      </a:r>
+                    </a:p>
+                  </a:txBody>
+                  <a:tcPr marL="43513" marR="43513" marT="21757" marB="21757" anchor="ctr">
+                    <a:lnL w="12700" cap="flat" cmpd="sng" algn="ctr">
+                      <a:solidFill>
+                        <a:schemeClr val="tx1"/>
+                      </a:solidFill>
+                      <a:prstDash val="solid"/>
+                      <a:round/>
+                      <a:headEnd type="none" w="med" len="med"/>
+                      <a:tailEnd type="none" w="med" len="med"/>
+                    </a:lnL>
+                    <a:lnR w="12700" cap="flat" cmpd="sng" algn="ctr">
+                      <a:solidFill>
+                        <a:schemeClr val="tx1"/>
+                      </a:solidFill>
+                      <a:prstDash val="solid"/>
+                      <a:round/>
+                      <a:headEnd type="none" w="med" len="med"/>
+                      <a:tailEnd type="none" w="med" len="med"/>
+                    </a:lnR>
+                    <a:lnT w="12700" cap="flat" cmpd="sng" algn="ctr">
+                      <a:solidFill>
+                        <a:schemeClr val="tx1"/>
+                      </a:solidFill>
+                      <a:prstDash val="solid"/>
+                      <a:round/>
+                      <a:headEnd type="none" w="med" len="med"/>
+                      <a:tailEnd type="none" w="med" len="med"/>
+                    </a:lnT>
+                    <a:lnB w="12700" cap="flat" cmpd="sng" algn="ctr">
+                      <a:solidFill>
+                        <a:schemeClr val="tx1"/>
+                      </a:solidFill>
+                      <a:prstDash val="solid"/>
+                      <a:round/>
+                      <a:headEnd type="none" w="med" len="med"/>
+                      <a:tailEnd type="none" w="med" len="med"/>
+                    </a:lnB>
+                  </a:tcPr>
+                </a:tc>
+                <a:tc>
+                  <a:txBody>
+                    <a:bodyPr/>
+                    <a:lstStyle/>
+                    <a:p>
+                      <a:pPr>
+                        <a:buNone/>
+                      </a:pPr>
+                      <a:r>
+                        <a:rPr lang="en-GB" sz="1800" b="1"/>
+                        <a:t>Random Forest</a:t>
+                      </a:r>
+                      <a:endParaRPr lang="en-GB" sz="1800"/>
+                    </a:p>
+                  </a:txBody>
+                  <a:tcPr marL="43513" marR="43513" marT="21757" marB="21757" anchor="ctr">
+                    <a:lnL w="12700" cap="flat" cmpd="sng" algn="ctr">
+                      <a:solidFill>
+                        <a:schemeClr val="tx1"/>
+                      </a:solidFill>
+                      <a:prstDash val="solid"/>
+                      <a:round/>
+                      <a:headEnd type="none" w="med" len="med"/>
+                      <a:tailEnd type="none" w="med" len="med"/>
+                    </a:lnL>
+                    <a:lnR w="12700" cap="flat" cmpd="sng" algn="ctr">
+                      <a:solidFill>
+                        <a:schemeClr val="tx1"/>
+                      </a:solidFill>
+                      <a:prstDash val="solid"/>
+                      <a:round/>
+                      <a:headEnd type="none" w="med" len="med"/>
+                      <a:tailEnd type="none" w="med" len="med"/>
+                    </a:lnR>
+                    <a:lnT w="12700" cap="flat" cmpd="sng" algn="ctr">
+                      <a:solidFill>
+                        <a:schemeClr val="tx1"/>
+                      </a:solidFill>
+                      <a:prstDash val="solid"/>
+                      <a:round/>
+                      <a:headEnd type="none" w="med" len="med"/>
+                      <a:tailEnd type="none" w="med" len="med"/>
+                    </a:lnT>
+                    <a:lnB w="12700" cap="flat" cmpd="sng" algn="ctr">
+                      <a:solidFill>
+                        <a:schemeClr val="tx1"/>
+                      </a:solidFill>
+                      <a:prstDash val="solid"/>
+                      <a:round/>
+                      <a:headEnd type="none" w="med" len="med"/>
+                      <a:tailEnd type="none" w="med" len="med"/>
+                    </a:lnB>
+                  </a:tcPr>
+                </a:tc>
+                <a:tc>
+                  <a:txBody>
+                    <a:bodyPr/>
+                    <a:lstStyle/>
+                    <a:p>
+                      <a:pPr>
+                        <a:buNone/>
+                      </a:pPr>
+                      <a:r>
+                        <a:rPr lang="en-GB" sz="1800"/>
+                        <a:t>Handles complexity + nonlinearity</a:t>
+                      </a:r>
+                    </a:p>
+                  </a:txBody>
+                  <a:tcPr marL="43513" marR="43513" marT="21757" marB="21757" anchor="ctr">
+                    <a:lnL w="12700" cap="flat" cmpd="sng" algn="ctr">
+                      <a:solidFill>
+                        <a:schemeClr val="tx1"/>
+                      </a:solidFill>
+                      <a:prstDash val="solid"/>
+                      <a:round/>
+                      <a:headEnd type="none" w="med" len="med"/>
+                      <a:tailEnd type="none" w="med" len="med"/>
+                    </a:lnL>
+                    <a:lnR w="12700" cap="flat" cmpd="sng" algn="ctr">
+                      <a:solidFill>
+                        <a:schemeClr val="tx1"/>
+                      </a:solidFill>
+                      <a:prstDash val="solid"/>
+                      <a:round/>
+                      <a:headEnd type="none" w="med" len="med"/>
+                      <a:tailEnd type="none" w="med" len="med"/>
+                    </a:lnR>
+                    <a:lnT w="12700" cap="flat" cmpd="sng" algn="ctr">
+                      <a:solidFill>
+                        <a:schemeClr val="tx1"/>
+                      </a:solidFill>
+                      <a:prstDash val="solid"/>
+                      <a:round/>
+                      <a:headEnd type="none" w="med" len="med"/>
+                      <a:tailEnd type="none" w="med" len="med"/>
+                    </a:lnT>
+                    <a:lnB w="12700" cap="flat" cmpd="sng" algn="ctr">
+                      <a:solidFill>
+                        <a:schemeClr val="tx1"/>
+                      </a:solidFill>
+                      <a:prstDash val="solid"/>
+                      <a:round/>
+                      <a:headEnd type="none" w="med" len="med"/>
+                      <a:tailEnd type="none" w="med" len="med"/>
+                    </a:lnB>
+                  </a:tcPr>
+                </a:tc>
+                <a:extLst>
+                  <a:ext uri="{0D108BD9-81ED-4DB2-BD59-A6C34878D82A}">
+                    <a16:rowId xmlns:a16="http://schemas.microsoft.com/office/drawing/2014/main" val="1403581237"/>
+                  </a:ext>
+                </a:extLst>
+              </a:tr>
+              <a:tr h="304594">
+                <a:tc>
+                  <a:txBody>
+                    <a:bodyPr/>
+                    <a:lstStyle/>
+                    <a:p>
+                      <a:pPr>
+                        <a:buNone/>
+                      </a:pPr>
+                      <a:r>
+                        <a:rPr lang="en-GB" sz="1800"/>
+                        <a:t>5</a:t>
+                      </a:r>
+                    </a:p>
+                  </a:txBody>
+                  <a:tcPr marL="43513" marR="43513" marT="21757" marB="21757" anchor="ctr">
+                    <a:lnL w="12700" cap="flat" cmpd="sng" algn="ctr">
+                      <a:solidFill>
+                        <a:schemeClr val="tx1"/>
+                      </a:solidFill>
+                      <a:prstDash val="solid"/>
+                      <a:round/>
+                      <a:headEnd type="none" w="med" len="med"/>
+                      <a:tailEnd type="none" w="med" len="med"/>
+                    </a:lnL>
+                    <a:lnR w="12700" cap="flat" cmpd="sng" algn="ctr">
+                      <a:solidFill>
+                        <a:schemeClr val="tx1"/>
+                      </a:solidFill>
+                      <a:prstDash val="solid"/>
+                      <a:round/>
+                      <a:headEnd type="none" w="med" len="med"/>
+                      <a:tailEnd type="none" w="med" len="med"/>
+                    </a:lnR>
+                    <a:lnT w="12700" cap="flat" cmpd="sng" algn="ctr">
+                      <a:solidFill>
+                        <a:schemeClr val="tx1"/>
+                      </a:solidFill>
+                      <a:prstDash val="solid"/>
+                      <a:round/>
+                      <a:headEnd type="none" w="med" len="med"/>
+                      <a:tailEnd type="none" w="med" len="med"/>
+                    </a:lnT>
+                    <a:lnB w="12700" cap="flat" cmpd="sng" algn="ctr">
+                      <a:solidFill>
+                        <a:schemeClr val="tx1"/>
+                      </a:solidFill>
+                      <a:prstDash val="solid"/>
+                      <a:round/>
+                      <a:headEnd type="none" w="med" len="med"/>
+                      <a:tailEnd type="none" w="med" len="med"/>
+                    </a:lnB>
+                  </a:tcPr>
+                </a:tc>
+                <a:tc>
+                  <a:txBody>
+                    <a:bodyPr/>
+                    <a:lstStyle/>
+                    <a:p>
+                      <a:pPr>
+                        <a:buNone/>
+                      </a:pPr>
+                      <a:r>
+                        <a:rPr lang="en-GB" sz="1800"/>
+                        <a:t>Image classification (small dataset)</a:t>
+                      </a:r>
+                    </a:p>
+                  </a:txBody>
+                  <a:tcPr marL="43513" marR="43513" marT="21757" marB="21757" anchor="ctr">
+                    <a:lnL w="12700" cap="flat" cmpd="sng" algn="ctr">
+                      <a:solidFill>
+                        <a:schemeClr val="tx1"/>
+                      </a:solidFill>
+                      <a:prstDash val="solid"/>
+                      <a:round/>
+                      <a:headEnd type="none" w="med" len="med"/>
+                      <a:tailEnd type="none" w="med" len="med"/>
+                    </a:lnL>
+                    <a:lnR w="12700" cap="flat" cmpd="sng" algn="ctr">
+                      <a:solidFill>
+                        <a:schemeClr val="tx1"/>
+                      </a:solidFill>
+                      <a:prstDash val="solid"/>
+                      <a:round/>
+                      <a:headEnd type="none" w="med" len="med"/>
+                      <a:tailEnd type="none" w="med" len="med"/>
+                    </a:lnR>
+                    <a:lnT w="12700" cap="flat" cmpd="sng" algn="ctr">
+                      <a:solidFill>
+                        <a:schemeClr val="tx1"/>
+                      </a:solidFill>
+                      <a:prstDash val="solid"/>
+                      <a:round/>
+                      <a:headEnd type="none" w="med" len="med"/>
+                      <a:tailEnd type="none" w="med" len="med"/>
+                    </a:lnT>
+                    <a:lnB w="12700" cap="flat" cmpd="sng" algn="ctr">
+                      <a:solidFill>
+                        <a:schemeClr val="tx1"/>
+                      </a:solidFill>
+                      <a:prstDash val="solid"/>
+                      <a:round/>
+                      <a:headEnd type="none" w="med" len="med"/>
+                      <a:tailEnd type="none" w="med" len="med"/>
+                    </a:lnB>
+                  </a:tcPr>
+                </a:tc>
+                <a:tc>
+                  <a:txBody>
+                    <a:bodyPr/>
+                    <a:lstStyle/>
+                    <a:p>
+                      <a:pPr>
+                        <a:buNone/>
+                      </a:pPr>
+                      <a:r>
+                        <a:rPr lang="en-GB" sz="1800" b="1"/>
+                        <a:t>k-NN</a:t>
+                      </a:r>
+                      <a:endParaRPr lang="en-GB" sz="1800"/>
+                    </a:p>
+                  </a:txBody>
+                  <a:tcPr marL="43513" marR="43513" marT="21757" marB="21757" anchor="ctr">
+                    <a:lnL w="12700" cap="flat" cmpd="sng" algn="ctr">
+                      <a:solidFill>
+                        <a:schemeClr val="tx1"/>
+                      </a:solidFill>
+                      <a:prstDash val="solid"/>
+                      <a:round/>
+                      <a:headEnd type="none" w="med" len="med"/>
+                      <a:tailEnd type="none" w="med" len="med"/>
+                    </a:lnL>
+                    <a:lnR w="12700" cap="flat" cmpd="sng" algn="ctr">
+                      <a:solidFill>
+                        <a:schemeClr val="tx1"/>
+                      </a:solidFill>
+                      <a:prstDash val="solid"/>
+                      <a:round/>
+                      <a:headEnd type="none" w="med" len="med"/>
+                      <a:tailEnd type="none" w="med" len="med"/>
+                    </a:lnR>
+                    <a:lnT w="12700" cap="flat" cmpd="sng" algn="ctr">
+                      <a:solidFill>
+                        <a:schemeClr val="tx1"/>
+                      </a:solidFill>
+                      <a:prstDash val="solid"/>
+                      <a:round/>
+                      <a:headEnd type="none" w="med" len="med"/>
+                      <a:tailEnd type="none" w="med" len="med"/>
+                    </a:lnT>
+                    <a:lnB w="12700" cap="flat" cmpd="sng" algn="ctr">
+                      <a:solidFill>
+                        <a:schemeClr val="tx1"/>
+                      </a:solidFill>
+                      <a:prstDash val="solid"/>
+                      <a:round/>
+                      <a:headEnd type="none" w="med" len="med"/>
+                      <a:tailEnd type="none" w="med" len="med"/>
+                    </a:lnB>
+                  </a:tcPr>
+                </a:tc>
+                <a:tc>
+                  <a:txBody>
+                    <a:bodyPr/>
+                    <a:lstStyle/>
+                    <a:p>
+                      <a:pPr>
+                        <a:buNone/>
+                      </a:pPr>
+                      <a:r>
+                        <a:rPr lang="en-GB" sz="1800"/>
+                        <a:t>Similar images → similar class</a:t>
+                      </a:r>
+                    </a:p>
+                  </a:txBody>
+                  <a:tcPr marL="43513" marR="43513" marT="21757" marB="21757" anchor="ctr">
+                    <a:lnL w="12700" cap="flat" cmpd="sng" algn="ctr">
+                      <a:solidFill>
+                        <a:schemeClr val="tx1"/>
+                      </a:solidFill>
+                      <a:prstDash val="solid"/>
+                      <a:round/>
+                      <a:headEnd type="none" w="med" len="med"/>
+                      <a:tailEnd type="none" w="med" len="med"/>
+                    </a:lnL>
+                    <a:lnR w="12700" cap="flat" cmpd="sng" algn="ctr">
+                      <a:solidFill>
+                        <a:schemeClr val="tx1"/>
+                      </a:solidFill>
+                      <a:prstDash val="solid"/>
+                      <a:round/>
+                      <a:headEnd type="none" w="med" len="med"/>
+                      <a:tailEnd type="none" w="med" len="med"/>
+                    </a:lnR>
+                    <a:lnT w="12700" cap="flat" cmpd="sng" algn="ctr">
+                      <a:solidFill>
+                        <a:schemeClr val="tx1"/>
+                      </a:solidFill>
+                      <a:prstDash val="solid"/>
+                      <a:round/>
+                      <a:headEnd type="none" w="med" len="med"/>
+                      <a:tailEnd type="none" w="med" len="med"/>
+                    </a:lnT>
+                    <a:lnB w="12700" cap="flat" cmpd="sng" algn="ctr">
+                      <a:solidFill>
+                        <a:schemeClr val="tx1"/>
+                      </a:solidFill>
+                      <a:prstDash val="solid"/>
+                      <a:round/>
+                      <a:headEnd type="none" w="med" len="med"/>
+                      <a:tailEnd type="none" w="med" len="med"/>
+                    </a:lnB>
+                  </a:tcPr>
+                </a:tc>
+                <a:extLst>
+                  <a:ext uri="{0D108BD9-81ED-4DB2-BD59-A6C34878D82A}">
+                    <a16:rowId xmlns:a16="http://schemas.microsoft.com/office/drawing/2014/main" val="3403680349"/>
+                  </a:ext>
+                </a:extLst>
+              </a:tr>
+              <a:tr h="304594">
+                <a:tc>
+                  <a:txBody>
+                    <a:bodyPr/>
+                    <a:lstStyle/>
+                    <a:p>
+                      <a:pPr>
+                        <a:buNone/>
+                      </a:pPr>
+                      <a:r>
+                        <a:rPr lang="en-GB" sz="1800"/>
+                        <a:t>6</a:t>
+                      </a:r>
+                    </a:p>
+                  </a:txBody>
+                  <a:tcPr marL="43513" marR="43513" marT="21757" marB="21757" anchor="ctr">
+                    <a:lnL w="12700" cap="flat" cmpd="sng" algn="ctr">
+                      <a:solidFill>
+                        <a:schemeClr val="tx1"/>
+                      </a:solidFill>
+                      <a:prstDash val="solid"/>
+                      <a:round/>
+                      <a:headEnd type="none" w="med" len="med"/>
+                      <a:tailEnd type="none" w="med" len="med"/>
+                    </a:lnL>
+                    <a:lnR w="12700" cap="flat" cmpd="sng" algn="ctr">
+                      <a:solidFill>
+                        <a:schemeClr val="tx1"/>
+                      </a:solidFill>
+                      <a:prstDash val="solid"/>
+                      <a:round/>
+                      <a:headEnd type="none" w="med" len="med"/>
+                      <a:tailEnd type="none" w="med" len="med"/>
+                    </a:lnR>
+                    <a:lnT w="12700" cap="flat" cmpd="sng" algn="ctr">
+                      <a:solidFill>
+                        <a:schemeClr val="tx1"/>
+                      </a:solidFill>
+                      <a:prstDash val="solid"/>
+                      <a:round/>
+                      <a:headEnd type="none" w="med" len="med"/>
+                      <a:tailEnd type="none" w="med" len="med"/>
+                    </a:lnT>
+                    <a:lnB w="12700" cap="flat" cmpd="sng" algn="ctr">
+                      <a:solidFill>
+                        <a:schemeClr val="tx1"/>
+                      </a:solidFill>
+                      <a:prstDash val="solid"/>
+                      <a:round/>
+                      <a:headEnd type="none" w="med" len="med"/>
+                      <a:tailEnd type="none" w="med" len="med"/>
+                    </a:lnB>
+                  </a:tcPr>
+                </a:tc>
+                <a:tc>
+                  <a:txBody>
+                    <a:bodyPr/>
+                    <a:lstStyle/>
+                    <a:p>
+                      <a:pPr>
+                        <a:buNone/>
+                      </a:pPr>
+                      <a:r>
+                        <a:rPr lang="en-GB" sz="1800"/>
+                        <a:t>Face recognition embeddings</a:t>
+                      </a:r>
+                    </a:p>
+                  </a:txBody>
+                  <a:tcPr marL="43513" marR="43513" marT="21757" marB="21757" anchor="ctr">
+                    <a:lnL w="12700" cap="flat" cmpd="sng" algn="ctr">
+                      <a:solidFill>
+                        <a:schemeClr val="tx1"/>
+                      </a:solidFill>
+                      <a:prstDash val="solid"/>
+                      <a:round/>
+                      <a:headEnd type="none" w="med" len="med"/>
+                      <a:tailEnd type="none" w="med" len="med"/>
+                    </a:lnL>
+                    <a:lnR w="12700" cap="flat" cmpd="sng" algn="ctr">
+                      <a:solidFill>
+                        <a:schemeClr val="tx1"/>
+                      </a:solidFill>
+                      <a:prstDash val="solid"/>
+                      <a:round/>
+                      <a:headEnd type="none" w="med" len="med"/>
+                      <a:tailEnd type="none" w="med" len="med"/>
+                    </a:lnR>
+                    <a:lnT w="12700" cap="flat" cmpd="sng" algn="ctr">
+                      <a:solidFill>
+                        <a:schemeClr val="tx1"/>
+                      </a:solidFill>
+                      <a:prstDash val="solid"/>
+                      <a:round/>
+                      <a:headEnd type="none" w="med" len="med"/>
+                      <a:tailEnd type="none" w="med" len="med"/>
+                    </a:lnT>
+                    <a:lnB w="12700" cap="flat" cmpd="sng" algn="ctr">
+                      <a:solidFill>
+                        <a:schemeClr val="tx1"/>
+                      </a:solidFill>
+                      <a:prstDash val="solid"/>
+                      <a:round/>
+                      <a:headEnd type="none" w="med" len="med"/>
+                      <a:tailEnd type="none" w="med" len="med"/>
+                    </a:lnB>
+                  </a:tcPr>
+                </a:tc>
+                <a:tc>
+                  <a:txBody>
+                    <a:bodyPr/>
+                    <a:lstStyle/>
+                    <a:p>
+                      <a:pPr>
+                        <a:buNone/>
+                      </a:pPr>
+                      <a:r>
+                        <a:rPr lang="en-GB" sz="1800" b="1"/>
+                        <a:t>SVM</a:t>
+                      </a:r>
+                      <a:endParaRPr lang="en-GB" sz="1800"/>
+                    </a:p>
+                  </a:txBody>
+                  <a:tcPr marL="43513" marR="43513" marT="21757" marB="21757" anchor="ctr">
+                    <a:lnL w="12700" cap="flat" cmpd="sng" algn="ctr">
+                      <a:solidFill>
+                        <a:schemeClr val="tx1"/>
+                      </a:solidFill>
+                      <a:prstDash val="solid"/>
+                      <a:round/>
+                      <a:headEnd type="none" w="med" len="med"/>
+                      <a:tailEnd type="none" w="med" len="med"/>
+                    </a:lnL>
+                    <a:lnR w="12700" cap="flat" cmpd="sng" algn="ctr">
+                      <a:solidFill>
+                        <a:schemeClr val="tx1"/>
+                      </a:solidFill>
+                      <a:prstDash val="solid"/>
+                      <a:round/>
+                      <a:headEnd type="none" w="med" len="med"/>
+                      <a:tailEnd type="none" w="med" len="med"/>
+                    </a:lnR>
+                    <a:lnT w="12700" cap="flat" cmpd="sng" algn="ctr">
+                      <a:solidFill>
+                        <a:schemeClr val="tx1"/>
+                      </a:solidFill>
+                      <a:prstDash val="solid"/>
+                      <a:round/>
+                      <a:headEnd type="none" w="med" len="med"/>
+                      <a:tailEnd type="none" w="med" len="med"/>
+                    </a:lnT>
+                    <a:lnB w="12700" cap="flat" cmpd="sng" algn="ctr">
+                      <a:solidFill>
+                        <a:schemeClr val="tx1"/>
+                      </a:solidFill>
+                      <a:prstDash val="solid"/>
+                      <a:round/>
+                      <a:headEnd type="none" w="med" len="med"/>
+                      <a:tailEnd type="none" w="med" len="med"/>
+                    </a:lnB>
+                  </a:tcPr>
+                </a:tc>
+                <a:tc>
+                  <a:txBody>
+                    <a:bodyPr/>
+                    <a:lstStyle/>
+                    <a:p>
+                      <a:pPr>
+                        <a:buNone/>
+                      </a:pPr>
+                      <a:r>
+                        <a:rPr lang="en-GB" sz="1800"/>
+                        <a:t>Strong margin-based classifier</a:t>
+                      </a:r>
+                    </a:p>
+                  </a:txBody>
+                  <a:tcPr marL="43513" marR="43513" marT="21757" marB="21757" anchor="ctr">
+                    <a:lnL w="12700" cap="flat" cmpd="sng" algn="ctr">
+                      <a:solidFill>
+                        <a:schemeClr val="tx1"/>
+                      </a:solidFill>
+                      <a:prstDash val="solid"/>
+                      <a:round/>
+                      <a:headEnd type="none" w="med" len="med"/>
+                      <a:tailEnd type="none" w="med" len="med"/>
+                    </a:lnL>
+                    <a:lnR w="12700" cap="flat" cmpd="sng" algn="ctr">
+                      <a:solidFill>
+                        <a:schemeClr val="tx1"/>
+                      </a:solidFill>
+                      <a:prstDash val="solid"/>
+                      <a:round/>
+                      <a:headEnd type="none" w="med" len="med"/>
+                      <a:tailEnd type="none" w="med" len="med"/>
+                    </a:lnR>
+                    <a:lnT w="12700" cap="flat" cmpd="sng" algn="ctr">
+                      <a:solidFill>
+                        <a:schemeClr val="tx1"/>
+                      </a:solidFill>
+                      <a:prstDash val="solid"/>
+                      <a:round/>
+                      <a:headEnd type="none" w="med" len="med"/>
+                      <a:tailEnd type="none" w="med" len="med"/>
+                    </a:lnT>
+                    <a:lnB w="12700" cap="flat" cmpd="sng" algn="ctr">
+                      <a:solidFill>
+                        <a:schemeClr val="tx1"/>
+                      </a:solidFill>
+                      <a:prstDash val="solid"/>
+                      <a:round/>
+                      <a:headEnd type="none" w="med" len="med"/>
+                      <a:tailEnd type="none" w="med" len="med"/>
+                    </a:lnB>
+                  </a:tcPr>
+                </a:tc>
+                <a:extLst>
+                  <a:ext uri="{0D108BD9-81ED-4DB2-BD59-A6C34878D82A}">
+                    <a16:rowId xmlns:a16="http://schemas.microsoft.com/office/drawing/2014/main" val="871351960"/>
+                  </a:ext>
+                </a:extLst>
+              </a:tr>
+              <a:tr h="304594">
+                <a:tc>
+                  <a:txBody>
+                    <a:bodyPr/>
+                    <a:lstStyle/>
+                    <a:p>
+                      <a:pPr>
+                        <a:buNone/>
+                      </a:pPr>
+                      <a:r>
+                        <a:rPr lang="en-GB" sz="1800"/>
+                        <a:t>7</a:t>
+                      </a:r>
+                    </a:p>
+                  </a:txBody>
+                  <a:tcPr marL="43513" marR="43513" marT="21757" marB="21757" anchor="ctr">
+                    <a:lnL w="12700" cap="flat" cmpd="sng" algn="ctr">
+                      <a:solidFill>
+                        <a:schemeClr val="tx1"/>
+                      </a:solidFill>
+                      <a:prstDash val="solid"/>
+                      <a:round/>
+                      <a:headEnd type="none" w="med" len="med"/>
+                      <a:tailEnd type="none" w="med" len="med"/>
+                    </a:lnL>
+                    <a:lnR w="12700" cap="flat" cmpd="sng" algn="ctr">
+                      <a:solidFill>
+                        <a:schemeClr val="tx1"/>
+                      </a:solidFill>
+                      <a:prstDash val="solid"/>
+                      <a:round/>
+                      <a:headEnd type="none" w="med" len="med"/>
+                      <a:tailEnd type="none" w="med" len="med"/>
+                    </a:lnR>
+                    <a:lnT w="12700" cap="flat" cmpd="sng" algn="ctr">
+                      <a:solidFill>
+                        <a:schemeClr val="tx1"/>
+                      </a:solidFill>
+                      <a:prstDash val="solid"/>
+                      <a:round/>
+                      <a:headEnd type="none" w="med" len="med"/>
+                      <a:tailEnd type="none" w="med" len="med"/>
+                    </a:lnT>
+                    <a:lnB w="12700" cap="flat" cmpd="sng" algn="ctr">
+                      <a:solidFill>
+                        <a:schemeClr val="tx1"/>
+                      </a:solidFill>
+                      <a:prstDash val="solid"/>
+                      <a:round/>
+                      <a:headEnd type="none" w="med" len="med"/>
+                      <a:tailEnd type="none" w="med" len="med"/>
+                    </a:lnB>
+                  </a:tcPr>
+                </a:tc>
+                <a:tc>
+                  <a:txBody>
+                    <a:bodyPr/>
+                    <a:lstStyle/>
+                    <a:p>
+                      <a:pPr>
+                        <a:buNone/>
+                      </a:pPr>
+                      <a:r>
+                        <a:rPr lang="en-GB" sz="1800"/>
+                        <a:t>Customer churn prediction</a:t>
+                      </a:r>
+                    </a:p>
+                  </a:txBody>
+                  <a:tcPr marL="43513" marR="43513" marT="21757" marB="21757" anchor="ctr">
+                    <a:lnL w="12700" cap="flat" cmpd="sng" algn="ctr">
+                      <a:solidFill>
+                        <a:schemeClr val="tx1"/>
+                      </a:solidFill>
+                      <a:prstDash val="solid"/>
+                      <a:round/>
+                      <a:headEnd type="none" w="med" len="med"/>
+                      <a:tailEnd type="none" w="med" len="med"/>
+                    </a:lnL>
+                    <a:lnR w="12700" cap="flat" cmpd="sng" algn="ctr">
+                      <a:solidFill>
+                        <a:schemeClr val="tx1"/>
+                      </a:solidFill>
+                      <a:prstDash val="solid"/>
+                      <a:round/>
+                      <a:headEnd type="none" w="med" len="med"/>
+                      <a:tailEnd type="none" w="med" len="med"/>
+                    </a:lnR>
+                    <a:lnT w="12700" cap="flat" cmpd="sng" algn="ctr">
+                      <a:solidFill>
+                        <a:schemeClr val="tx1"/>
+                      </a:solidFill>
+                      <a:prstDash val="solid"/>
+                      <a:round/>
+                      <a:headEnd type="none" w="med" len="med"/>
+                      <a:tailEnd type="none" w="med" len="med"/>
+                    </a:lnT>
+                    <a:lnB w="12700" cap="flat" cmpd="sng" algn="ctr">
+                      <a:solidFill>
+                        <a:schemeClr val="tx1"/>
+                      </a:solidFill>
+                      <a:prstDash val="solid"/>
+                      <a:round/>
+                      <a:headEnd type="none" w="med" len="med"/>
+                      <a:tailEnd type="none" w="med" len="med"/>
+                    </a:lnB>
+                  </a:tcPr>
+                </a:tc>
+                <a:tc>
+                  <a:txBody>
+                    <a:bodyPr/>
+                    <a:lstStyle/>
+                    <a:p>
+                      <a:pPr>
+                        <a:buNone/>
+                      </a:pPr>
+                      <a:r>
+                        <a:rPr lang="en-GB" sz="1800" b="1"/>
+                        <a:t>Logistic Regression</a:t>
+                      </a:r>
+                      <a:endParaRPr lang="en-GB" sz="1800"/>
+                    </a:p>
+                  </a:txBody>
+                  <a:tcPr marL="43513" marR="43513" marT="21757" marB="21757" anchor="ctr">
+                    <a:lnL w="12700" cap="flat" cmpd="sng" algn="ctr">
+                      <a:solidFill>
+                        <a:schemeClr val="tx1"/>
+                      </a:solidFill>
+                      <a:prstDash val="solid"/>
+                      <a:round/>
+                      <a:headEnd type="none" w="med" len="med"/>
+                      <a:tailEnd type="none" w="med" len="med"/>
+                    </a:lnL>
+                    <a:lnR w="12700" cap="flat" cmpd="sng" algn="ctr">
+                      <a:solidFill>
+                        <a:schemeClr val="tx1"/>
+                      </a:solidFill>
+                      <a:prstDash val="solid"/>
+                      <a:round/>
+                      <a:headEnd type="none" w="med" len="med"/>
+                      <a:tailEnd type="none" w="med" len="med"/>
+                    </a:lnR>
+                    <a:lnT w="12700" cap="flat" cmpd="sng" algn="ctr">
+                      <a:solidFill>
+                        <a:schemeClr val="tx1"/>
+                      </a:solidFill>
+                      <a:prstDash val="solid"/>
+                      <a:round/>
+                      <a:headEnd type="none" w="med" len="med"/>
+                      <a:tailEnd type="none" w="med" len="med"/>
+                    </a:lnT>
+                    <a:lnB w="12700" cap="flat" cmpd="sng" algn="ctr">
+                      <a:solidFill>
+                        <a:schemeClr val="tx1"/>
+                      </a:solidFill>
+                      <a:prstDash val="solid"/>
+                      <a:round/>
+                      <a:headEnd type="none" w="med" len="med"/>
+                      <a:tailEnd type="none" w="med" len="med"/>
+                    </a:lnB>
+                  </a:tcPr>
+                </a:tc>
+                <a:tc>
+                  <a:txBody>
+                    <a:bodyPr/>
+                    <a:lstStyle/>
+                    <a:p>
+                      <a:pPr>
+                        <a:buNone/>
+                      </a:pPr>
+                      <a:r>
+                        <a:rPr lang="en-GB" sz="1800"/>
+                        <a:t>Stable, interpretable</a:t>
+                      </a:r>
+                    </a:p>
+                  </a:txBody>
+                  <a:tcPr marL="43513" marR="43513" marT="21757" marB="21757" anchor="ctr">
+                    <a:lnL w="12700" cap="flat" cmpd="sng" algn="ctr">
+                      <a:solidFill>
+                        <a:schemeClr val="tx1"/>
+                      </a:solidFill>
+                      <a:prstDash val="solid"/>
+                      <a:round/>
+                      <a:headEnd type="none" w="med" len="med"/>
+                      <a:tailEnd type="none" w="med" len="med"/>
+                    </a:lnL>
+                    <a:lnR w="12700" cap="flat" cmpd="sng" algn="ctr">
+                      <a:solidFill>
+                        <a:schemeClr val="tx1"/>
+                      </a:solidFill>
+                      <a:prstDash val="solid"/>
+                      <a:round/>
+                      <a:headEnd type="none" w="med" len="med"/>
+                      <a:tailEnd type="none" w="med" len="med"/>
+                    </a:lnR>
+                    <a:lnT w="12700" cap="flat" cmpd="sng" algn="ctr">
+                      <a:solidFill>
+                        <a:schemeClr val="tx1"/>
+                      </a:solidFill>
+                      <a:prstDash val="solid"/>
+                      <a:round/>
+                      <a:headEnd type="none" w="med" len="med"/>
+                      <a:tailEnd type="none" w="med" len="med"/>
+                    </a:lnT>
+                    <a:lnB w="12700" cap="flat" cmpd="sng" algn="ctr">
+                      <a:solidFill>
+                        <a:schemeClr val="tx1"/>
+                      </a:solidFill>
+                      <a:prstDash val="solid"/>
+                      <a:round/>
+                      <a:headEnd type="none" w="med" len="med"/>
+                      <a:tailEnd type="none" w="med" len="med"/>
+                    </a:lnB>
+                  </a:tcPr>
+                </a:tc>
+                <a:extLst>
+                  <a:ext uri="{0D108BD9-81ED-4DB2-BD59-A6C34878D82A}">
+                    <a16:rowId xmlns:a16="http://schemas.microsoft.com/office/drawing/2014/main" val="432948615"/>
+                  </a:ext>
+                </a:extLst>
+              </a:tr>
+              <a:tr h="304594">
+                <a:tc>
+                  <a:txBody>
+                    <a:bodyPr/>
+                    <a:lstStyle/>
+                    <a:p>
+                      <a:pPr>
+                        <a:buNone/>
+                      </a:pPr>
+                      <a:r>
+                        <a:rPr lang="en-GB" sz="1800"/>
+                        <a:t>8</a:t>
+                      </a:r>
+                    </a:p>
+                  </a:txBody>
+                  <a:tcPr marL="43513" marR="43513" marT="21757" marB="21757" anchor="ctr">
+                    <a:lnL w="12700" cap="flat" cmpd="sng" algn="ctr">
+                      <a:solidFill>
+                        <a:schemeClr val="tx1"/>
+                      </a:solidFill>
+                      <a:prstDash val="solid"/>
+                      <a:round/>
+                      <a:headEnd type="none" w="med" len="med"/>
+                      <a:tailEnd type="none" w="med" len="med"/>
+                    </a:lnL>
+                    <a:lnR w="12700" cap="flat" cmpd="sng" algn="ctr">
+                      <a:solidFill>
+                        <a:schemeClr val="tx1"/>
+                      </a:solidFill>
+                      <a:prstDash val="solid"/>
+                      <a:round/>
+                      <a:headEnd type="none" w="med" len="med"/>
+                      <a:tailEnd type="none" w="med" len="med"/>
+                    </a:lnR>
+                    <a:lnT w="12700" cap="flat" cmpd="sng" algn="ctr">
+                      <a:solidFill>
+                        <a:schemeClr val="tx1"/>
+                      </a:solidFill>
+                      <a:prstDash val="solid"/>
+                      <a:round/>
+                      <a:headEnd type="none" w="med" len="med"/>
+                      <a:tailEnd type="none" w="med" len="med"/>
+                    </a:lnT>
+                    <a:lnB w="12700" cap="flat" cmpd="sng" algn="ctr">
+                      <a:solidFill>
+                        <a:schemeClr val="tx1"/>
+                      </a:solidFill>
+                      <a:prstDash val="solid"/>
+                      <a:round/>
+                      <a:headEnd type="none" w="med" len="med"/>
+                      <a:tailEnd type="none" w="med" len="med"/>
+                    </a:lnB>
+                  </a:tcPr>
+                </a:tc>
+                <a:tc>
+                  <a:txBody>
+                    <a:bodyPr/>
+                    <a:lstStyle/>
+                    <a:p>
+                      <a:pPr>
+                        <a:buNone/>
+                      </a:pPr>
+                      <a:r>
+                        <a:rPr lang="en-GB" sz="1800"/>
+                        <a:t>Loan default prediction</a:t>
+                      </a:r>
+                    </a:p>
+                  </a:txBody>
+                  <a:tcPr marL="43513" marR="43513" marT="21757" marB="21757" anchor="ctr">
+                    <a:lnL w="12700" cap="flat" cmpd="sng" algn="ctr">
+                      <a:solidFill>
+                        <a:schemeClr val="tx1"/>
+                      </a:solidFill>
+                      <a:prstDash val="solid"/>
+                      <a:round/>
+                      <a:headEnd type="none" w="med" len="med"/>
+                      <a:tailEnd type="none" w="med" len="med"/>
+                    </a:lnL>
+                    <a:lnR w="12700" cap="flat" cmpd="sng" algn="ctr">
+                      <a:solidFill>
+                        <a:schemeClr val="tx1"/>
+                      </a:solidFill>
+                      <a:prstDash val="solid"/>
+                      <a:round/>
+                      <a:headEnd type="none" w="med" len="med"/>
+                      <a:tailEnd type="none" w="med" len="med"/>
+                    </a:lnR>
+                    <a:lnT w="12700" cap="flat" cmpd="sng" algn="ctr">
+                      <a:solidFill>
+                        <a:schemeClr val="tx1"/>
+                      </a:solidFill>
+                      <a:prstDash val="solid"/>
+                      <a:round/>
+                      <a:headEnd type="none" w="med" len="med"/>
+                      <a:tailEnd type="none" w="med" len="med"/>
+                    </a:lnT>
+                    <a:lnB w="12700" cap="flat" cmpd="sng" algn="ctr">
+                      <a:solidFill>
+                        <a:schemeClr val="tx1"/>
+                      </a:solidFill>
+                      <a:prstDash val="solid"/>
+                      <a:round/>
+                      <a:headEnd type="none" w="med" len="med"/>
+                      <a:tailEnd type="none" w="med" len="med"/>
+                    </a:lnB>
+                  </a:tcPr>
+                </a:tc>
+                <a:tc>
+                  <a:txBody>
+                    <a:bodyPr/>
+                    <a:lstStyle/>
+                    <a:p>
+                      <a:pPr>
+                        <a:buNone/>
+                      </a:pPr>
+                      <a:r>
+                        <a:rPr lang="en-GB" sz="1800" b="1"/>
+                        <a:t>Random Forest</a:t>
+                      </a:r>
+                      <a:endParaRPr lang="en-GB" sz="1800"/>
+                    </a:p>
+                  </a:txBody>
+                  <a:tcPr marL="43513" marR="43513" marT="21757" marB="21757" anchor="ctr">
+                    <a:lnL w="12700" cap="flat" cmpd="sng" algn="ctr">
+                      <a:solidFill>
+                        <a:schemeClr val="tx1"/>
+                      </a:solidFill>
+                      <a:prstDash val="solid"/>
+                      <a:round/>
+                      <a:headEnd type="none" w="med" len="med"/>
+                      <a:tailEnd type="none" w="med" len="med"/>
+                    </a:lnL>
+                    <a:lnR w="12700" cap="flat" cmpd="sng" algn="ctr">
+                      <a:solidFill>
+                        <a:schemeClr val="tx1"/>
+                      </a:solidFill>
+                      <a:prstDash val="solid"/>
+                      <a:round/>
+                      <a:headEnd type="none" w="med" len="med"/>
+                      <a:tailEnd type="none" w="med" len="med"/>
+                    </a:lnR>
+                    <a:lnT w="12700" cap="flat" cmpd="sng" algn="ctr">
+                      <a:solidFill>
+                        <a:schemeClr val="tx1"/>
+                      </a:solidFill>
+                      <a:prstDash val="solid"/>
+                      <a:round/>
+                      <a:headEnd type="none" w="med" len="med"/>
+                      <a:tailEnd type="none" w="med" len="med"/>
+                    </a:lnT>
+                    <a:lnB w="12700" cap="flat" cmpd="sng" algn="ctr">
+                      <a:solidFill>
+                        <a:schemeClr val="tx1"/>
+                      </a:solidFill>
+                      <a:prstDash val="solid"/>
+                      <a:round/>
+                      <a:headEnd type="none" w="med" len="med"/>
+                      <a:tailEnd type="none" w="med" len="med"/>
+                    </a:lnB>
+                  </a:tcPr>
+                </a:tc>
+                <a:tc>
+                  <a:txBody>
+                    <a:bodyPr/>
+                    <a:lstStyle/>
+                    <a:p>
+                      <a:pPr>
+                        <a:buNone/>
+                      </a:pPr>
+                      <a:r>
+                        <a:rPr lang="en-GB" sz="1800"/>
+                        <a:t>Captures feature interactions</a:t>
+                      </a:r>
+                    </a:p>
+                  </a:txBody>
+                  <a:tcPr marL="43513" marR="43513" marT="21757" marB="21757" anchor="ctr">
+                    <a:lnL w="12700" cap="flat" cmpd="sng" algn="ctr">
+                      <a:solidFill>
+                        <a:schemeClr val="tx1"/>
+                      </a:solidFill>
+                      <a:prstDash val="solid"/>
+                      <a:round/>
+                      <a:headEnd type="none" w="med" len="med"/>
+                      <a:tailEnd type="none" w="med" len="med"/>
+                    </a:lnL>
+                    <a:lnR w="12700" cap="flat" cmpd="sng" algn="ctr">
+                      <a:solidFill>
+                        <a:schemeClr val="tx1"/>
+                      </a:solidFill>
+                      <a:prstDash val="solid"/>
+                      <a:round/>
+                      <a:headEnd type="none" w="med" len="med"/>
+                      <a:tailEnd type="none" w="med" len="med"/>
+                    </a:lnR>
+                    <a:lnT w="12700" cap="flat" cmpd="sng" algn="ctr">
+                      <a:solidFill>
+                        <a:schemeClr val="tx1"/>
+                      </a:solidFill>
+                      <a:prstDash val="solid"/>
+                      <a:round/>
+                      <a:headEnd type="none" w="med" len="med"/>
+                      <a:tailEnd type="none" w="med" len="med"/>
+                    </a:lnT>
+                    <a:lnB w="12700" cap="flat" cmpd="sng" algn="ctr">
+                      <a:solidFill>
+                        <a:schemeClr val="tx1"/>
+                      </a:solidFill>
+                      <a:prstDash val="solid"/>
+                      <a:round/>
+                      <a:headEnd type="none" w="med" len="med"/>
+                      <a:tailEnd type="none" w="med" len="med"/>
+                    </a:lnB>
+                  </a:tcPr>
+                </a:tc>
+                <a:extLst>
+                  <a:ext uri="{0D108BD9-81ED-4DB2-BD59-A6C34878D82A}">
+                    <a16:rowId xmlns:a16="http://schemas.microsoft.com/office/drawing/2014/main" val="544888008"/>
+                  </a:ext>
+                </a:extLst>
+              </a:tr>
+              <a:tr h="304594">
+                <a:tc>
+                  <a:txBody>
+                    <a:bodyPr/>
+                    <a:lstStyle/>
+                    <a:p>
+                      <a:pPr>
+                        <a:buNone/>
+                      </a:pPr>
+                      <a:r>
+                        <a:rPr lang="en-GB" sz="1800"/>
+                        <a:t>9</a:t>
+                      </a:r>
+                    </a:p>
+                  </a:txBody>
+                  <a:tcPr marL="43513" marR="43513" marT="21757" marB="21757" anchor="ctr">
+                    <a:lnL w="12700" cap="flat" cmpd="sng" algn="ctr">
+                      <a:solidFill>
+                        <a:schemeClr val="tx1"/>
+                      </a:solidFill>
+                      <a:prstDash val="solid"/>
+                      <a:round/>
+                      <a:headEnd type="none" w="med" len="med"/>
+                      <a:tailEnd type="none" w="med" len="med"/>
+                    </a:lnL>
+                    <a:lnR w="12700" cap="flat" cmpd="sng" algn="ctr">
+                      <a:solidFill>
+                        <a:schemeClr val="tx1"/>
+                      </a:solidFill>
+                      <a:prstDash val="solid"/>
+                      <a:round/>
+                      <a:headEnd type="none" w="med" len="med"/>
+                      <a:tailEnd type="none" w="med" len="med"/>
+                    </a:lnR>
+                    <a:lnT w="12700" cap="flat" cmpd="sng" algn="ctr">
+                      <a:solidFill>
+                        <a:schemeClr val="tx1"/>
+                      </a:solidFill>
+                      <a:prstDash val="solid"/>
+                      <a:round/>
+                      <a:headEnd type="none" w="med" len="med"/>
+                      <a:tailEnd type="none" w="med" len="med"/>
+                    </a:lnT>
+                    <a:lnB w="12700" cap="flat" cmpd="sng" algn="ctr">
+                      <a:solidFill>
+                        <a:schemeClr val="tx1"/>
+                      </a:solidFill>
+                      <a:prstDash val="solid"/>
+                      <a:round/>
+                      <a:headEnd type="none" w="med" len="med"/>
+                      <a:tailEnd type="none" w="med" len="med"/>
+                    </a:lnB>
+                  </a:tcPr>
+                </a:tc>
+                <a:tc>
+                  <a:txBody>
+                    <a:bodyPr/>
+                    <a:lstStyle/>
+                    <a:p>
+                      <a:pPr>
+                        <a:buNone/>
+                      </a:pPr>
+                      <a:r>
+                        <a:rPr lang="en-GB" sz="1800"/>
+                        <a:t>Medical rule-based diagnosis</a:t>
+                      </a:r>
+                    </a:p>
+                  </a:txBody>
+                  <a:tcPr marL="43513" marR="43513" marT="21757" marB="21757" anchor="ctr">
+                    <a:lnL w="12700" cap="flat" cmpd="sng" algn="ctr">
+                      <a:solidFill>
+                        <a:schemeClr val="tx1"/>
+                      </a:solidFill>
+                      <a:prstDash val="solid"/>
+                      <a:round/>
+                      <a:headEnd type="none" w="med" len="med"/>
+                      <a:tailEnd type="none" w="med" len="med"/>
+                    </a:lnL>
+                    <a:lnR w="12700" cap="flat" cmpd="sng" algn="ctr">
+                      <a:solidFill>
+                        <a:schemeClr val="tx1"/>
+                      </a:solidFill>
+                      <a:prstDash val="solid"/>
+                      <a:round/>
+                      <a:headEnd type="none" w="med" len="med"/>
+                      <a:tailEnd type="none" w="med" len="med"/>
+                    </a:lnR>
+                    <a:lnT w="12700" cap="flat" cmpd="sng" algn="ctr">
+                      <a:solidFill>
+                        <a:schemeClr val="tx1"/>
+                      </a:solidFill>
+                      <a:prstDash val="solid"/>
+                      <a:round/>
+                      <a:headEnd type="none" w="med" len="med"/>
+                      <a:tailEnd type="none" w="med" len="med"/>
+                    </a:lnT>
+                    <a:lnB w="12700" cap="flat" cmpd="sng" algn="ctr">
+                      <a:solidFill>
+                        <a:schemeClr val="tx1"/>
+                      </a:solidFill>
+                      <a:prstDash val="solid"/>
+                      <a:round/>
+                      <a:headEnd type="none" w="med" len="med"/>
+                      <a:tailEnd type="none" w="med" len="med"/>
+                    </a:lnB>
+                  </a:tcPr>
+                </a:tc>
+                <a:tc>
+                  <a:txBody>
+                    <a:bodyPr/>
+                    <a:lstStyle/>
+                    <a:p>
+                      <a:pPr>
+                        <a:buNone/>
+                      </a:pPr>
+                      <a:r>
+                        <a:rPr lang="en-GB" sz="1800" b="1"/>
+                        <a:t>Decision Tree</a:t>
+                      </a:r>
+                      <a:endParaRPr lang="en-GB" sz="1800"/>
+                    </a:p>
+                  </a:txBody>
+                  <a:tcPr marL="43513" marR="43513" marT="21757" marB="21757" anchor="ctr">
+                    <a:lnL w="12700" cap="flat" cmpd="sng" algn="ctr">
+                      <a:solidFill>
+                        <a:schemeClr val="tx1"/>
+                      </a:solidFill>
+                      <a:prstDash val="solid"/>
+                      <a:round/>
+                      <a:headEnd type="none" w="med" len="med"/>
+                      <a:tailEnd type="none" w="med" len="med"/>
+                    </a:lnL>
+                    <a:lnR w="12700" cap="flat" cmpd="sng" algn="ctr">
+                      <a:solidFill>
+                        <a:schemeClr val="tx1"/>
+                      </a:solidFill>
+                      <a:prstDash val="solid"/>
+                      <a:round/>
+                      <a:headEnd type="none" w="med" len="med"/>
+                      <a:tailEnd type="none" w="med" len="med"/>
+                    </a:lnR>
+                    <a:lnT w="12700" cap="flat" cmpd="sng" algn="ctr">
+                      <a:solidFill>
+                        <a:schemeClr val="tx1"/>
+                      </a:solidFill>
+                      <a:prstDash val="solid"/>
+                      <a:round/>
+                      <a:headEnd type="none" w="med" len="med"/>
+                      <a:tailEnd type="none" w="med" len="med"/>
+                    </a:lnT>
+                    <a:lnB w="12700" cap="flat" cmpd="sng" algn="ctr">
+                      <a:solidFill>
+                        <a:schemeClr val="tx1"/>
+                      </a:solidFill>
+                      <a:prstDash val="solid"/>
+                      <a:round/>
+                      <a:headEnd type="none" w="med" len="med"/>
+                      <a:tailEnd type="none" w="med" len="med"/>
+                    </a:lnB>
+                  </a:tcPr>
+                </a:tc>
+                <a:tc>
+                  <a:txBody>
+                    <a:bodyPr/>
+                    <a:lstStyle/>
+                    <a:p>
+                      <a:pPr>
+                        <a:buNone/>
+                      </a:pPr>
+                      <a:r>
+                        <a:rPr lang="en-GB" sz="1800"/>
+                        <a:t>If–else logic</a:t>
+                      </a:r>
+                    </a:p>
+                  </a:txBody>
+                  <a:tcPr marL="43513" marR="43513" marT="21757" marB="21757" anchor="ctr">
+                    <a:lnL w="12700" cap="flat" cmpd="sng" algn="ctr">
+                      <a:solidFill>
+                        <a:schemeClr val="tx1"/>
+                      </a:solidFill>
+                      <a:prstDash val="solid"/>
+                      <a:round/>
+                      <a:headEnd type="none" w="med" len="med"/>
+                      <a:tailEnd type="none" w="med" len="med"/>
+                    </a:lnL>
+                    <a:lnR w="12700" cap="flat" cmpd="sng" algn="ctr">
+                      <a:solidFill>
+                        <a:schemeClr val="tx1"/>
+                      </a:solidFill>
+                      <a:prstDash val="solid"/>
+                      <a:round/>
+                      <a:headEnd type="none" w="med" len="med"/>
+                      <a:tailEnd type="none" w="med" len="med"/>
+                    </a:lnR>
+                    <a:lnT w="12700" cap="flat" cmpd="sng" algn="ctr">
+                      <a:solidFill>
+                        <a:schemeClr val="tx1"/>
+                      </a:solidFill>
+                      <a:prstDash val="solid"/>
+                      <a:round/>
+                      <a:headEnd type="none" w="med" len="med"/>
+                      <a:tailEnd type="none" w="med" len="med"/>
+                    </a:lnT>
+                    <a:lnB w="12700" cap="flat" cmpd="sng" algn="ctr">
+                      <a:solidFill>
+                        <a:schemeClr val="tx1"/>
+                      </a:solidFill>
+                      <a:prstDash val="solid"/>
+                      <a:round/>
+                      <a:headEnd type="none" w="med" len="med"/>
+                      <a:tailEnd type="none" w="med" len="med"/>
+                    </a:lnB>
+                  </a:tcPr>
+                </a:tc>
+                <a:extLst>
+                  <a:ext uri="{0D108BD9-81ED-4DB2-BD59-A6C34878D82A}">
+                    <a16:rowId xmlns:a16="http://schemas.microsoft.com/office/drawing/2014/main" val="246512882"/>
+                  </a:ext>
+                </a:extLst>
+              </a:tr>
+              <a:tr h="174054">
+                <a:tc>
+                  <a:txBody>
+                    <a:bodyPr/>
+                    <a:lstStyle/>
+                    <a:p>
+                      <a:pPr>
+                        <a:buNone/>
+                      </a:pPr>
+                      <a:r>
+                        <a:rPr lang="en-GB" sz="1800"/>
+                        <a:t>10</a:t>
+                      </a:r>
+                    </a:p>
+                  </a:txBody>
+                  <a:tcPr marL="43513" marR="43513" marT="21757" marB="21757" anchor="ctr">
+                    <a:lnL w="12700" cap="flat" cmpd="sng" algn="ctr">
+                      <a:solidFill>
+                        <a:schemeClr val="tx1"/>
+                      </a:solidFill>
+                      <a:prstDash val="solid"/>
+                      <a:round/>
+                      <a:headEnd type="none" w="med" len="med"/>
+                      <a:tailEnd type="none" w="med" len="med"/>
+                    </a:lnL>
+                    <a:lnR w="12700" cap="flat" cmpd="sng" algn="ctr">
+                      <a:solidFill>
+                        <a:schemeClr val="tx1"/>
+                      </a:solidFill>
+                      <a:prstDash val="solid"/>
+                      <a:round/>
+                      <a:headEnd type="none" w="med" len="med"/>
+                      <a:tailEnd type="none" w="med" len="med"/>
+                    </a:lnR>
+                    <a:lnT w="12700" cap="flat" cmpd="sng" algn="ctr">
+                      <a:solidFill>
+                        <a:schemeClr val="tx1"/>
+                      </a:solidFill>
+                      <a:prstDash val="solid"/>
+                      <a:round/>
+                      <a:headEnd type="none" w="med" len="med"/>
+                      <a:tailEnd type="none" w="med" len="med"/>
+                    </a:lnT>
+                    <a:lnB w="12700" cap="flat" cmpd="sng" algn="ctr">
+                      <a:solidFill>
+                        <a:schemeClr val="tx1"/>
+                      </a:solidFill>
+                      <a:prstDash val="solid"/>
+                      <a:round/>
+                      <a:headEnd type="none" w="med" len="med"/>
+                      <a:tailEnd type="none" w="med" len="med"/>
+                    </a:lnB>
+                  </a:tcPr>
+                </a:tc>
+                <a:tc>
+                  <a:txBody>
+                    <a:bodyPr/>
+                    <a:lstStyle/>
+                    <a:p>
+                      <a:pPr>
+                        <a:buNone/>
+                      </a:pPr>
+                      <a:r>
+                        <a:rPr lang="en-GB" sz="1800"/>
+                        <a:t>Document classification</a:t>
+                      </a:r>
+                    </a:p>
+                  </a:txBody>
+                  <a:tcPr marL="43513" marR="43513" marT="21757" marB="21757" anchor="ctr">
+                    <a:lnL w="12700" cap="flat" cmpd="sng" algn="ctr">
+                      <a:solidFill>
+                        <a:schemeClr val="tx1"/>
+                      </a:solidFill>
+                      <a:prstDash val="solid"/>
+                      <a:round/>
+                      <a:headEnd type="none" w="med" len="med"/>
+                      <a:tailEnd type="none" w="med" len="med"/>
+                    </a:lnL>
+                    <a:lnR w="12700" cap="flat" cmpd="sng" algn="ctr">
+                      <a:solidFill>
+                        <a:schemeClr val="tx1"/>
+                      </a:solidFill>
+                      <a:prstDash val="solid"/>
+                      <a:round/>
+                      <a:headEnd type="none" w="med" len="med"/>
+                      <a:tailEnd type="none" w="med" len="med"/>
+                    </a:lnR>
+                    <a:lnT w="12700" cap="flat" cmpd="sng" algn="ctr">
+                      <a:solidFill>
+                        <a:schemeClr val="tx1"/>
+                      </a:solidFill>
+                      <a:prstDash val="solid"/>
+                      <a:round/>
+                      <a:headEnd type="none" w="med" len="med"/>
+                      <a:tailEnd type="none" w="med" len="med"/>
+                    </a:lnT>
+                    <a:lnB w="12700" cap="flat" cmpd="sng" algn="ctr">
+                      <a:solidFill>
+                        <a:schemeClr val="tx1"/>
+                      </a:solidFill>
+                      <a:prstDash val="solid"/>
+                      <a:round/>
+                      <a:headEnd type="none" w="med" len="med"/>
+                      <a:tailEnd type="none" w="med" len="med"/>
+                    </a:lnB>
+                  </a:tcPr>
+                </a:tc>
+                <a:tc>
+                  <a:txBody>
+                    <a:bodyPr/>
+                    <a:lstStyle/>
+                    <a:p>
+                      <a:pPr>
+                        <a:buNone/>
+                      </a:pPr>
+                      <a:r>
+                        <a:rPr lang="en-GB" sz="1800" b="1"/>
+                        <a:t>Naive Bayes</a:t>
+                      </a:r>
+                      <a:endParaRPr lang="en-GB" sz="1800"/>
+                    </a:p>
+                  </a:txBody>
+                  <a:tcPr marL="43513" marR="43513" marT="21757" marB="21757" anchor="ctr">
+                    <a:lnL w="12700" cap="flat" cmpd="sng" algn="ctr">
+                      <a:solidFill>
+                        <a:schemeClr val="tx1"/>
+                      </a:solidFill>
+                      <a:prstDash val="solid"/>
+                      <a:round/>
+                      <a:headEnd type="none" w="med" len="med"/>
+                      <a:tailEnd type="none" w="med" len="med"/>
+                    </a:lnL>
+                    <a:lnR w="12700" cap="flat" cmpd="sng" algn="ctr">
+                      <a:solidFill>
+                        <a:schemeClr val="tx1"/>
+                      </a:solidFill>
+                      <a:prstDash val="solid"/>
+                      <a:round/>
+                      <a:headEnd type="none" w="med" len="med"/>
+                      <a:tailEnd type="none" w="med" len="med"/>
+                    </a:lnR>
+                    <a:lnT w="12700" cap="flat" cmpd="sng" algn="ctr">
+                      <a:solidFill>
+                        <a:schemeClr val="tx1"/>
+                      </a:solidFill>
+                      <a:prstDash val="solid"/>
+                      <a:round/>
+                      <a:headEnd type="none" w="med" len="med"/>
+                      <a:tailEnd type="none" w="med" len="med"/>
+                    </a:lnT>
+                    <a:lnB w="12700" cap="flat" cmpd="sng" algn="ctr">
+                      <a:solidFill>
+                        <a:schemeClr val="tx1"/>
+                      </a:solidFill>
+                      <a:prstDash val="solid"/>
+                      <a:round/>
+                      <a:headEnd type="none" w="med" len="med"/>
+                      <a:tailEnd type="none" w="med" len="med"/>
+                    </a:lnB>
+                  </a:tcPr>
+                </a:tc>
+                <a:tc>
+                  <a:txBody>
+                    <a:bodyPr/>
+                    <a:lstStyle/>
+                    <a:p>
+                      <a:pPr>
+                        <a:buNone/>
+                      </a:pPr>
+                      <a:r>
+                        <a:rPr lang="en-GB" sz="1800"/>
+                        <a:t>Fast + scalable</a:t>
+                      </a:r>
+                    </a:p>
+                  </a:txBody>
+                  <a:tcPr marL="43513" marR="43513" marT="21757" marB="21757" anchor="ctr">
+                    <a:lnL w="12700" cap="flat" cmpd="sng" algn="ctr">
+                      <a:solidFill>
+                        <a:schemeClr val="tx1"/>
+                      </a:solidFill>
+                      <a:prstDash val="solid"/>
+                      <a:round/>
+                      <a:headEnd type="none" w="med" len="med"/>
+                      <a:tailEnd type="none" w="med" len="med"/>
+                    </a:lnL>
+                    <a:lnR w="12700" cap="flat" cmpd="sng" algn="ctr">
+                      <a:solidFill>
+                        <a:schemeClr val="tx1"/>
+                      </a:solidFill>
+                      <a:prstDash val="solid"/>
+                      <a:round/>
+                      <a:headEnd type="none" w="med" len="med"/>
+                      <a:tailEnd type="none" w="med" len="med"/>
+                    </a:lnR>
+                    <a:lnT w="12700" cap="flat" cmpd="sng" algn="ctr">
+                      <a:solidFill>
+                        <a:schemeClr val="tx1"/>
+                      </a:solidFill>
+                      <a:prstDash val="solid"/>
+                      <a:round/>
+                      <a:headEnd type="none" w="med" len="med"/>
+                      <a:tailEnd type="none" w="med" len="med"/>
+                    </a:lnT>
+                    <a:lnB w="12700" cap="flat" cmpd="sng" algn="ctr">
+                      <a:solidFill>
+                        <a:schemeClr val="tx1"/>
+                      </a:solidFill>
+                      <a:prstDash val="solid"/>
+                      <a:round/>
+                      <a:headEnd type="none" w="med" len="med"/>
+                      <a:tailEnd type="none" w="med" len="med"/>
+                    </a:lnB>
+                  </a:tcPr>
+                </a:tc>
+                <a:extLst>
+                  <a:ext uri="{0D108BD9-81ED-4DB2-BD59-A6C34878D82A}">
+                    <a16:rowId xmlns:a16="http://schemas.microsoft.com/office/drawing/2014/main" val="1821304194"/>
+                  </a:ext>
+                </a:extLst>
+              </a:tr>
+              <a:tr h="304594">
+                <a:tc>
+                  <a:txBody>
+                    <a:bodyPr/>
+                    <a:lstStyle/>
+                    <a:p>
+                      <a:pPr>
+                        <a:buNone/>
+                      </a:pPr>
+                      <a:r>
+                        <a:rPr lang="en-GB" sz="1800"/>
+                        <a:t>11</a:t>
+                      </a:r>
+                    </a:p>
+                  </a:txBody>
+                  <a:tcPr marL="43513" marR="43513" marT="21757" marB="21757" anchor="ctr">
+                    <a:lnL w="12700" cap="flat" cmpd="sng" algn="ctr">
+                      <a:solidFill>
+                        <a:schemeClr val="tx1"/>
+                      </a:solidFill>
+                      <a:prstDash val="solid"/>
+                      <a:round/>
+                      <a:headEnd type="none" w="med" len="med"/>
+                      <a:tailEnd type="none" w="med" len="med"/>
+                    </a:lnL>
+                    <a:lnR w="12700" cap="flat" cmpd="sng" algn="ctr">
+                      <a:solidFill>
+                        <a:schemeClr val="tx1"/>
+                      </a:solidFill>
+                      <a:prstDash val="solid"/>
+                      <a:round/>
+                      <a:headEnd type="none" w="med" len="med"/>
+                      <a:tailEnd type="none" w="med" len="med"/>
+                    </a:lnR>
+                    <a:lnT w="12700" cap="flat" cmpd="sng" algn="ctr">
+                      <a:solidFill>
+                        <a:schemeClr val="tx1"/>
+                      </a:solidFill>
+                      <a:prstDash val="solid"/>
+                      <a:round/>
+                      <a:headEnd type="none" w="med" len="med"/>
+                      <a:tailEnd type="none" w="med" len="med"/>
+                    </a:lnT>
+                    <a:lnB w="12700" cap="flat" cmpd="sng" algn="ctr">
+                      <a:solidFill>
+                        <a:schemeClr val="tx1"/>
+                      </a:solidFill>
+                      <a:prstDash val="solid"/>
+                      <a:round/>
+                      <a:headEnd type="none" w="med" len="med"/>
+                      <a:tailEnd type="none" w="med" len="med"/>
+                    </a:lnB>
+                  </a:tcPr>
+                </a:tc>
+                <a:tc>
+                  <a:txBody>
+                    <a:bodyPr/>
+                    <a:lstStyle/>
+                    <a:p>
+                      <a:pPr>
+                        <a:buNone/>
+                      </a:pPr>
+                      <a:r>
+                        <a:rPr lang="en-GB" sz="1800"/>
+                        <a:t>Handwritten digit recognition</a:t>
+                      </a:r>
+                    </a:p>
+                  </a:txBody>
+                  <a:tcPr marL="43513" marR="43513" marT="21757" marB="21757" anchor="ctr">
+                    <a:lnL w="12700" cap="flat" cmpd="sng" algn="ctr">
+                      <a:solidFill>
+                        <a:schemeClr val="tx1"/>
+                      </a:solidFill>
+                      <a:prstDash val="solid"/>
+                      <a:round/>
+                      <a:headEnd type="none" w="med" len="med"/>
+                      <a:tailEnd type="none" w="med" len="med"/>
+                    </a:lnL>
+                    <a:lnR w="12700" cap="flat" cmpd="sng" algn="ctr">
+                      <a:solidFill>
+                        <a:schemeClr val="tx1"/>
+                      </a:solidFill>
+                      <a:prstDash val="solid"/>
+                      <a:round/>
+                      <a:headEnd type="none" w="med" len="med"/>
+                      <a:tailEnd type="none" w="med" len="med"/>
+                    </a:lnR>
+                    <a:lnT w="12700" cap="flat" cmpd="sng" algn="ctr">
+                      <a:solidFill>
+                        <a:schemeClr val="tx1"/>
+                      </a:solidFill>
+                      <a:prstDash val="solid"/>
+                      <a:round/>
+                      <a:headEnd type="none" w="med" len="med"/>
+                      <a:tailEnd type="none" w="med" len="med"/>
+                    </a:lnT>
+                    <a:lnB w="12700" cap="flat" cmpd="sng" algn="ctr">
+                      <a:solidFill>
+                        <a:schemeClr val="tx1"/>
+                      </a:solidFill>
+                      <a:prstDash val="solid"/>
+                      <a:round/>
+                      <a:headEnd type="none" w="med" len="med"/>
+                      <a:tailEnd type="none" w="med" len="med"/>
+                    </a:lnB>
+                  </a:tcPr>
+                </a:tc>
+                <a:tc>
+                  <a:txBody>
+                    <a:bodyPr/>
+                    <a:lstStyle/>
+                    <a:p>
+                      <a:pPr>
+                        <a:buNone/>
+                      </a:pPr>
+                      <a:r>
+                        <a:rPr lang="en-GB" sz="1800" b="1"/>
+                        <a:t>SVM</a:t>
+                      </a:r>
+                      <a:endParaRPr lang="en-GB" sz="1800"/>
+                    </a:p>
+                  </a:txBody>
+                  <a:tcPr marL="43513" marR="43513" marT="21757" marB="21757" anchor="ctr">
+                    <a:lnL w="12700" cap="flat" cmpd="sng" algn="ctr">
+                      <a:solidFill>
+                        <a:schemeClr val="tx1"/>
+                      </a:solidFill>
+                      <a:prstDash val="solid"/>
+                      <a:round/>
+                      <a:headEnd type="none" w="med" len="med"/>
+                      <a:tailEnd type="none" w="med" len="med"/>
+                    </a:lnL>
+                    <a:lnR w="12700" cap="flat" cmpd="sng" algn="ctr">
+                      <a:solidFill>
+                        <a:schemeClr val="tx1"/>
+                      </a:solidFill>
+                      <a:prstDash val="solid"/>
+                      <a:round/>
+                      <a:headEnd type="none" w="med" len="med"/>
+                      <a:tailEnd type="none" w="med" len="med"/>
+                    </a:lnR>
+                    <a:lnT w="12700" cap="flat" cmpd="sng" algn="ctr">
+                      <a:solidFill>
+                        <a:schemeClr val="tx1"/>
+                      </a:solidFill>
+                      <a:prstDash val="solid"/>
+                      <a:round/>
+                      <a:headEnd type="none" w="med" len="med"/>
+                      <a:tailEnd type="none" w="med" len="med"/>
+                    </a:lnT>
+                    <a:lnB w="12700" cap="flat" cmpd="sng" algn="ctr">
+                      <a:solidFill>
+                        <a:schemeClr val="tx1"/>
+                      </a:solidFill>
+                      <a:prstDash val="solid"/>
+                      <a:round/>
+                      <a:headEnd type="none" w="med" len="med"/>
+                      <a:tailEnd type="none" w="med" len="med"/>
+                    </a:lnB>
+                  </a:tcPr>
+                </a:tc>
+                <a:tc>
+                  <a:txBody>
+                    <a:bodyPr/>
+                    <a:lstStyle/>
+                    <a:p>
+                      <a:pPr>
+                        <a:buNone/>
+                      </a:pPr>
+                      <a:r>
+                        <a:rPr lang="en-GB" sz="1800"/>
+                        <a:t>Non-linear boundaries</a:t>
+                      </a:r>
+                    </a:p>
+                  </a:txBody>
+                  <a:tcPr marL="43513" marR="43513" marT="21757" marB="21757" anchor="ctr">
+                    <a:lnL w="12700" cap="flat" cmpd="sng" algn="ctr">
+                      <a:solidFill>
+                        <a:schemeClr val="tx1"/>
+                      </a:solidFill>
+                      <a:prstDash val="solid"/>
+                      <a:round/>
+                      <a:headEnd type="none" w="med" len="med"/>
+                      <a:tailEnd type="none" w="med" len="med"/>
+                    </a:lnL>
+                    <a:lnR w="12700" cap="flat" cmpd="sng" algn="ctr">
+                      <a:solidFill>
+                        <a:schemeClr val="tx1"/>
+                      </a:solidFill>
+                      <a:prstDash val="solid"/>
+                      <a:round/>
+                      <a:headEnd type="none" w="med" len="med"/>
+                      <a:tailEnd type="none" w="med" len="med"/>
+                    </a:lnR>
+                    <a:lnT w="12700" cap="flat" cmpd="sng" algn="ctr">
+                      <a:solidFill>
+                        <a:schemeClr val="tx1"/>
+                      </a:solidFill>
+                      <a:prstDash val="solid"/>
+                      <a:round/>
+                      <a:headEnd type="none" w="med" len="med"/>
+                      <a:tailEnd type="none" w="med" len="med"/>
+                    </a:lnT>
+                    <a:lnB w="12700" cap="flat" cmpd="sng" algn="ctr">
+                      <a:solidFill>
+                        <a:schemeClr val="tx1"/>
+                      </a:solidFill>
+                      <a:prstDash val="solid"/>
+                      <a:round/>
+                      <a:headEnd type="none" w="med" len="med"/>
+                      <a:tailEnd type="none" w="med" len="med"/>
+                    </a:lnB>
+                  </a:tcPr>
+                </a:tc>
+                <a:extLst>
+                  <a:ext uri="{0D108BD9-81ED-4DB2-BD59-A6C34878D82A}">
+                    <a16:rowId xmlns:a16="http://schemas.microsoft.com/office/drawing/2014/main" val="1767007534"/>
+                  </a:ext>
+                </a:extLst>
+              </a:tr>
+              <a:tr h="304594">
+                <a:tc>
+                  <a:txBody>
+                    <a:bodyPr/>
+                    <a:lstStyle/>
+                    <a:p>
+                      <a:pPr>
+                        <a:buNone/>
+                      </a:pPr>
+                      <a:r>
+                        <a:rPr lang="en-GB" sz="1800"/>
+                        <a:t>12</a:t>
+                      </a:r>
+                    </a:p>
+                  </a:txBody>
+                  <a:tcPr marL="43513" marR="43513" marT="21757" marB="21757" anchor="ctr">
+                    <a:lnL w="12700" cap="flat" cmpd="sng" algn="ctr">
+                      <a:solidFill>
+                        <a:schemeClr val="tx1"/>
+                      </a:solidFill>
+                      <a:prstDash val="solid"/>
+                      <a:round/>
+                      <a:headEnd type="none" w="med" len="med"/>
+                      <a:tailEnd type="none" w="med" len="med"/>
+                    </a:lnL>
+                    <a:lnR w="12700" cap="flat" cmpd="sng" algn="ctr">
+                      <a:solidFill>
+                        <a:schemeClr val="tx1"/>
+                      </a:solidFill>
+                      <a:prstDash val="solid"/>
+                      <a:round/>
+                      <a:headEnd type="none" w="med" len="med"/>
+                      <a:tailEnd type="none" w="med" len="med"/>
+                    </a:lnR>
+                    <a:lnT w="12700" cap="flat" cmpd="sng" algn="ctr">
+                      <a:solidFill>
+                        <a:schemeClr val="tx1"/>
+                      </a:solidFill>
+                      <a:prstDash val="solid"/>
+                      <a:round/>
+                      <a:headEnd type="none" w="med" len="med"/>
+                      <a:tailEnd type="none" w="med" len="med"/>
+                    </a:lnT>
+                    <a:lnB w="12700" cap="flat" cmpd="sng" algn="ctr">
+                      <a:solidFill>
+                        <a:schemeClr val="tx1"/>
+                      </a:solidFill>
+                      <a:prstDash val="solid"/>
+                      <a:round/>
+                      <a:headEnd type="none" w="med" len="med"/>
+                      <a:tailEnd type="none" w="med" len="med"/>
+                    </a:lnB>
+                  </a:tcPr>
+                </a:tc>
+                <a:tc>
+                  <a:txBody>
+                    <a:bodyPr/>
+                    <a:lstStyle/>
+                    <a:p>
+                      <a:pPr>
+                        <a:buNone/>
+                      </a:pPr>
+                      <a:r>
+                        <a:rPr lang="en-GB" sz="1800"/>
+                        <a:t>Recommendation systems (similar users)</a:t>
+                      </a:r>
+                    </a:p>
+                  </a:txBody>
+                  <a:tcPr marL="43513" marR="43513" marT="21757" marB="21757" anchor="ctr">
+                    <a:lnL w="12700" cap="flat" cmpd="sng" algn="ctr">
+                      <a:solidFill>
+                        <a:schemeClr val="tx1"/>
+                      </a:solidFill>
+                      <a:prstDash val="solid"/>
+                      <a:round/>
+                      <a:headEnd type="none" w="med" len="med"/>
+                      <a:tailEnd type="none" w="med" len="med"/>
+                    </a:lnL>
+                    <a:lnR w="12700" cap="flat" cmpd="sng" algn="ctr">
+                      <a:solidFill>
+                        <a:schemeClr val="tx1"/>
+                      </a:solidFill>
+                      <a:prstDash val="solid"/>
+                      <a:round/>
+                      <a:headEnd type="none" w="med" len="med"/>
+                      <a:tailEnd type="none" w="med" len="med"/>
+                    </a:lnR>
+                    <a:lnT w="12700" cap="flat" cmpd="sng" algn="ctr">
+                      <a:solidFill>
+                        <a:schemeClr val="tx1"/>
+                      </a:solidFill>
+                      <a:prstDash val="solid"/>
+                      <a:round/>
+                      <a:headEnd type="none" w="med" len="med"/>
+                      <a:tailEnd type="none" w="med" len="med"/>
+                    </a:lnT>
+                    <a:lnB w="12700" cap="flat" cmpd="sng" algn="ctr">
+                      <a:solidFill>
+                        <a:schemeClr val="tx1"/>
+                      </a:solidFill>
+                      <a:prstDash val="solid"/>
+                      <a:round/>
+                      <a:headEnd type="none" w="med" len="med"/>
+                      <a:tailEnd type="none" w="med" len="med"/>
+                    </a:lnB>
+                  </a:tcPr>
+                </a:tc>
+                <a:tc>
+                  <a:txBody>
+                    <a:bodyPr/>
+                    <a:lstStyle/>
+                    <a:p>
+                      <a:pPr>
+                        <a:buNone/>
+                      </a:pPr>
+                      <a:r>
+                        <a:rPr lang="en-GB" sz="1800" b="1"/>
+                        <a:t>k-NN</a:t>
+                      </a:r>
+                      <a:endParaRPr lang="en-GB" sz="1800"/>
+                    </a:p>
+                  </a:txBody>
+                  <a:tcPr marL="43513" marR="43513" marT="21757" marB="21757" anchor="ctr">
+                    <a:lnL w="12700" cap="flat" cmpd="sng" algn="ctr">
+                      <a:solidFill>
+                        <a:schemeClr val="tx1"/>
+                      </a:solidFill>
+                      <a:prstDash val="solid"/>
+                      <a:round/>
+                      <a:headEnd type="none" w="med" len="med"/>
+                      <a:tailEnd type="none" w="med" len="med"/>
+                    </a:lnL>
+                    <a:lnR w="12700" cap="flat" cmpd="sng" algn="ctr">
+                      <a:solidFill>
+                        <a:schemeClr val="tx1"/>
+                      </a:solidFill>
+                      <a:prstDash val="solid"/>
+                      <a:round/>
+                      <a:headEnd type="none" w="med" len="med"/>
+                      <a:tailEnd type="none" w="med" len="med"/>
+                    </a:lnR>
+                    <a:lnT w="12700" cap="flat" cmpd="sng" algn="ctr">
+                      <a:solidFill>
+                        <a:schemeClr val="tx1"/>
+                      </a:solidFill>
+                      <a:prstDash val="solid"/>
+                      <a:round/>
+                      <a:headEnd type="none" w="med" len="med"/>
+                      <a:tailEnd type="none" w="med" len="med"/>
+                    </a:lnT>
+                    <a:lnB w="12700" cap="flat" cmpd="sng" algn="ctr">
+                      <a:solidFill>
+                        <a:schemeClr val="tx1"/>
+                      </a:solidFill>
+                      <a:prstDash val="solid"/>
+                      <a:round/>
+                      <a:headEnd type="none" w="med" len="med"/>
+                      <a:tailEnd type="none" w="med" len="med"/>
+                    </a:lnB>
+                  </a:tcPr>
+                </a:tc>
+                <a:tc>
+                  <a:txBody>
+                    <a:bodyPr/>
+                    <a:lstStyle/>
+                    <a:p>
+                      <a:pPr>
+                        <a:buNone/>
+                      </a:pPr>
+                      <a:r>
+                        <a:rPr lang="en-GB" sz="1800"/>
+                        <a:t>Similarity-based reasoning</a:t>
+                      </a:r>
+                    </a:p>
+                  </a:txBody>
+                  <a:tcPr marL="43513" marR="43513" marT="21757" marB="21757" anchor="ctr">
+                    <a:lnL w="12700" cap="flat" cmpd="sng" algn="ctr">
+                      <a:solidFill>
+                        <a:schemeClr val="tx1"/>
+                      </a:solidFill>
+                      <a:prstDash val="solid"/>
+                      <a:round/>
+                      <a:headEnd type="none" w="med" len="med"/>
+                      <a:tailEnd type="none" w="med" len="med"/>
+                    </a:lnL>
+                    <a:lnR w="12700" cap="flat" cmpd="sng" algn="ctr">
+                      <a:solidFill>
+                        <a:schemeClr val="tx1"/>
+                      </a:solidFill>
+                      <a:prstDash val="solid"/>
+                      <a:round/>
+                      <a:headEnd type="none" w="med" len="med"/>
+                      <a:tailEnd type="none" w="med" len="med"/>
+                    </a:lnR>
+                    <a:lnT w="12700" cap="flat" cmpd="sng" algn="ctr">
+                      <a:solidFill>
+                        <a:schemeClr val="tx1"/>
+                      </a:solidFill>
+                      <a:prstDash val="solid"/>
+                      <a:round/>
+                      <a:headEnd type="none" w="med" len="med"/>
+                      <a:tailEnd type="none" w="med" len="med"/>
+                    </a:lnT>
+                    <a:lnB w="12700" cap="flat" cmpd="sng" algn="ctr">
+                      <a:solidFill>
+                        <a:schemeClr val="tx1"/>
+                      </a:solidFill>
+                      <a:prstDash val="solid"/>
+                      <a:round/>
+                      <a:headEnd type="none" w="med" len="med"/>
+                      <a:tailEnd type="none" w="med" len="med"/>
+                    </a:lnB>
+                  </a:tcPr>
+                </a:tc>
+                <a:extLst>
+                  <a:ext uri="{0D108BD9-81ED-4DB2-BD59-A6C34878D82A}">
+                    <a16:rowId xmlns:a16="http://schemas.microsoft.com/office/drawing/2014/main" val="2536007748"/>
+                  </a:ext>
+                </a:extLst>
+              </a:tr>
+              <a:tr h="174054">
+                <a:tc>
+                  <a:txBody>
+                    <a:bodyPr/>
+                    <a:lstStyle/>
+                    <a:p>
+                      <a:pPr>
+                        <a:buNone/>
+                      </a:pPr>
+                      <a:r>
+                        <a:rPr lang="en-GB" sz="1800"/>
+                        <a:t>13</a:t>
+                      </a:r>
+                    </a:p>
+                  </a:txBody>
+                  <a:tcPr marL="43513" marR="43513" marT="21757" marB="21757" anchor="ctr">
+                    <a:lnL w="12700" cap="flat" cmpd="sng" algn="ctr">
+                      <a:solidFill>
+                        <a:schemeClr val="tx1"/>
+                      </a:solidFill>
+                      <a:prstDash val="solid"/>
+                      <a:round/>
+                      <a:headEnd type="none" w="med" len="med"/>
+                      <a:tailEnd type="none" w="med" len="med"/>
+                    </a:lnL>
+                    <a:lnR w="12700" cap="flat" cmpd="sng" algn="ctr">
+                      <a:solidFill>
+                        <a:schemeClr val="tx1"/>
+                      </a:solidFill>
+                      <a:prstDash val="solid"/>
+                      <a:round/>
+                      <a:headEnd type="none" w="med" len="med"/>
+                      <a:tailEnd type="none" w="med" len="med"/>
+                    </a:lnR>
+                    <a:lnT w="12700" cap="flat" cmpd="sng" algn="ctr">
+                      <a:solidFill>
+                        <a:schemeClr val="tx1"/>
+                      </a:solidFill>
+                      <a:prstDash val="solid"/>
+                      <a:round/>
+                      <a:headEnd type="none" w="med" len="med"/>
+                      <a:tailEnd type="none" w="med" len="med"/>
+                    </a:lnT>
+                    <a:lnB w="12700" cap="flat" cmpd="sng" algn="ctr">
+                      <a:solidFill>
+                        <a:schemeClr val="tx1"/>
+                      </a:solidFill>
+                      <a:prstDash val="solid"/>
+                      <a:round/>
+                      <a:headEnd type="none" w="med" len="med"/>
+                      <a:tailEnd type="none" w="med" len="med"/>
+                    </a:lnB>
+                  </a:tcPr>
+                </a:tc>
+                <a:tc>
+                  <a:txBody>
+                    <a:bodyPr/>
+                    <a:lstStyle/>
+                    <a:p>
+                      <a:pPr>
+                        <a:buNone/>
+                      </a:pPr>
+                      <a:r>
+                        <a:rPr lang="en-GB" sz="1800"/>
+                        <a:t>Risk scoring systems</a:t>
+                      </a:r>
+                    </a:p>
+                  </a:txBody>
+                  <a:tcPr marL="43513" marR="43513" marT="21757" marB="21757" anchor="ctr">
+                    <a:lnL w="12700" cap="flat" cmpd="sng" algn="ctr">
+                      <a:solidFill>
+                        <a:schemeClr val="tx1"/>
+                      </a:solidFill>
+                      <a:prstDash val="solid"/>
+                      <a:round/>
+                      <a:headEnd type="none" w="med" len="med"/>
+                      <a:tailEnd type="none" w="med" len="med"/>
+                    </a:lnL>
+                    <a:lnR w="12700" cap="flat" cmpd="sng" algn="ctr">
+                      <a:solidFill>
+                        <a:schemeClr val="tx1"/>
+                      </a:solidFill>
+                      <a:prstDash val="solid"/>
+                      <a:round/>
+                      <a:headEnd type="none" w="med" len="med"/>
+                      <a:tailEnd type="none" w="med" len="med"/>
+                    </a:lnR>
+                    <a:lnT w="12700" cap="flat" cmpd="sng" algn="ctr">
+                      <a:solidFill>
+                        <a:schemeClr val="tx1"/>
+                      </a:solidFill>
+                      <a:prstDash val="solid"/>
+                      <a:round/>
+                      <a:headEnd type="none" w="med" len="med"/>
+                      <a:tailEnd type="none" w="med" len="med"/>
+                    </a:lnT>
+                    <a:lnB w="12700" cap="flat" cmpd="sng" algn="ctr">
+                      <a:solidFill>
+                        <a:schemeClr val="tx1"/>
+                      </a:solidFill>
+                      <a:prstDash val="solid"/>
+                      <a:round/>
+                      <a:headEnd type="none" w="med" len="med"/>
+                      <a:tailEnd type="none" w="med" len="med"/>
+                    </a:lnB>
+                  </a:tcPr>
+                </a:tc>
+                <a:tc>
+                  <a:txBody>
+                    <a:bodyPr/>
+                    <a:lstStyle/>
+                    <a:p>
+                      <a:pPr>
+                        <a:buNone/>
+                      </a:pPr>
+                      <a:r>
+                        <a:rPr lang="en-GB" sz="1800" b="1"/>
+                        <a:t>Logistic Regression</a:t>
+                      </a:r>
+                      <a:endParaRPr lang="en-GB" sz="1800"/>
+                    </a:p>
+                  </a:txBody>
+                  <a:tcPr marL="43513" marR="43513" marT="21757" marB="21757" anchor="ctr">
+                    <a:lnL w="12700" cap="flat" cmpd="sng" algn="ctr">
+                      <a:solidFill>
+                        <a:schemeClr val="tx1"/>
+                      </a:solidFill>
+                      <a:prstDash val="solid"/>
+                      <a:round/>
+                      <a:headEnd type="none" w="med" len="med"/>
+                      <a:tailEnd type="none" w="med" len="med"/>
+                    </a:lnL>
+                    <a:lnR w="12700" cap="flat" cmpd="sng" algn="ctr">
+                      <a:solidFill>
+                        <a:schemeClr val="tx1"/>
+                      </a:solidFill>
+                      <a:prstDash val="solid"/>
+                      <a:round/>
+                      <a:headEnd type="none" w="med" len="med"/>
+                      <a:tailEnd type="none" w="med" len="med"/>
+                    </a:lnR>
+                    <a:lnT w="12700" cap="flat" cmpd="sng" algn="ctr">
+                      <a:solidFill>
+                        <a:schemeClr val="tx1"/>
+                      </a:solidFill>
+                      <a:prstDash val="solid"/>
+                      <a:round/>
+                      <a:headEnd type="none" w="med" len="med"/>
+                      <a:tailEnd type="none" w="med" len="med"/>
+                    </a:lnT>
+                    <a:lnB w="12700" cap="flat" cmpd="sng" algn="ctr">
+                      <a:solidFill>
+                        <a:schemeClr val="tx1"/>
+                      </a:solidFill>
+                      <a:prstDash val="solid"/>
+                      <a:round/>
+                      <a:headEnd type="none" w="med" len="med"/>
+                      <a:tailEnd type="none" w="med" len="med"/>
+                    </a:lnB>
+                  </a:tcPr>
+                </a:tc>
+                <a:tc>
+                  <a:txBody>
+                    <a:bodyPr/>
+                    <a:lstStyle/>
+                    <a:p>
+                      <a:pPr>
+                        <a:buNone/>
+                      </a:pPr>
+                      <a:r>
+                        <a:rPr lang="en-GB" sz="1800"/>
+                        <a:t>Probability output</a:t>
+                      </a:r>
+                    </a:p>
+                  </a:txBody>
+                  <a:tcPr marL="43513" marR="43513" marT="21757" marB="21757" anchor="ctr">
+                    <a:lnL w="12700" cap="flat" cmpd="sng" algn="ctr">
+                      <a:solidFill>
+                        <a:schemeClr val="tx1"/>
+                      </a:solidFill>
+                      <a:prstDash val="solid"/>
+                      <a:round/>
+                      <a:headEnd type="none" w="med" len="med"/>
+                      <a:tailEnd type="none" w="med" len="med"/>
+                    </a:lnL>
+                    <a:lnR w="12700" cap="flat" cmpd="sng" algn="ctr">
+                      <a:solidFill>
+                        <a:schemeClr val="tx1"/>
+                      </a:solidFill>
+                      <a:prstDash val="solid"/>
+                      <a:round/>
+                      <a:headEnd type="none" w="med" len="med"/>
+                      <a:tailEnd type="none" w="med" len="med"/>
+                    </a:lnR>
+                    <a:lnT w="12700" cap="flat" cmpd="sng" algn="ctr">
+                      <a:solidFill>
+                        <a:schemeClr val="tx1"/>
+                      </a:solidFill>
+                      <a:prstDash val="solid"/>
+                      <a:round/>
+                      <a:headEnd type="none" w="med" len="med"/>
+                      <a:tailEnd type="none" w="med" len="med"/>
+                    </a:lnT>
+                    <a:lnB w="12700" cap="flat" cmpd="sng" algn="ctr">
+                      <a:solidFill>
+                        <a:schemeClr val="tx1"/>
+                      </a:solidFill>
+                      <a:prstDash val="solid"/>
+                      <a:round/>
+                      <a:headEnd type="none" w="med" len="med"/>
+                      <a:tailEnd type="none" w="med" len="med"/>
+                    </a:lnB>
+                  </a:tcPr>
+                </a:tc>
+                <a:extLst>
+                  <a:ext uri="{0D108BD9-81ED-4DB2-BD59-A6C34878D82A}">
+                    <a16:rowId xmlns:a16="http://schemas.microsoft.com/office/drawing/2014/main" val="389486873"/>
+                  </a:ext>
+                </a:extLst>
+              </a:tr>
+              <a:tr h="304594">
+                <a:tc>
+                  <a:txBody>
+                    <a:bodyPr/>
+                    <a:lstStyle/>
+                    <a:p>
+                      <a:pPr>
+                        <a:buNone/>
+                      </a:pPr>
+                      <a:r>
+                        <a:rPr lang="en-GB" sz="1800"/>
+                        <a:t>14</a:t>
+                      </a:r>
+                    </a:p>
+                  </a:txBody>
+                  <a:tcPr marL="43513" marR="43513" marT="21757" marB="21757" anchor="ctr">
+                    <a:lnL w="12700" cap="flat" cmpd="sng" algn="ctr">
+                      <a:solidFill>
+                        <a:schemeClr val="tx1"/>
+                      </a:solidFill>
+                      <a:prstDash val="solid"/>
+                      <a:round/>
+                      <a:headEnd type="none" w="med" len="med"/>
+                      <a:tailEnd type="none" w="med" len="med"/>
+                    </a:lnL>
+                    <a:lnR w="12700" cap="flat" cmpd="sng" algn="ctr">
+                      <a:solidFill>
+                        <a:schemeClr val="tx1"/>
+                      </a:solidFill>
+                      <a:prstDash val="solid"/>
+                      <a:round/>
+                      <a:headEnd type="none" w="med" len="med"/>
+                      <a:tailEnd type="none" w="med" len="med"/>
+                    </a:lnR>
+                    <a:lnT w="12700" cap="flat" cmpd="sng" algn="ctr">
+                      <a:solidFill>
+                        <a:schemeClr val="tx1"/>
+                      </a:solidFill>
+                      <a:prstDash val="solid"/>
+                      <a:round/>
+                      <a:headEnd type="none" w="med" len="med"/>
+                      <a:tailEnd type="none" w="med" len="med"/>
+                    </a:lnT>
+                    <a:lnB w="12700" cap="flat" cmpd="sng" algn="ctr">
+                      <a:solidFill>
+                        <a:schemeClr val="tx1"/>
+                      </a:solidFill>
+                      <a:prstDash val="solid"/>
+                      <a:round/>
+                      <a:headEnd type="none" w="med" len="med"/>
+                      <a:tailEnd type="none" w="med" len="med"/>
+                    </a:lnB>
+                  </a:tcPr>
+                </a:tc>
+                <a:tc>
+                  <a:txBody>
+                    <a:bodyPr/>
+                    <a:lstStyle/>
+                    <a:p>
+                      <a:pPr>
+                        <a:buNone/>
+                      </a:pPr>
+                      <a:r>
+                        <a:rPr lang="en-GB" sz="1800"/>
+                        <a:t>Sensor-based fault detection</a:t>
+                      </a:r>
+                    </a:p>
+                  </a:txBody>
+                  <a:tcPr marL="43513" marR="43513" marT="21757" marB="21757" anchor="ctr">
+                    <a:lnL w="12700" cap="flat" cmpd="sng" algn="ctr">
+                      <a:solidFill>
+                        <a:schemeClr val="tx1"/>
+                      </a:solidFill>
+                      <a:prstDash val="solid"/>
+                      <a:round/>
+                      <a:headEnd type="none" w="med" len="med"/>
+                      <a:tailEnd type="none" w="med" len="med"/>
+                    </a:lnL>
+                    <a:lnR w="12700" cap="flat" cmpd="sng" algn="ctr">
+                      <a:solidFill>
+                        <a:schemeClr val="tx1"/>
+                      </a:solidFill>
+                      <a:prstDash val="solid"/>
+                      <a:round/>
+                      <a:headEnd type="none" w="med" len="med"/>
+                      <a:tailEnd type="none" w="med" len="med"/>
+                    </a:lnR>
+                    <a:lnT w="12700" cap="flat" cmpd="sng" algn="ctr">
+                      <a:solidFill>
+                        <a:schemeClr val="tx1"/>
+                      </a:solidFill>
+                      <a:prstDash val="solid"/>
+                      <a:round/>
+                      <a:headEnd type="none" w="med" len="med"/>
+                      <a:tailEnd type="none" w="med" len="med"/>
+                    </a:lnT>
+                    <a:lnB w="12700" cap="flat" cmpd="sng" algn="ctr">
+                      <a:solidFill>
+                        <a:schemeClr val="tx1"/>
+                      </a:solidFill>
+                      <a:prstDash val="solid"/>
+                      <a:round/>
+                      <a:headEnd type="none" w="med" len="med"/>
+                      <a:tailEnd type="none" w="med" len="med"/>
+                    </a:lnB>
+                  </a:tcPr>
+                </a:tc>
+                <a:tc>
+                  <a:txBody>
+                    <a:bodyPr/>
+                    <a:lstStyle/>
+                    <a:p>
+                      <a:pPr>
+                        <a:buNone/>
+                      </a:pPr>
+                      <a:r>
+                        <a:rPr lang="en-GB" sz="1800" b="1"/>
+                        <a:t>Random Forest</a:t>
+                      </a:r>
+                      <a:endParaRPr lang="en-GB" sz="1800"/>
+                    </a:p>
+                  </a:txBody>
+                  <a:tcPr marL="43513" marR="43513" marT="21757" marB="21757" anchor="ctr">
+                    <a:lnL w="12700" cap="flat" cmpd="sng" algn="ctr">
+                      <a:solidFill>
+                        <a:schemeClr val="tx1"/>
+                      </a:solidFill>
+                      <a:prstDash val="solid"/>
+                      <a:round/>
+                      <a:headEnd type="none" w="med" len="med"/>
+                      <a:tailEnd type="none" w="med" len="med"/>
+                    </a:lnL>
+                    <a:lnR w="12700" cap="flat" cmpd="sng" algn="ctr">
+                      <a:solidFill>
+                        <a:schemeClr val="tx1"/>
+                      </a:solidFill>
+                      <a:prstDash val="solid"/>
+                      <a:round/>
+                      <a:headEnd type="none" w="med" len="med"/>
+                      <a:tailEnd type="none" w="med" len="med"/>
+                    </a:lnR>
+                    <a:lnT w="12700" cap="flat" cmpd="sng" algn="ctr">
+                      <a:solidFill>
+                        <a:schemeClr val="tx1"/>
+                      </a:solidFill>
+                      <a:prstDash val="solid"/>
+                      <a:round/>
+                      <a:headEnd type="none" w="med" len="med"/>
+                      <a:tailEnd type="none" w="med" len="med"/>
+                    </a:lnT>
+                    <a:lnB w="12700" cap="flat" cmpd="sng" algn="ctr">
+                      <a:solidFill>
+                        <a:schemeClr val="tx1"/>
+                      </a:solidFill>
+                      <a:prstDash val="solid"/>
+                      <a:round/>
+                      <a:headEnd type="none" w="med" len="med"/>
+                      <a:tailEnd type="none" w="med" len="med"/>
+                    </a:lnB>
+                  </a:tcPr>
+                </a:tc>
+                <a:tc>
+                  <a:txBody>
+                    <a:bodyPr/>
+                    <a:lstStyle/>
+                    <a:p>
+                      <a:pPr>
+                        <a:buNone/>
+                      </a:pPr>
+                      <a:r>
+                        <a:rPr lang="en-GB" sz="1800"/>
+                        <a:t>Robust to noise</a:t>
+                      </a:r>
+                    </a:p>
+                  </a:txBody>
+                  <a:tcPr marL="43513" marR="43513" marT="21757" marB="21757" anchor="ctr">
+                    <a:lnL w="12700" cap="flat" cmpd="sng" algn="ctr">
+                      <a:solidFill>
+                        <a:schemeClr val="tx1"/>
+                      </a:solidFill>
+                      <a:prstDash val="solid"/>
+                      <a:round/>
+                      <a:headEnd type="none" w="med" len="med"/>
+                      <a:tailEnd type="none" w="med" len="med"/>
+                    </a:lnL>
+                    <a:lnR w="12700" cap="flat" cmpd="sng" algn="ctr">
+                      <a:solidFill>
+                        <a:schemeClr val="tx1"/>
+                      </a:solidFill>
+                      <a:prstDash val="solid"/>
+                      <a:round/>
+                      <a:headEnd type="none" w="med" len="med"/>
+                      <a:tailEnd type="none" w="med" len="med"/>
+                    </a:lnR>
+                    <a:lnT w="12700" cap="flat" cmpd="sng" algn="ctr">
+                      <a:solidFill>
+                        <a:schemeClr val="tx1"/>
+                      </a:solidFill>
+                      <a:prstDash val="solid"/>
+                      <a:round/>
+                      <a:headEnd type="none" w="med" len="med"/>
+                      <a:tailEnd type="none" w="med" len="med"/>
+                    </a:lnT>
+                    <a:lnB w="12700" cap="flat" cmpd="sng" algn="ctr">
+                      <a:solidFill>
+                        <a:schemeClr val="tx1"/>
+                      </a:solidFill>
+                      <a:prstDash val="solid"/>
+                      <a:round/>
+                      <a:headEnd type="none" w="med" len="med"/>
+                      <a:tailEnd type="none" w="med" len="med"/>
+                    </a:lnB>
+                  </a:tcPr>
+                </a:tc>
+                <a:extLst>
+                  <a:ext uri="{0D108BD9-81ED-4DB2-BD59-A6C34878D82A}">
+                    <a16:rowId xmlns:a16="http://schemas.microsoft.com/office/drawing/2014/main" val="1645613144"/>
+                  </a:ext>
+                </a:extLst>
+              </a:tr>
+              <a:tr h="304594">
+                <a:tc>
+                  <a:txBody>
+                    <a:bodyPr/>
+                    <a:lstStyle/>
+                    <a:p>
+                      <a:pPr>
+                        <a:buNone/>
+                      </a:pPr>
+                      <a:r>
+                        <a:rPr lang="en-GB" sz="1800"/>
+                        <a:t>15</a:t>
+                      </a:r>
+                    </a:p>
+                  </a:txBody>
+                  <a:tcPr marL="43513" marR="43513" marT="21757" marB="21757" anchor="ctr">
+                    <a:lnL w="12700" cap="flat" cmpd="sng" algn="ctr">
+                      <a:solidFill>
+                        <a:schemeClr val="tx1"/>
+                      </a:solidFill>
+                      <a:prstDash val="solid"/>
+                      <a:round/>
+                      <a:headEnd type="none" w="med" len="med"/>
+                      <a:tailEnd type="none" w="med" len="med"/>
+                    </a:lnL>
+                    <a:lnR w="12700" cap="flat" cmpd="sng" algn="ctr">
+                      <a:solidFill>
+                        <a:schemeClr val="tx1"/>
+                      </a:solidFill>
+                      <a:prstDash val="solid"/>
+                      <a:round/>
+                      <a:headEnd type="none" w="med" len="med"/>
+                      <a:tailEnd type="none" w="med" len="med"/>
+                    </a:lnR>
+                    <a:lnT w="12700" cap="flat" cmpd="sng" algn="ctr">
+                      <a:solidFill>
+                        <a:schemeClr val="tx1"/>
+                      </a:solidFill>
+                      <a:prstDash val="solid"/>
+                      <a:round/>
+                      <a:headEnd type="none" w="med" len="med"/>
+                      <a:tailEnd type="none" w="med" len="med"/>
+                    </a:lnT>
+                    <a:lnB w="12700" cap="flat" cmpd="sng" algn="ctr">
+                      <a:solidFill>
+                        <a:schemeClr val="tx1"/>
+                      </a:solidFill>
+                      <a:prstDash val="solid"/>
+                      <a:round/>
+                      <a:headEnd type="none" w="med" len="med"/>
+                      <a:tailEnd type="none" w="med" len="med"/>
+                    </a:lnB>
+                  </a:tcPr>
+                </a:tc>
+                <a:tc>
+                  <a:txBody>
+                    <a:bodyPr/>
+                    <a:lstStyle/>
+                    <a:p>
+                      <a:pPr>
+                        <a:buNone/>
+                      </a:pPr>
+                      <a:r>
+                        <a:rPr lang="en-GB" sz="1800"/>
+                        <a:t>Small dataset, high dimension</a:t>
+                      </a:r>
+                    </a:p>
+                  </a:txBody>
+                  <a:tcPr marL="43513" marR="43513" marT="21757" marB="21757" anchor="ctr">
+                    <a:lnL w="12700" cap="flat" cmpd="sng" algn="ctr">
+                      <a:solidFill>
+                        <a:schemeClr val="tx1"/>
+                      </a:solidFill>
+                      <a:prstDash val="solid"/>
+                      <a:round/>
+                      <a:headEnd type="none" w="med" len="med"/>
+                      <a:tailEnd type="none" w="med" len="med"/>
+                    </a:lnL>
+                    <a:lnR w="12700" cap="flat" cmpd="sng" algn="ctr">
+                      <a:solidFill>
+                        <a:schemeClr val="tx1"/>
+                      </a:solidFill>
+                      <a:prstDash val="solid"/>
+                      <a:round/>
+                      <a:headEnd type="none" w="med" len="med"/>
+                      <a:tailEnd type="none" w="med" len="med"/>
+                    </a:lnR>
+                    <a:lnT w="12700" cap="flat" cmpd="sng" algn="ctr">
+                      <a:solidFill>
+                        <a:schemeClr val="tx1"/>
+                      </a:solidFill>
+                      <a:prstDash val="solid"/>
+                      <a:round/>
+                      <a:headEnd type="none" w="med" len="med"/>
+                      <a:tailEnd type="none" w="med" len="med"/>
+                    </a:lnT>
+                    <a:lnB w="12700" cap="flat" cmpd="sng" algn="ctr">
+                      <a:solidFill>
+                        <a:schemeClr val="tx1"/>
+                      </a:solidFill>
+                      <a:prstDash val="solid"/>
+                      <a:round/>
+                      <a:headEnd type="none" w="med" len="med"/>
+                      <a:tailEnd type="none" w="med" len="med"/>
+                    </a:lnB>
+                  </a:tcPr>
+                </a:tc>
+                <a:tc>
+                  <a:txBody>
+                    <a:bodyPr/>
+                    <a:lstStyle/>
+                    <a:p>
+                      <a:pPr>
+                        <a:buNone/>
+                      </a:pPr>
+                      <a:r>
+                        <a:rPr lang="en-GB" sz="1800" b="1"/>
+                        <a:t>SVM</a:t>
+                      </a:r>
+                      <a:endParaRPr lang="en-GB" sz="1800"/>
+                    </a:p>
+                  </a:txBody>
+                  <a:tcPr marL="43513" marR="43513" marT="21757" marB="21757" anchor="ctr">
+                    <a:lnL w="12700" cap="flat" cmpd="sng" algn="ctr">
+                      <a:solidFill>
+                        <a:schemeClr val="tx1"/>
+                      </a:solidFill>
+                      <a:prstDash val="solid"/>
+                      <a:round/>
+                      <a:headEnd type="none" w="med" len="med"/>
+                      <a:tailEnd type="none" w="med" len="med"/>
+                    </a:lnL>
+                    <a:lnR w="12700" cap="flat" cmpd="sng" algn="ctr">
+                      <a:solidFill>
+                        <a:schemeClr val="tx1"/>
+                      </a:solidFill>
+                      <a:prstDash val="solid"/>
+                      <a:round/>
+                      <a:headEnd type="none" w="med" len="med"/>
+                      <a:tailEnd type="none" w="med" len="med"/>
+                    </a:lnR>
+                    <a:lnT w="12700" cap="flat" cmpd="sng" algn="ctr">
+                      <a:solidFill>
+                        <a:schemeClr val="tx1"/>
+                      </a:solidFill>
+                      <a:prstDash val="solid"/>
+                      <a:round/>
+                      <a:headEnd type="none" w="med" len="med"/>
+                      <a:tailEnd type="none" w="med" len="med"/>
+                    </a:lnT>
+                    <a:lnB w="12700" cap="flat" cmpd="sng" algn="ctr">
+                      <a:solidFill>
+                        <a:schemeClr val="tx1"/>
+                      </a:solidFill>
+                      <a:prstDash val="solid"/>
+                      <a:round/>
+                      <a:headEnd type="none" w="med" len="med"/>
+                      <a:tailEnd type="none" w="med" len="med"/>
+                    </a:lnB>
+                  </a:tcPr>
+                </a:tc>
+                <a:tc>
+                  <a:txBody>
+                    <a:bodyPr/>
+                    <a:lstStyle/>
+                    <a:p>
+                      <a:pPr>
+                        <a:buNone/>
+                      </a:pPr>
+                      <a:r>
+                        <a:rPr lang="en-US" sz="1800" dirty="0"/>
+                        <a:t>Works well in high-D spaces</a:t>
+                      </a:r>
+                    </a:p>
+                  </a:txBody>
+                  <a:tcPr marL="43513" marR="43513" marT="21757" marB="21757" anchor="ctr">
+                    <a:lnL w="12700" cap="flat" cmpd="sng" algn="ctr">
+                      <a:solidFill>
+                        <a:schemeClr val="tx1"/>
+                      </a:solidFill>
+                      <a:prstDash val="solid"/>
+                      <a:round/>
+                      <a:headEnd type="none" w="med" len="med"/>
+                      <a:tailEnd type="none" w="med" len="med"/>
+                    </a:lnL>
+                    <a:lnR w="12700" cap="flat" cmpd="sng" algn="ctr">
+                      <a:solidFill>
+                        <a:schemeClr val="tx1"/>
+                      </a:solidFill>
+                      <a:prstDash val="solid"/>
+                      <a:round/>
+                      <a:headEnd type="none" w="med" len="med"/>
+                      <a:tailEnd type="none" w="med" len="med"/>
+                    </a:lnR>
+                    <a:lnT w="12700" cap="flat" cmpd="sng" algn="ctr">
+                      <a:solidFill>
+                        <a:schemeClr val="tx1"/>
+                      </a:solidFill>
+                      <a:prstDash val="solid"/>
+                      <a:round/>
+                      <a:headEnd type="none" w="med" len="med"/>
+                      <a:tailEnd type="none" w="med" len="med"/>
+                    </a:lnT>
+                    <a:lnB w="12700" cap="flat" cmpd="sng" algn="ctr">
+                      <a:solidFill>
+                        <a:schemeClr val="tx1"/>
+                      </a:solidFill>
+                      <a:prstDash val="solid"/>
+                      <a:round/>
+                      <a:headEnd type="none" w="med" len="med"/>
+                      <a:tailEnd type="none" w="med" len="med"/>
+                    </a:lnB>
+                  </a:tcPr>
+                </a:tc>
+                <a:extLst>
+                  <a:ext uri="{0D108BD9-81ED-4DB2-BD59-A6C34878D82A}">
+                    <a16:rowId xmlns:a16="http://schemas.microsoft.com/office/drawing/2014/main" val="2276197305"/>
+                  </a:ext>
+                </a:extLst>
+              </a:tr>
+            </a:tbl>
+          </a:graphicData>
+        </a:graphic>
+      </p:graphicFrame>
+    </p:spTree>
+    <p:extLst>
+      <p:ext uri="{BB962C8B-B14F-4D97-AF65-F5344CB8AC3E}">
+        <p14:creationId xmlns:p14="http://schemas.microsoft.com/office/powerpoint/2010/main" val="3007820424"/>
       </p:ext>
     </p:extLst>
   </p:cSld>
